--- a/飞机大战项目/飞机大战.pptx
+++ b/飞机大战项目/飞机大战.pptx
@@ -16,12 +16,12 @@
     <p:sldId id="264" r:id="rId7"/>
     <p:sldId id="289" r:id="rId8"/>
     <p:sldId id="288" r:id="rId9"/>
-    <p:sldId id="265" r:id="rId10"/>
-    <p:sldId id="277" r:id="rId11"/>
-    <p:sldId id="278" r:id="rId12"/>
-    <p:sldId id="266" r:id="rId13"/>
-    <p:sldId id="279" r:id="rId14"/>
-    <p:sldId id="282" r:id="rId15"/>
+    <p:sldId id="291" r:id="rId10"/>
+    <p:sldId id="265" r:id="rId11"/>
+    <p:sldId id="277" r:id="rId12"/>
+    <p:sldId id="290" r:id="rId13"/>
+    <p:sldId id="266" r:id="rId14"/>
+    <p:sldId id="279" r:id="rId15"/>
     <p:sldId id="260" r:id="rId16"/>
   </p:sldIdLst>
   <p:sldSz cx="12192000" cy="6858000"/>
@@ -211,7 +211,7 @@
           <a:p>
             <a:fld id="{EF871439-3C56-481A-BDC5-88A9C79D178F}" type="datetimeFigureOut">
               <a:rPr lang="zh-CN" altLang="en-US" smtClean="0"/>
-              <a:t>2019/12/9</a:t>
+              <a:t>2019/12/28</a:t>
             </a:fld>
             <a:endParaRPr lang="zh-CN" altLang="en-US"/>
           </a:p>
@@ -636,7 +636,7 @@
     </p:spTree>
     <p:extLst>
       <p:ext uri="{BB962C8B-B14F-4D97-AF65-F5344CB8AC3E}">
-        <p14:creationId xmlns:p14="http://schemas.microsoft.com/office/powerpoint/2010/main" val="3287325257"/>
+        <p14:creationId xmlns:p14="http://schemas.microsoft.com/office/powerpoint/2010/main" val="3217138101"/>
       </p:ext>
     </p:extLst>
   </p:cSld>
@@ -720,7 +720,7 @@
     </p:spTree>
     <p:extLst>
       <p:ext uri="{BB962C8B-B14F-4D97-AF65-F5344CB8AC3E}">
-        <p14:creationId xmlns:p14="http://schemas.microsoft.com/office/powerpoint/2010/main" val="2723388729"/>
+        <p14:creationId xmlns:p14="http://schemas.microsoft.com/office/powerpoint/2010/main" val="3287325257"/>
       </p:ext>
     </p:extLst>
   </p:cSld>
@@ -804,7 +804,7 @@
     </p:spTree>
     <p:extLst>
       <p:ext uri="{BB962C8B-B14F-4D97-AF65-F5344CB8AC3E}">
-        <p14:creationId xmlns:p14="http://schemas.microsoft.com/office/powerpoint/2010/main" val="4052187189"/>
+        <p14:creationId xmlns:p14="http://schemas.microsoft.com/office/powerpoint/2010/main" val="3177748882"/>
       </p:ext>
     </p:extLst>
   </p:cSld>
@@ -888,7 +888,7 @@
     </p:spTree>
     <p:extLst>
       <p:ext uri="{BB962C8B-B14F-4D97-AF65-F5344CB8AC3E}">
-        <p14:creationId xmlns:p14="http://schemas.microsoft.com/office/powerpoint/2010/main" val="3315453825"/>
+        <p14:creationId xmlns:p14="http://schemas.microsoft.com/office/powerpoint/2010/main" val="4052187189"/>
       </p:ext>
     </p:extLst>
   </p:cSld>
@@ -972,7 +972,7 @@
     </p:spTree>
     <p:extLst>
       <p:ext uri="{BB962C8B-B14F-4D97-AF65-F5344CB8AC3E}">
-        <p14:creationId xmlns:p14="http://schemas.microsoft.com/office/powerpoint/2010/main" val="1410111227"/>
+        <p14:creationId xmlns:p14="http://schemas.microsoft.com/office/powerpoint/2010/main" val="3315453825"/>
       </p:ext>
     </p:extLst>
   </p:cSld>
@@ -1728,7 +1728,7 @@
     </p:spTree>
     <p:extLst>
       <p:ext uri="{BB962C8B-B14F-4D97-AF65-F5344CB8AC3E}">
-        <p14:creationId xmlns:p14="http://schemas.microsoft.com/office/powerpoint/2010/main" val="3217138101"/>
+        <p14:creationId xmlns:p14="http://schemas.microsoft.com/office/powerpoint/2010/main" val="844881730"/>
       </p:ext>
     </p:extLst>
   </p:cSld>
@@ -1867,7 +1867,7 @@
           <a:p>
             <a:fld id="{82F288E0-7875-42C4-84C8-98DBBD3BF4D2}" type="datetimeFigureOut">
               <a:rPr lang="zh-CN" altLang="en-US" smtClean="0"/>
-              <a:t>2019/12/9</a:t>
+              <a:t>2019/12/28</a:t>
             </a:fld>
             <a:endParaRPr lang="zh-CN" altLang="en-US"/>
           </a:p>
@@ -2013,7 +2013,7 @@
           <a:p>
             <a:fld id="{82F288E0-7875-42C4-84C8-98DBBD3BF4D2}" type="datetimeFigureOut">
               <a:rPr lang="zh-CN" altLang="en-US" smtClean="0"/>
-              <a:t>2019/12/9</a:t>
+              <a:t>2019/12/28</a:t>
             </a:fld>
             <a:endParaRPr lang="zh-CN" altLang="en-US"/>
           </a:p>
@@ -2176,7 +2176,7 @@
           <a:p>
             <a:fld id="{82F288E0-7875-42C4-84C8-98DBBD3BF4D2}" type="datetimeFigureOut">
               <a:rPr lang="zh-CN" altLang="en-US" smtClean="0"/>
-              <a:t>2019/12/9</a:t>
+              <a:t>2019/12/28</a:t>
             </a:fld>
             <a:endParaRPr lang="zh-CN" altLang="en-US"/>
           </a:p>
@@ -2416,7 +2416,7 @@
           <a:p>
             <a:fld id="{82F288E0-7875-42C4-84C8-98DBBD3BF4D2}" type="datetimeFigureOut">
               <a:rPr lang="zh-CN" altLang="en-US" smtClean="0"/>
-              <a:t>2019/12/9</a:t>
+              <a:t>2019/12/28</a:t>
             </a:fld>
             <a:endParaRPr lang="zh-CN" altLang="en-US"/>
           </a:p>
@@ -2640,7 +2640,7 @@
           <a:p>
             <a:fld id="{82F288E0-7875-42C4-84C8-98DBBD3BF4D2}" type="datetimeFigureOut">
               <a:rPr lang="zh-CN" altLang="en-US" smtClean="0"/>
-              <a:t>2019/12/9</a:t>
+              <a:t>2019/12/28</a:t>
             </a:fld>
             <a:endParaRPr lang="zh-CN" altLang="en-US"/>
           </a:p>
@@ -2999,7 +2999,7 @@
           <a:p>
             <a:fld id="{82F288E0-7875-42C4-84C8-98DBBD3BF4D2}" type="datetimeFigureOut">
               <a:rPr lang="zh-CN" altLang="en-US" smtClean="0"/>
-              <a:t>2019/12/9</a:t>
+              <a:t>2019/12/28</a:t>
             </a:fld>
             <a:endParaRPr lang="zh-CN" altLang="en-US"/>
           </a:p>
@@ -3111,7 +3111,7 @@
           <a:p>
             <a:fld id="{82F288E0-7875-42C4-84C8-98DBBD3BF4D2}" type="datetimeFigureOut">
               <a:rPr lang="zh-CN" altLang="en-US" smtClean="0"/>
-              <a:t>2019/12/9</a:t>
+              <a:t>2019/12/28</a:t>
             </a:fld>
             <a:endParaRPr lang="zh-CN" altLang="en-US"/>
           </a:p>
@@ -3201,7 +3201,7 @@
           <a:p>
             <a:fld id="{82F288E0-7875-42C4-84C8-98DBBD3BF4D2}" type="datetimeFigureOut">
               <a:rPr lang="zh-CN" altLang="en-US" smtClean="0"/>
-              <a:t>2019/12/9</a:t>
+              <a:t>2019/12/28</a:t>
             </a:fld>
             <a:endParaRPr lang="zh-CN" altLang="en-US"/>
           </a:p>
@@ -3448,7 +3448,7 @@
           <a:p>
             <a:fld id="{82F288E0-7875-42C4-84C8-98DBBD3BF4D2}" type="datetimeFigureOut">
               <a:rPr lang="zh-CN" altLang="en-US" smtClean="0"/>
-              <a:t>2019/12/9</a:t>
+              <a:t>2019/12/28</a:t>
             </a:fld>
             <a:endParaRPr lang="zh-CN" altLang="en-US"/>
           </a:p>
@@ -3621,7 +3621,7 @@
           <a:p>
             <a:fld id="{82F288E0-7875-42C4-84C8-98DBBD3BF4D2}" type="datetimeFigureOut">
               <a:rPr lang="zh-CN" altLang="en-US" smtClean="0"/>
-              <a:t>2019/12/9</a:t>
+              <a:t>2019/12/28</a:t>
             </a:fld>
             <a:endParaRPr lang="zh-CN" altLang="en-US"/>
           </a:p>
@@ -3836,7 +3836,7 @@
           <a:p>
             <a:fld id="{82F288E0-7875-42C4-84C8-98DBBD3BF4D2}" type="datetimeFigureOut">
               <a:rPr lang="zh-CN" altLang="en-US" smtClean="0"/>
-              <a:t>2019/12/9</a:t>
+              <a:t>2019/12/28</a:t>
             </a:fld>
             <a:endParaRPr lang="zh-CN" altLang="en-US"/>
           </a:p>
@@ -4578,2022 +4578,6 @@
       </p:grpSpPr>
       <p:sp>
         <p:nvSpPr>
-          <p:cNvPr id="4" name="文本框 3"/>
-          <p:cNvSpPr txBox="1"/>
-          <p:nvPr/>
-        </p:nvSpPr>
-        <p:spPr>
-          <a:xfrm>
-            <a:off x="-15240" y="300990"/>
-            <a:ext cx="822960" cy="521970"/>
-          </a:xfrm>
-          <a:prstGeom prst="rect">
-            <a:avLst/>
-          </a:prstGeom>
-          <a:noFill/>
-          <a:ln>
-            <a:solidFill>
-              <a:schemeClr val="bg1"/>
-            </a:solidFill>
-          </a:ln>
-        </p:spPr>
-        <p:txBody>
-          <a:bodyPr wrap="square" rtlCol="0">
-            <a:spAutoFit/>
-          </a:bodyPr>
-          <a:lstStyle/>
-          <a:p>
-            <a:pPr algn="r"/>
-            <a:r>
-              <a:rPr lang="en-US" altLang="zh-CN" sz="2800">
-                <a:solidFill>
-                  <a:schemeClr val="bg1"/>
-                </a:solidFill>
-                <a:latin typeface="Impact" panose="020B0806030902050204" charset="0"/>
-              </a:rPr>
-              <a:t>03</a:t>
-            </a:r>
-          </a:p>
-        </p:txBody>
-      </p:sp>
-      <p:sp>
-        <p:nvSpPr>
-          <p:cNvPr id="5" name="文本框 4"/>
-          <p:cNvSpPr txBox="1"/>
-          <p:nvPr/>
-        </p:nvSpPr>
-        <p:spPr>
-          <a:xfrm>
-            <a:off x="807720" y="320675"/>
-            <a:ext cx="1752600" cy="460375"/>
-          </a:xfrm>
-          <a:prstGeom prst="rect">
-            <a:avLst/>
-          </a:prstGeom>
-          <a:solidFill>
-            <a:schemeClr val="bg1"/>
-          </a:solidFill>
-        </p:spPr>
-        <p:txBody>
-          <a:bodyPr wrap="square" rtlCol="0">
-            <a:spAutoFit/>
-          </a:bodyPr>
-          <a:lstStyle/>
-          <a:p>
-            <a:pPr algn="ctr"/>
-            <a:r>
-              <a:rPr lang="zh-CN" altLang="en-US" sz="2400" b="1" dirty="0">
-                <a:solidFill>
-                  <a:schemeClr val="tx1">
-                    <a:lumMod val="85000"/>
-                    <a:lumOff val="15000"/>
-                  </a:schemeClr>
-                </a:solidFill>
-                <a:latin typeface="微软雅黑" panose="020B0503020204020204" charset="-122"/>
-                <a:ea typeface="微软雅黑" panose="020B0503020204020204" charset="-122"/>
-              </a:rPr>
-              <a:t>游 戏 展 示</a:t>
-            </a:r>
-          </a:p>
-        </p:txBody>
-      </p:sp>
-      <p:sp>
-        <p:nvSpPr>
-          <p:cNvPr id="6" name="文本框 5"/>
-          <p:cNvSpPr txBox="1"/>
-          <p:nvPr/>
-        </p:nvSpPr>
-        <p:spPr>
-          <a:xfrm>
-            <a:off x="2560320" y="332105"/>
-            <a:ext cx="3253105" cy="461665"/>
-          </a:xfrm>
-          <a:prstGeom prst="rect">
-            <a:avLst/>
-          </a:prstGeom>
-          <a:noFill/>
-          <a:ln>
-            <a:solidFill>
-              <a:schemeClr val="bg1"/>
-            </a:solidFill>
-          </a:ln>
-        </p:spPr>
-        <p:txBody>
-          <a:bodyPr wrap="square" rtlCol="0">
-            <a:spAutoFit/>
-          </a:bodyPr>
-          <a:lstStyle/>
-          <a:p>
-            <a:pPr algn="ctr"/>
-            <a:r>
-              <a:rPr lang="en-US" altLang="zh-CN" sz="2400" kern="0" dirty="0">
-                <a:solidFill>
-                  <a:schemeClr val="bg1"/>
-                </a:solidFill>
-                <a:latin typeface="Arial" panose="020B0604020202020204" pitchFamily="34" charset="0"/>
-                <a:ea typeface="微软雅黑" panose="020B0503020204020204" charset="-122"/>
-                <a:cs typeface="Arial" panose="020B0604020202020204" pitchFamily="34" charset="0"/>
-                <a:sym typeface="+mn-ea"/>
-              </a:rPr>
-              <a:t>Game Display</a:t>
-            </a:r>
-            <a:endParaRPr lang="zh-CN" altLang="en-US" sz="2400" kern="0" dirty="0">
-              <a:solidFill>
-                <a:schemeClr val="bg1"/>
-              </a:solidFill>
-              <a:latin typeface="Arial" panose="020B0604020202020204" pitchFamily="34" charset="0"/>
-              <a:ea typeface="微软雅黑" panose="020B0503020204020204" charset="-122"/>
-              <a:cs typeface="Arial" panose="020B0604020202020204" pitchFamily="34" charset="0"/>
-              <a:sym typeface="+mn-ea"/>
-            </a:endParaRPr>
-          </a:p>
-        </p:txBody>
-      </p:sp>
-      <p:sp>
-        <p:nvSpPr>
-          <p:cNvPr id="11" name="圆角矩形 10"/>
-          <p:cNvSpPr/>
-          <p:nvPr/>
-        </p:nvSpPr>
-        <p:spPr>
-          <a:xfrm>
-            <a:off x="899795" y="2842260"/>
-            <a:ext cx="1950085" cy="746760"/>
-          </a:xfrm>
-          <a:prstGeom prst="roundRect">
-            <a:avLst/>
-          </a:prstGeom>
-          <a:solidFill>
-            <a:srgbClr val="FFCF29"/>
-          </a:solidFill>
-          <a:ln>
-            <a:noFill/>
-          </a:ln>
-        </p:spPr>
-        <p:style>
-          <a:lnRef idx="2">
-            <a:schemeClr val="accent1">
-              <a:shade val="50000"/>
-            </a:schemeClr>
-          </a:lnRef>
-          <a:fillRef idx="1">
-            <a:schemeClr val="accent1"/>
-          </a:fillRef>
-          <a:effectRef idx="0">
-            <a:schemeClr val="accent1"/>
-          </a:effectRef>
-          <a:fontRef idx="minor">
-            <a:schemeClr val="lt1"/>
-          </a:fontRef>
-        </p:style>
-        <p:txBody>
-          <a:bodyPr rtlCol="0" anchor="ctr"/>
-          <a:lstStyle/>
-          <a:p>
-            <a:pPr algn="ctr"/>
-            <a:endParaRPr lang="zh-CN" altLang="en-US">
-              <a:solidFill>
-                <a:schemeClr val="bg1"/>
-              </a:solidFill>
-            </a:endParaRPr>
-          </a:p>
-        </p:txBody>
-      </p:sp>
-      <p:sp>
-        <p:nvSpPr>
-          <p:cNvPr id="12" name="文本框 11"/>
-          <p:cNvSpPr txBox="1"/>
-          <p:nvPr/>
-        </p:nvSpPr>
-        <p:spPr>
-          <a:xfrm>
-            <a:off x="1371600" y="2800350"/>
-            <a:ext cx="1005840" cy="829945"/>
-          </a:xfrm>
-          <a:prstGeom prst="rect">
-            <a:avLst/>
-          </a:prstGeom>
-          <a:noFill/>
-        </p:spPr>
-        <p:txBody>
-          <a:bodyPr wrap="square" rtlCol="0">
-            <a:spAutoFit/>
-          </a:bodyPr>
-          <a:lstStyle/>
-          <a:p>
-            <a:pPr algn="ctr"/>
-            <a:r>
-              <a:rPr lang="en-US" altLang="zh-CN" sz="4800">
-                <a:solidFill>
-                  <a:schemeClr val="tx1">
-                    <a:lumMod val="85000"/>
-                    <a:lumOff val="15000"/>
-                  </a:schemeClr>
-                </a:solidFill>
-              </a:rPr>
-              <a:t>1</a:t>
-            </a:r>
-          </a:p>
-        </p:txBody>
-      </p:sp>
-      <p:sp>
-        <p:nvSpPr>
-          <p:cNvPr id="17" name="圆角矩形 16"/>
-          <p:cNvSpPr/>
-          <p:nvPr/>
-        </p:nvSpPr>
-        <p:spPr>
-          <a:xfrm>
-            <a:off x="3714115" y="4777740"/>
-            <a:ext cx="1950085" cy="746760"/>
-          </a:xfrm>
-          <a:prstGeom prst="roundRect">
-            <a:avLst/>
-          </a:prstGeom>
-          <a:solidFill>
-            <a:srgbClr val="FFCF29"/>
-          </a:solidFill>
-          <a:ln>
-            <a:noFill/>
-          </a:ln>
-        </p:spPr>
-        <p:style>
-          <a:lnRef idx="2">
-            <a:schemeClr val="accent1">
-              <a:shade val="50000"/>
-            </a:schemeClr>
-          </a:lnRef>
-          <a:fillRef idx="1">
-            <a:schemeClr val="accent1"/>
-          </a:fillRef>
-          <a:effectRef idx="0">
-            <a:schemeClr val="accent1"/>
-          </a:effectRef>
-          <a:fontRef idx="minor">
-            <a:schemeClr val="lt1"/>
-          </a:fontRef>
-        </p:style>
-        <p:txBody>
-          <a:bodyPr rtlCol="0" anchor="ctr"/>
-          <a:lstStyle/>
-          <a:p>
-            <a:pPr algn="ctr"/>
-            <a:endParaRPr lang="zh-CN" altLang="en-US">
-              <a:solidFill>
-                <a:schemeClr val="bg1"/>
-              </a:solidFill>
-            </a:endParaRPr>
-          </a:p>
-        </p:txBody>
-      </p:sp>
-      <p:sp>
-        <p:nvSpPr>
-          <p:cNvPr id="18" name="文本框 17"/>
-          <p:cNvSpPr txBox="1"/>
-          <p:nvPr/>
-        </p:nvSpPr>
-        <p:spPr>
-          <a:xfrm>
-            <a:off x="4185920" y="4735830"/>
-            <a:ext cx="1005840" cy="829945"/>
-          </a:xfrm>
-          <a:prstGeom prst="rect">
-            <a:avLst/>
-          </a:prstGeom>
-          <a:noFill/>
-        </p:spPr>
-        <p:txBody>
-          <a:bodyPr wrap="square" rtlCol="0">
-            <a:spAutoFit/>
-          </a:bodyPr>
-          <a:lstStyle/>
-          <a:p>
-            <a:pPr algn="ctr"/>
-            <a:r>
-              <a:rPr lang="en-US" altLang="zh-CN" sz="4800">
-                <a:solidFill>
-                  <a:schemeClr val="tx1">
-                    <a:lumMod val="85000"/>
-                    <a:lumOff val="15000"/>
-                  </a:schemeClr>
-                </a:solidFill>
-              </a:rPr>
-              <a:t>2</a:t>
-            </a:r>
-          </a:p>
-        </p:txBody>
-      </p:sp>
-      <p:sp>
-        <p:nvSpPr>
-          <p:cNvPr id="27" name="圆角矩形 26"/>
-          <p:cNvSpPr/>
-          <p:nvPr/>
-        </p:nvSpPr>
-        <p:spPr>
-          <a:xfrm>
-            <a:off x="6528435" y="1775460"/>
-            <a:ext cx="1950085" cy="746760"/>
-          </a:xfrm>
-          <a:prstGeom prst="roundRect">
-            <a:avLst/>
-          </a:prstGeom>
-          <a:solidFill>
-            <a:srgbClr val="FFCF29"/>
-          </a:solidFill>
-          <a:ln>
-            <a:noFill/>
-          </a:ln>
-        </p:spPr>
-        <p:style>
-          <a:lnRef idx="2">
-            <a:schemeClr val="accent1">
-              <a:shade val="50000"/>
-            </a:schemeClr>
-          </a:lnRef>
-          <a:fillRef idx="1">
-            <a:schemeClr val="accent1"/>
-          </a:fillRef>
-          <a:effectRef idx="0">
-            <a:schemeClr val="accent1"/>
-          </a:effectRef>
-          <a:fontRef idx="minor">
-            <a:schemeClr val="lt1"/>
-          </a:fontRef>
-        </p:style>
-        <p:txBody>
-          <a:bodyPr rtlCol="0" anchor="ctr"/>
-          <a:lstStyle/>
-          <a:p>
-            <a:pPr algn="ctr"/>
-            <a:endParaRPr lang="zh-CN" altLang="en-US">
-              <a:solidFill>
-                <a:schemeClr val="bg1"/>
-              </a:solidFill>
-            </a:endParaRPr>
-          </a:p>
-        </p:txBody>
-      </p:sp>
-      <p:sp>
-        <p:nvSpPr>
-          <p:cNvPr id="28" name="文本框 27"/>
-          <p:cNvSpPr txBox="1"/>
-          <p:nvPr/>
-        </p:nvSpPr>
-        <p:spPr>
-          <a:xfrm>
-            <a:off x="7000240" y="1733550"/>
-            <a:ext cx="1005840" cy="829945"/>
-          </a:xfrm>
-          <a:prstGeom prst="rect">
-            <a:avLst/>
-          </a:prstGeom>
-          <a:noFill/>
-        </p:spPr>
-        <p:txBody>
-          <a:bodyPr wrap="square" rtlCol="0">
-            <a:spAutoFit/>
-          </a:bodyPr>
-          <a:lstStyle/>
-          <a:p>
-            <a:pPr algn="ctr"/>
-            <a:r>
-              <a:rPr lang="en-US" altLang="zh-CN" sz="4800">
-                <a:solidFill>
-                  <a:schemeClr val="tx1">
-                    <a:lumMod val="85000"/>
-                    <a:lumOff val="15000"/>
-                  </a:schemeClr>
-                </a:solidFill>
-              </a:rPr>
-              <a:t>3</a:t>
-            </a:r>
-          </a:p>
-        </p:txBody>
-      </p:sp>
-      <p:sp>
-        <p:nvSpPr>
-          <p:cNvPr id="29" name="圆角矩形 28"/>
-          <p:cNvSpPr/>
-          <p:nvPr/>
-        </p:nvSpPr>
-        <p:spPr>
-          <a:xfrm>
-            <a:off x="9342755" y="3630930"/>
-            <a:ext cx="1950085" cy="746760"/>
-          </a:xfrm>
-          <a:prstGeom prst="roundRect">
-            <a:avLst/>
-          </a:prstGeom>
-          <a:solidFill>
-            <a:srgbClr val="FFCF29"/>
-          </a:solidFill>
-          <a:ln>
-            <a:noFill/>
-          </a:ln>
-        </p:spPr>
-        <p:style>
-          <a:lnRef idx="2">
-            <a:schemeClr val="accent1">
-              <a:shade val="50000"/>
-            </a:schemeClr>
-          </a:lnRef>
-          <a:fillRef idx="1">
-            <a:schemeClr val="accent1"/>
-          </a:fillRef>
-          <a:effectRef idx="0">
-            <a:schemeClr val="accent1"/>
-          </a:effectRef>
-          <a:fontRef idx="minor">
-            <a:schemeClr val="lt1"/>
-          </a:fontRef>
-        </p:style>
-        <p:txBody>
-          <a:bodyPr rtlCol="0" anchor="ctr"/>
-          <a:lstStyle/>
-          <a:p>
-            <a:pPr algn="ctr"/>
-            <a:endParaRPr lang="zh-CN" altLang="en-US">
-              <a:solidFill>
-                <a:schemeClr val="bg1"/>
-              </a:solidFill>
-            </a:endParaRPr>
-          </a:p>
-        </p:txBody>
-      </p:sp>
-      <p:sp>
-        <p:nvSpPr>
-          <p:cNvPr id="30" name="文本框 29"/>
-          <p:cNvSpPr txBox="1"/>
-          <p:nvPr/>
-        </p:nvSpPr>
-        <p:spPr>
-          <a:xfrm>
-            <a:off x="9814560" y="3589020"/>
-            <a:ext cx="1005840" cy="829945"/>
-          </a:xfrm>
-          <a:prstGeom prst="rect">
-            <a:avLst/>
-          </a:prstGeom>
-          <a:noFill/>
-        </p:spPr>
-        <p:txBody>
-          <a:bodyPr wrap="square" rtlCol="0">
-            <a:spAutoFit/>
-          </a:bodyPr>
-          <a:lstStyle/>
-          <a:p>
-            <a:pPr algn="ctr"/>
-            <a:r>
-              <a:rPr lang="en-US" altLang="zh-CN" sz="4800">
-                <a:solidFill>
-                  <a:schemeClr val="tx1">
-                    <a:lumMod val="85000"/>
-                    <a:lumOff val="15000"/>
-                  </a:schemeClr>
-                </a:solidFill>
-              </a:rPr>
-              <a:t>4</a:t>
-            </a:r>
-          </a:p>
-        </p:txBody>
-      </p:sp>
-      <p:grpSp>
-        <p:nvGrpSpPr>
-          <p:cNvPr id="31" name="组合 30"/>
-          <p:cNvGrpSpPr/>
-          <p:nvPr/>
-        </p:nvGrpSpPr>
-        <p:grpSpPr>
-          <a:xfrm>
-            <a:off x="2849880" y="3192780"/>
-            <a:ext cx="863600" cy="1958340"/>
-            <a:chOff x="4488" y="5028"/>
-            <a:chExt cx="1360" cy="3084"/>
-          </a:xfrm>
-        </p:grpSpPr>
-        <p:cxnSp>
-          <p:nvCxnSpPr>
-            <p:cNvPr id="32" name="直接连接符 31"/>
-            <p:cNvCxnSpPr/>
-            <p:nvPr/>
-          </p:nvCxnSpPr>
-          <p:spPr>
-            <a:xfrm>
-              <a:off x="4488" y="5028"/>
-              <a:ext cx="648" cy="0"/>
-            </a:xfrm>
-            <a:prstGeom prst="line">
-              <a:avLst/>
-            </a:prstGeom>
-            <a:ln>
-              <a:solidFill>
-                <a:schemeClr val="bg1"/>
-              </a:solidFill>
-            </a:ln>
-          </p:spPr>
-          <p:style>
-            <a:lnRef idx="1">
-              <a:schemeClr val="accent1"/>
-            </a:lnRef>
-            <a:fillRef idx="0">
-              <a:schemeClr val="accent1"/>
-            </a:fillRef>
-            <a:effectRef idx="0">
-              <a:schemeClr val="accent1"/>
-            </a:effectRef>
-            <a:fontRef idx="minor">
-              <a:schemeClr val="tx1"/>
-            </a:fontRef>
-          </p:style>
-        </p:cxnSp>
-        <p:cxnSp>
-          <p:nvCxnSpPr>
-            <p:cNvPr id="33" name="直接连接符 32"/>
-            <p:cNvCxnSpPr/>
-            <p:nvPr/>
-          </p:nvCxnSpPr>
-          <p:spPr>
-            <a:xfrm>
-              <a:off x="5136" y="5028"/>
-              <a:ext cx="0" cy="3072"/>
-            </a:xfrm>
-            <a:prstGeom prst="line">
-              <a:avLst/>
-            </a:prstGeom>
-            <a:ln>
-              <a:solidFill>
-                <a:schemeClr val="bg1"/>
-              </a:solidFill>
-            </a:ln>
-          </p:spPr>
-          <p:style>
-            <a:lnRef idx="1">
-              <a:schemeClr val="accent1"/>
-            </a:lnRef>
-            <a:fillRef idx="0">
-              <a:schemeClr val="accent1"/>
-            </a:fillRef>
-            <a:effectRef idx="0">
-              <a:schemeClr val="accent1"/>
-            </a:effectRef>
-            <a:fontRef idx="minor">
-              <a:schemeClr val="tx1"/>
-            </a:fontRef>
-          </p:style>
-        </p:cxnSp>
-        <p:cxnSp>
-          <p:nvCxnSpPr>
-            <p:cNvPr id="34" name="直接连接符 33"/>
-            <p:cNvCxnSpPr/>
-            <p:nvPr/>
-          </p:nvCxnSpPr>
-          <p:spPr>
-            <a:xfrm>
-              <a:off x="5160" y="8112"/>
-              <a:ext cx="689" cy="0"/>
-            </a:xfrm>
-            <a:prstGeom prst="line">
-              <a:avLst/>
-            </a:prstGeom>
-            <a:ln>
-              <a:solidFill>
-                <a:schemeClr val="bg1"/>
-              </a:solidFill>
-            </a:ln>
-          </p:spPr>
-          <p:style>
-            <a:lnRef idx="1">
-              <a:schemeClr val="accent1"/>
-            </a:lnRef>
-            <a:fillRef idx="0">
-              <a:schemeClr val="accent1"/>
-            </a:fillRef>
-            <a:effectRef idx="0">
-              <a:schemeClr val="accent1"/>
-            </a:effectRef>
-            <a:fontRef idx="minor">
-              <a:schemeClr val="tx1"/>
-            </a:fontRef>
-          </p:style>
-        </p:cxnSp>
-      </p:grpSp>
-      <p:grpSp>
-        <p:nvGrpSpPr>
-          <p:cNvPr id="35" name="组合 34"/>
-          <p:cNvGrpSpPr/>
-          <p:nvPr/>
-        </p:nvGrpSpPr>
-        <p:grpSpPr>
-          <a:xfrm flipV="1">
-            <a:off x="5684520" y="2157095"/>
-            <a:ext cx="863600" cy="2994025"/>
-            <a:chOff x="4488" y="5028"/>
-            <a:chExt cx="1360" cy="3084"/>
-          </a:xfrm>
-        </p:grpSpPr>
-        <p:cxnSp>
-          <p:nvCxnSpPr>
-            <p:cNvPr id="36" name="直接连接符 35"/>
-            <p:cNvCxnSpPr/>
-            <p:nvPr/>
-          </p:nvCxnSpPr>
-          <p:spPr>
-            <a:xfrm>
-              <a:off x="4488" y="5028"/>
-              <a:ext cx="648" cy="0"/>
-            </a:xfrm>
-            <a:prstGeom prst="line">
-              <a:avLst/>
-            </a:prstGeom>
-            <a:ln>
-              <a:solidFill>
-                <a:schemeClr val="bg1"/>
-              </a:solidFill>
-            </a:ln>
-          </p:spPr>
-          <p:style>
-            <a:lnRef idx="1">
-              <a:schemeClr val="accent1"/>
-            </a:lnRef>
-            <a:fillRef idx="0">
-              <a:schemeClr val="accent1"/>
-            </a:fillRef>
-            <a:effectRef idx="0">
-              <a:schemeClr val="accent1"/>
-            </a:effectRef>
-            <a:fontRef idx="minor">
-              <a:schemeClr val="tx1"/>
-            </a:fontRef>
-          </p:style>
-        </p:cxnSp>
-        <p:cxnSp>
-          <p:nvCxnSpPr>
-            <p:cNvPr id="37" name="直接连接符 36"/>
-            <p:cNvCxnSpPr/>
-            <p:nvPr/>
-          </p:nvCxnSpPr>
-          <p:spPr>
-            <a:xfrm>
-              <a:off x="5136" y="5028"/>
-              <a:ext cx="0" cy="3072"/>
-            </a:xfrm>
-            <a:prstGeom prst="line">
-              <a:avLst/>
-            </a:prstGeom>
-            <a:ln>
-              <a:solidFill>
-                <a:schemeClr val="bg1"/>
-              </a:solidFill>
-            </a:ln>
-          </p:spPr>
-          <p:style>
-            <a:lnRef idx="1">
-              <a:schemeClr val="accent1"/>
-            </a:lnRef>
-            <a:fillRef idx="0">
-              <a:schemeClr val="accent1"/>
-            </a:fillRef>
-            <a:effectRef idx="0">
-              <a:schemeClr val="accent1"/>
-            </a:effectRef>
-            <a:fontRef idx="minor">
-              <a:schemeClr val="tx1"/>
-            </a:fontRef>
-          </p:style>
-        </p:cxnSp>
-        <p:cxnSp>
-          <p:nvCxnSpPr>
-            <p:cNvPr id="38" name="直接连接符 37"/>
-            <p:cNvCxnSpPr/>
-            <p:nvPr/>
-          </p:nvCxnSpPr>
-          <p:spPr>
-            <a:xfrm>
-              <a:off x="5160" y="8112"/>
-              <a:ext cx="689" cy="0"/>
-            </a:xfrm>
-            <a:prstGeom prst="line">
-              <a:avLst/>
-            </a:prstGeom>
-            <a:ln>
-              <a:solidFill>
-                <a:schemeClr val="bg1"/>
-              </a:solidFill>
-            </a:ln>
-          </p:spPr>
-          <p:style>
-            <a:lnRef idx="1">
-              <a:schemeClr val="accent1"/>
-            </a:lnRef>
-            <a:fillRef idx="0">
-              <a:schemeClr val="accent1"/>
-            </a:fillRef>
-            <a:effectRef idx="0">
-              <a:schemeClr val="accent1"/>
-            </a:effectRef>
-            <a:fontRef idx="minor">
-              <a:schemeClr val="tx1"/>
-            </a:fontRef>
-          </p:style>
-        </p:cxnSp>
-      </p:grpSp>
-      <p:grpSp>
-        <p:nvGrpSpPr>
-          <p:cNvPr id="39" name="组合 38"/>
-          <p:cNvGrpSpPr/>
-          <p:nvPr/>
-        </p:nvGrpSpPr>
-        <p:grpSpPr>
-          <a:xfrm>
-            <a:off x="8479155" y="2157730"/>
-            <a:ext cx="863600" cy="1823085"/>
-            <a:chOff x="4488" y="5028"/>
-            <a:chExt cx="1360" cy="3084"/>
-          </a:xfrm>
-        </p:grpSpPr>
-        <p:cxnSp>
-          <p:nvCxnSpPr>
-            <p:cNvPr id="40" name="直接连接符 39"/>
-            <p:cNvCxnSpPr/>
-            <p:nvPr/>
-          </p:nvCxnSpPr>
-          <p:spPr>
-            <a:xfrm>
-              <a:off x="4488" y="5028"/>
-              <a:ext cx="648" cy="0"/>
-            </a:xfrm>
-            <a:prstGeom prst="line">
-              <a:avLst/>
-            </a:prstGeom>
-            <a:ln>
-              <a:solidFill>
-                <a:schemeClr val="bg1"/>
-              </a:solidFill>
-            </a:ln>
-          </p:spPr>
-          <p:style>
-            <a:lnRef idx="1">
-              <a:schemeClr val="accent1"/>
-            </a:lnRef>
-            <a:fillRef idx="0">
-              <a:schemeClr val="accent1"/>
-            </a:fillRef>
-            <a:effectRef idx="0">
-              <a:schemeClr val="accent1"/>
-            </a:effectRef>
-            <a:fontRef idx="minor">
-              <a:schemeClr val="tx1"/>
-            </a:fontRef>
-          </p:style>
-        </p:cxnSp>
-        <p:cxnSp>
-          <p:nvCxnSpPr>
-            <p:cNvPr id="41" name="直接连接符 40"/>
-            <p:cNvCxnSpPr/>
-            <p:nvPr/>
-          </p:nvCxnSpPr>
-          <p:spPr>
-            <a:xfrm>
-              <a:off x="5136" y="5028"/>
-              <a:ext cx="0" cy="3072"/>
-            </a:xfrm>
-            <a:prstGeom prst="line">
-              <a:avLst/>
-            </a:prstGeom>
-            <a:ln>
-              <a:solidFill>
-                <a:schemeClr val="bg1"/>
-              </a:solidFill>
-            </a:ln>
-          </p:spPr>
-          <p:style>
-            <a:lnRef idx="1">
-              <a:schemeClr val="accent1"/>
-            </a:lnRef>
-            <a:fillRef idx="0">
-              <a:schemeClr val="accent1"/>
-            </a:fillRef>
-            <a:effectRef idx="0">
-              <a:schemeClr val="accent1"/>
-            </a:effectRef>
-            <a:fontRef idx="minor">
-              <a:schemeClr val="tx1"/>
-            </a:fontRef>
-          </p:style>
-        </p:cxnSp>
-        <p:cxnSp>
-          <p:nvCxnSpPr>
-            <p:cNvPr id="42" name="直接连接符 41"/>
-            <p:cNvCxnSpPr/>
-            <p:nvPr/>
-          </p:nvCxnSpPr>
-          <p:spPr>
-            <a:xfrm>
-              <a:off x="5160" y="8112"/>
-              <a:ext cx="689" cy="0"/>
-            </a:xfrm>
-            <a:prstGeom prst="line">
-              <a:avLst/>
-            </a:prstGeom>
-            <a:ln>
-              <a:solidFill>
-                <a:schemeClr val="bg1"/>
-              </a:solidFill>
-            </a:ln>
-          </p:spPr>
-          <p:style>
-            <a:lnRef idx="1">
-              <a:schemeClr val="accent1"/>
-            </a:lnRef>
-            <a:fillRef idx="0">
-              <a:schemeClr val="accent1"/>
-            </a:fillRef>
-            <a:effectRef idx="0">
-              <a:schemeClr val="accent1"/>
-            </a:effectRef>
-            <a:fontRef idx="minor">
-              <a:schemeClr val="tx1"/>
-            </a:fontRef>
-          </p:style>
-        </p:cxnSp>
-      </p:grpSp>
-      <p:sp>
-        <p:nvSpPr>
-          <p:cNvPr id="43" name="文本框 42"/>
-          <p:cNvSpPr txBox="1"/>
-          <p:nvPr/>
-        </p:nvSpPr>
-        <p:spPr>
-          <a:xfrm>
-            <a:off x="648335" y="3676650"/>
-            <a:ext cx="2453005" cy="978729"/>
-          </a:xfrm>
-          <a:prstGeom prst="rect">
-            <a:avLst/>
-          </a:prstGeom>
-          <a:noFill/>
-        </p:spPr>
-        <p:txBody>
-          <a:bodyPr wrap="square" rtlCol="0">
-            <a:spAutoFit/>
-          </a:bodyPr>
-          <a:lstStyle/>
-          <a:p>
-            <a:pPr algn="ctr" fontAlgn="auto">
-              <a:lnSpc>
-                <a:spcPct val="120000"/>
-              </a:lnSpc>
-            </a:pPr>
-            <a:r>
-              <a:rPr lang="zh-CN" altLang="en-US" sz="1600" dirty="0">
-                <a:solidFill>
-                  <a:schemeClr val="bg1"/>
-                </a:solidFill>
-                <a:latin typeface="微软雅黑" panose="020B0503020204020204" charset="-122"/>
-                <a:ea typeface="微软雅黑" panose="020B0503020204020204" charset="-122"/>
-                <a:sym typeface="宋体" panose="02010600030101010101" pitchFamily="2" charset="-122"/>
-              </a:rPr>
-              <a:t>单击此处添加本章节的简要内容。模板所有素材均可自由编辑替换移动。</a:t>
-            </a:r>
-          </a:p>
-        </p:txBody>
-      </p:sp>
-      <p:sp>
-        <p:nvSpPr>
-          <p:cNvPr id="44" name="文本框 43"/>
-          <p:cNvSpPr txBox="1"/>
-          <p:nvPr/>
-        </p:nvSpPr>
-        <p:spPr>
-          <a:xfrm>
-            <a:off x="6276340" y="2580005"/>
-            <a:ext cx="2453005" cy="978729"/>
-          </a:xfrm>
-          <a:prstGeom prst="rect">
-            <a:avLst/>
-          </a:prstGeom>
-          <a:noFill/>
-        </p:spPr>
-        <p:txBody>
-          <a:bodyPr wrap="square" rtlCol="0">
-            <a:spAutoFit/>
-          </a:bodyPr>
-          <a:lstStyle/>
-          <a:p>
-            <a:pPr algn="ctr" fontAlgn="auto">
-              <a:lnSpc>
-                <a:spcPct val="120000"/>
-              </a:lnSpc>
-            </a:pPr>
-            <a:r>
-              <a:rPr lang="zh-CN" altLang="en-US" sz="1600" dirty="0">
-                <a:solidFill>
-                  <a:schemeClr val="bg1"/>
-                </a:solidFill>
-                <a:latin typeface="微软雅黑" panose="020B0503020204020204" charset="-122"/>
-                <a:ea typeface="微软雅黑" panose="020B0503020204020204" charset="-122"/>
-                <a:sym typeface="宋体" panose="02010600030101010101" pitchFamily="2" charset="-122"/>
-              </a:rPr>
-              <a:t>单击此处添加本章节的简要内容。模板所有素材均可自由编辑替换移动。</a:t>
-            </a:r>
-          </a:p>
-        </p:txBody>
-      </p:sp>
-      <p:sp>
-        <p:nvSpPr>
-          <p:cNvPr id="45" name="文本框 44"/>
-          <p:cNvSpPr txBox="1"/>
-          <p:nvPr/>
-        </p:nvSpPr>
-        <p:spPr>
-          <a:xfrm>
-            <a:off x="9090660" y="4514850"/>
-            <a:ext cx="2453005" cy="978729"/>
-          </a:xfrm>
-          <a:prstGeom prst="rect">
-            <a:avLst/>
-          </a:prstGeom>
-          <a:noFill/>
-        </p:spPr>
-        <p:txBody>
-          <a:bodyPr wrap="square" rtlCol="0">
-            <a:spAutoFit/>
-          </a:bodyPr>
-          <a:lstStyle/>
-          <a:p>
-            <a:pPr algn="ctr" fontAlgn="auto">
-              <a:lnSpc>
-                <a:spcPct val="120000"/>
-              </a:lnSpc>
-            </a:pPr>
-            <a:r>
-              <a:rPr lang="zh-CN" altLang="en-US" sz="1600" dirty="0">
-                <a:solidFill>
-                  <a:schemeClr val="bg1"/>
-                </a:solidFill>
-                <a:latin typeface="微软雅黑" panose="020B0503020204020204" charset="-122"/>
-                <a:ea typeface="微软雅黑" panose="020B0503020204020204" charset="-122"/>
-                <a:sym typeface="宋体" panose="02010600030101010101" pitchFamily="2" charset="-122"/>
-              </a:rPr>
-              <a:t>单击此处添加本章节的简要内容。模板所有素材均可自由编辑替换移动。</a:t>
-            </a:r>
-          </a:p>
-        </p:txBody>
-      </p:sp>
-      <p:sp>
-        <p:nvSpPr>
-          <p:cNvPr id="46" name="文本框 45"/>
-          <p:cNvSpPr txBox="1"/>
-          <p:nvPr/>
-        </p:nvSpPr>
-        <p:spPr>
-          <a:xfrm>
-            <a:off x="3462655" y="3368675"/>
-            <a:ext cx="2453005" cy="978729"/>
-          </a:xfrm>
-          <a:prstGeom prst="rect">
-            <a:avLst/>
-          </a:prstGeom>
-          <a:noFill/>
-        </p:spPr>
-        <p:txBody>
-          <a:bodyPr wrap="square" rtlCol="0">
-            <a:spAutoFit/>
-          </a:bodyPr>
-          <a:lstStyle/>
-          <a:p>
-            <a:pPr algn="ctr" fontAlgn="auto">
-              <a:lnSpc>
-                <a:spcPct val="120000"/>
-              </a:lnSpc>
-            </a:pPr>
-            <a:r>
-              <a:rPr lang="zh-CN" altLang="en-US" sz="1600" dirty="0">
-                <a:solidFill>
-                  <a:schemeClr val="bg1"/>
-                </a:solidFill>
-                <a:latin typeface="微软雅黑" panose="020B0503020204020204" charset="-122"/>
-                <a:ea typeface="微软雅黑" panose="020B0503020204020204" charset="-122"/>
-                <a:sym typeface="宋体" panose="02010600030101010101" pitchFamily="2" charset="-122"/>
-              </a:rPr>
-              <a:t>单击此处添加本章节的简要内容。模板所有素材均可自由编辑替换移动。</a:t>
-            </a:r>
-          </a:p>
-        </p:txBody>
-      </p:sp>
-    </p:spTree>
-  </p:cSld>
-  <p:clrMapOvr>
-    <a:masterClrMapping/>
-  </p:clrMapOvr>
-</p:sld>
-</file>
-
-<file path=ppt/slides/slide11.xml><?xml version="1.0" encoding="utf-8"?>
-<p:sld xmlns:a="http://schemas.openxmlformats.org/drawingml/2006/main" xmlns:r="http://schemas.openxmlformats.org/officeDocument/2006/relationships" xmlns:p="http://schemas.openxmlformats.org/presentationml/2006/main">
-  <p:cSld>
-    <p:spTree>
-      <p:nvGrpSpPr>
-        <p:cNvPr id="1" name=""/>
-        <p:cNvGrpSpPr/>
-        <p:nvPr/>
-      </p:nvGrpSpPr>
-      <p:grpSpPr>
-        <a:xfrm>
-          <a:off x="0" y="0"/>
-          <a:ext cx="0" cy="0"/>
-          <a:chOff x="0" y="0"/>
-          <a:chExt cx="0" cy="0"/>
-        </a:xfrm>
-      </p:grpSpPr>
-      <p:sp>
-        <p:nvSpPr>
-          <p:cNvPr id="2" name="平行四边形 1"/>
-          <p:cNvSpPr/>
-          <p:nvPr/>
-        </p:nvSpPr>
-        <p:spPr>
-          <a:xfrm>
-            <a:off x="655955" y="4739640"/>
-            <a:ext cx="2176145" cy="807720"/>
-          </a:xfrm>
-          <a:prstGeom prst="parallelogram">
-            <a:avLst>
-              <a:gd name="adj" fmla="val 68789"/>
-            </a:avLst>
-          </a:prstGeom>
-          <a:solidFill>
-            <a:srgbClr val="FFCF29"/>
-          </a:solidFill>
-          <a:ln>
-            <a:noFill/>
-          </a:ln>
-        </p:spPr>
-        <p:style>
-          <a:lnRef idx="2">
-            <a:schemeClr val="accent1">
-              <a:shade val="50000"/>
-            </a:schemeClr>
-          </a:lnRef>
-          <a:fillRef idx="1">
-            <a:schemeClr val="accent1"/>
-          </a:fillRef>
-          <a:effectRef idx="0">
-            <a:schemeClr val="accent1"/>
-          </a:effectRef>
-          <a:fontRef idx="minor">
-            <a:schemeClr val="lt1"/>
-          </a:fontRef>
-        </p:style>
-        <p:txBody>
-          <a:bodyPr rtlCol="0" anchor="ctr"/>
-          <a:lstStyle/>
-          <a:p>
-            <a:pPr algn="ctr"/>
-            <a:endParaRPr lang="zh-CN" altLang="en-US">
-              <a:solidFill>
-                <a:schemeClr val="bg1"/>
-              </a:solidFill>
-            </a:endParaRPr>
-          </a:p>
-        </p:txBody>
-      </p:sp>
-      <p:sp>
-        <p:nvSpPr>
-          <p:cNvPr id="8" name="平行四边形 7"/>
-          <p:cNvSpPr/>
-          <p:nvPr/>
-        </p:nvSpPr>
-        <p:spPr>
-          <a:xfrm>
-            <a:off x="2832100" y="4739640"/>
-            <a:ext cx="2176145" cy="807720"/>
-          </a:xfrm>
-          <a:prstGeom prst="parallelogram">
-            <a:avLst>
-              <a:gd name="adj" fmla="val 68789"/>
-            </a:avLst>
-          </a:prstGeom>
-          <a:solidFill>
-            <a:schemeClr val="bg1">
-              <a:lumMod val="75000"/>
-            </a:schemeClr>
-          </a:solidFill>
-          <a:ln>
-            <a:noFill/>
-          </a:ln>
-        </p:spPr>
-        <p:style>
-          <a:lnRef idx="2">
-            <a:schemeClr val="accent1">
-              <a:shade val="50000"/>
-            </a:schemeClr>
-          </a:lnRef>
-          <a:fillRef idx="1">
-            <a:schemeClr val="accent1"/>
-          </a:fillRef>
-          <a:effectRef idx="0">
-            <a:schemeClr val="accent1"/>
-          </a:effectRef>
-          <a:fontRef idx="minor">
-            <a:schemeClr val="lt1"/>
-          </a:fontRef>
-        </p:style>
-        <p:txBody>
-          <a:bodyPr rtlCol="0" anchor="ctr"/>
-          <a:lstStyle/>
-          <a:p>
-            <a:pPr algn="ctr"/>
-            <a:endParaRPr lang="zh-CN" altLang="en-US">
-              <a:solidFill>
-                <a:schemeClr val="bg1"/>
-              </a:solidFill>
-            </a:endParaRPr>
-          </a:p>
-        </p:txBody>
-      </p:sp>
-      <p:sp>
-        <p:nvSpPr>
-          <p:cNvPr id="9" name="平行四边形 8"/>
-          <p:cNvSpPr/>
-          <p:nvPr/>
-        </p:nvSpPr>
-        <p:spPr>
-          <a:xfrm>
-            <a:off x="5008245" y="4739640"/>
-            <a:ext cx="2176145" cy="807720"/>
-          </a:xfrm>
-          <a:prstGeom prst="parallelogram">
-            <a:avLst>
-              <a:gd name="adj" fmla="val 68789"/>
-            </a:avLst>
-          </a:prstGeom>
-          <a:solidFill>
-            <a:schemeClr val="accent2"/>
-          </a:solidFill>
-          <a:ln>
-            <a:noFill/>
-          </a:ln>
-        </p:spPr>
-        <p:style>
-          <a:lnRef idx="2">
-            <a:schemeClr val="accent1">
-              <a:shade val="50000"/>
-            </a:schemeClr>
-          </a:lnRef>
-          <a:fillRef idx="1">
-            <a:schemeClr val="accent1"/>
-          </a:fillRef>
-          <a:effectRef idx="0">
-            <a:schemeClr val="accent1"/>
-          </a:effectRef>
-          <a:fontRef idx="minor">
-            <a:schemeClr val="lt1"/>
-          </a:fontRef>
-        </p:style>
-        <p:txBody>
-          <a:bodyPr rtlCol="0" anchor="ctr"/>
-          <a:lstStyle/>
-          <a:p>
-            <a:pPr algn="ctr"/>
-            <a:endParaRPr lang="zh-CN" altLang="en-US">
-              <a:solidFill>
-                <a:schemeClr val="bg1"/>
-              </a:solidFill>
-            </a:endParaRPr>
-          </a:p>
-        </p:txBody>
-      </p:sp>
-      <p:sp>
-        <p:nvSpPr>
-          <p:cNvPr id="10" name="平行四边形 9"/>
-          <p:cNvSpPr/>
-          <p:nvPr/>
-        </p:nvSpPr>
-        <p:spPr>
-          <a:xfrm>
-            <a:off x="7184390" y="4739640"/>
-            <a:ext cx="2176145" cy="807720"/>
-          </a:xfrm>
-          <a:prstGeom prst="parallelogram">
-            <a:avLst>
-              <a:gd name="adj" fmla="val 68789"/>
-            </a:avLst>
-          </a:prstGeom>
-          <a:solidFill>
-            <a:schemeClr val="bg1">
-              <a:lumMod val="75000"/>
-            </a:schemeClr>
-          </a:solidFill>
-          <a:ln>
-            <a:noFill/>
-          </a:ln>
-        </p:spPr>
-        <p:style>
-          <a:lnRef idx="2">
-            <a:schemeClr val="accent1">
-              <a:shade val="50000"/>
-            </a:schemeClr>
-          </a:lnRef>
-          <a:fillRef idx="1">
-            <a:schemeClr val="accent1"/>
-          </a:fillRef>
-          <a:effectRef idx="0">
-            <a:schemeClr val="accent1"/>
-          </a:effectRef>
-          <a:fontRef idx="minor">
-            <a:schemeClr val="lt1"/>
-          </a:fontRef>
-        </p:style>
-        <p:txBody>
-          <a:bodyPr rtlCol="0" anchor="ctr"/>
-          <a:lstStyle/>
-          <a:p>
-            <a:pPr algn="ctr"/>
-            <a:endParaRPr lang="zh-CN" altLang="en-US">
-              <a:solidFill>
-                <a:schemeClr val="bg1"/>
-              </a:solidFill>
-            </a:endParaRPr>
-          </a:p>
-        </p:txBody>
-      </p:sp>
-      <p:sp>
-        <p:nvSpPr>
-          <p:cNvPr id="11" name="平行四边形 10"/>
-          <p:cNvSpPr/>
-          <p:nvPr/>
-        </p:nvSpPr>
-        <p:spPr>
-          <a:xfrm>
-            <a:off x="9360535" y="4739640"/>
-            <a:ext cx="2176145" cy="807720"/>
-          </a:xfrm>
-          <a:prstGeom prst="parallelogram">
-            <a:avLst>
-              <a:gd name="adj" fmla="val 68789"/>
-            </a:avLst>
-          </a:prstGeom>
-          <a:solidFill>
-            <a:srgbClr val="FFCF29"/>
-          </a:solidFill>
-          <a:ln>
-            <a:noFill/>
-          </a:ln>
-        </p:spPr>
-        <p:style>
-          <a:lnRef idx="2">
-            <a:schemeClr val="accent1">
-              <a:shade val="50000"/>
-            </a:schemeClr>
-          </a:lnRef>
-          <a:fillRef idx="1">
-            <a:schemeClr val="accent1"/>
-          </a:fillRef>
-          <a:effectRef idx="0">
-            <a:schemeClr val="accent1"/>
-          </a:effectRef>
-          <a:fontRef idx="minor">
-            <a:schemeClr val="lt1"/>
-          </a:fontRef>
-        </p:style>
-        <p:txBody>
-          <a:bodyPr rtlCol="0" anchor="ctr"/>
-          <a:lstStyle/>
-          <a:p>
-            <a:pPr algn="ctr"/>
-            <a:endParaRPr lang="zh-CN" altLang="en-US">
-              <a:solidFill>
-                <a:schemeClr val="bg1"/>
-              </a:solidFill>
-            </a:endParaRPr>
-          </a:p>
-        </p:txBody>
-      </p:sp>
-      <p:grpSp>
-        <p:nvGrpSpPr>
-          <p:cNvPr id="15" name="组合 14"/>
-          <p:cNvGrpSpPr/>
-          <p:nvPr/>
-        </p:nvGrpSpPr>
-        <p:grpSpPr>
-          <a:xfrm>
-            <a:off x="1654175" y="3596640"/>
-            <a:ext cx="179070" cy="1474470"/>
-            <a:chOff x="2605" y="5664"/>
-            <a:chExt cx="282" cy="2322"/>
-          </a:xfrm>
-        </p:grpSpPr>
-        <p:cxnSp>
-          <p:nvCxnSpPr>
-            <p:cNvPr id="14" name="直接连接符 13"/>
-            <p:cNvCxnSpPr/>
-            <p:nvPr/>
-          </p:nvCxnSpPr>
-          <p:spPr>
-            <a:xfrm>
-              <a:off x="2733" y="5664"/>
-              <a:ext cx="0" cy="2184"/>
-            </a:xfrm>
-            <a:prstGeom prst="line">
-              <a:avLst/>
-            </a:prstGeom>
-            <a:ln>
-              <a:solidFill>
-                <a:schemeClr val="bg1"/>
-              </a:solidFill>
-            </a:ln>
-          </p:spPr>
-          <p:style>
-            <a:lnRef idx="1">
-              <a:schemeClr val="accent1"/>
-            </a:lnRef>
-            <a:fillRef idx="0">
-              <a:schemeClr val="accent1"/>
-            </a:fillRef>
-            <a:effectRef idx="0">
-              <a:schemeClr val="accent1"/>
-            </a:effectRef>
-            <a:fontRef idx="minor">
-              <a:schemeClr val="tx1"/>
-            </a:fontRef>
-          </p:style>
-        </p:cxnSp>
-        <p:sp>
-          <p:nvSpPr>
-            <p:cNvPr id="13" name="椭圆 12"/>
-            <p:cNvSpPr/>
-            <p:nvPr/>
-          </p:nvSpPr>
-          <p:spPr>
-            <a:xfrm>
-              <a:off x="2605" y="7704"/>
-              <a:ext cx="283" cy="283"/>
-            </a:xfrm>
-            <a:prstGeom prst="ellipse">
-              <a:avLst/>
-            </a:prstGeom>
-            <a:solidFill>
-              <a:schemeClr val="bg1"/>
-            </a:solidFill>
-            <a:ln>
-              <a:noFill/>
-            </a:ln>
-          </p:spPr>
-          <p:style>
-            <a:lnRef idx="2">
-              <a:schemeClr val="accent1">
-                <a:shade val="50000"/>
-              </a:schemeClr>
-            </a:lnRef>
-            <a:fillRef idx="1">
-              <a:schemeClr val="accent1"/>
-            </a:fillRef>
-            <a:effectRef idx="0">
-              <a:schemeClr val="accent1"/>
-            </a:effectRef>
-            <a:fontRef idx="minor">
-              <a:schemeClr val="lt1"/>
-            </a:fontRef>
-          </p:style>
-          <p:txBody>
-            <a:bodyPr rtlCol="0" anchor="ctr"/>
-            <a:lstStyle/>
-            <a:p>
-              <a:pPr algn="ctr"/>
-              <a:endParaRPr lang="zh-CN" altLang="en-US">
-                <a:solidFill>
-                  <a:schemeClr val="bg1"/>
-                </a:solidFill>
-              </a:endParaRPr>
-            </a:p>
-          </p:txBody>
-        </p:sp>
-      </p:grpSp>
-      <p:grpSp>
-        <p:nvGrpSpPr>
-          <p:cNvPr id="20" name="组合 19"/>
-          <p:cNvGrpSpPr/>
-          <p:nvPr/>
-        </p:nvGrpSpPr>
-        <p:grpSpPr>
-          <a:xfrm>
-            <a:off x="6007100" y="3596640"/>
-            <a:ext cx="179070" cy="1474470"/>
-            <a:chOff x="2605" y="5664"/>
-            <a:chExt cx="282" cy="2322"/>
-          </a:xfrm>
-        </p:grpSpPr>
-        <p:cxnSp>
-          <p:nvCxnSpPr>
-            <p:cNvPr id="22" name="直接连接符 21"/>
-            <p:cNvCxnSpPr/>
-            <p:nvPr/>
-          </p:nvCxnSpPr>
-          <p:spPr>
-            <a:xfrm>
-              <a:off x="2733" y="5664"/>
-              <a:ext cx="0" cy="2184"/>
-            </a:xfrm>
-            <a:prstGeom prst="line">
-              <a:avLst/>
-            </a:prstGeom>
-            <a:ln>
-              <a:solidFill>
-                <a:schemeClr val="bg1"/>
-              </a:solidFill>
-            </a:ln>
-          </p:spPr>
-          <p:style>
-            <a:lnRef idx="1">
-              <a:schemeClr val="accent1"/>
-            </a:lnRef>
-            <a:fillRef idx="0">
-              <a:schemeClr val="accent1"/>
-            </a:fillRef>
-            <a:effectRef idx="0">
-              <a:schemeClr val="accent1"/>
-            </a:effectRef>
-            <a:fontRef idx="minor">
-              <a:schemeClr val="tx1"/>
-            </a:fontRef>
-          </p:style>
-        </p:cxnSp>
-        <p:sp>
-          <p:nvSpPr>
-            <p:cNvPr id="21" name="椭圆 20"/>
-            <p:cNvSpPr/>
-            <p:nvPr/>
-          </p:nvSpPr>
-          <p:spPr>
-            <a:xfrm>
-              <a:off x="2605" y="7704"/>
-              <a:ext cx="283" cy="283"/>
-            </a:xfrm>
-            <a:prstGeom prst="ellipse">
-              <a:avLst/>
-            </a:prstGeom>
-            <a:solidFill>
-              <a:schemeClr val="bg1"/>
-            </a:solidFill>
-            <a:ln>
-              <a:noFill/>
-            </a:ln>
-          </p:spPr>
-          <p:style>
-            <a:lnRef idx="2">
-              <a:schemeClr val="accent1">
-                <a:shade val="50000"/>
-              </a:schemeClr>
-            </a:lnRef>
-            <a:fillRef idx="1">
-              <a:schemeClr val="accent1"/>
-            </a:fillRef>
-            <a:effectRef idx="0">
-              <a:schemeClr val="accent1"/>
-            </a:effectRef>
-            <a:fontRef idx="minor">
-              <a:schemeClr val="lt1"/>
-            </a:fontRef>
-          </p:style>
-          <p:txBody>
-            <a:bodyPr rtlCol="0" anchor="ctr"/>
-            <a:lstStyle/>
-            <a:p>
-              <a:pPr algn="ctr"/>
-              <a:endParaRPr lang="zh-CN" altLang="en-US">
-                <a:solidFill>
-                  <a:schemeClr val="bg1"/>
-                </a:solidFill>
-              </a:endParaRPr>
-            </a:p>
-          </p:txBody>
-        </p:sp>
-      </p:grpSp>
-      <p:grpSp>
-        <p:nvGrpSpPr>
-          <p:cNvPr id="23" name="组合 22"/>
-          <p:cNvGrpSpPr/>
-          <p:nvPr/>
-        </p:nvGrpSpPr>
-        <p:grpSpPr>
-          <a:xfrm>
-            <a:off x="10359390" y="3596640"/>
-            <a:ext cx="179070" cy="1474470"/>
-            <a:chOff x="2605" y="5664"/>
-            <a:chExt cx="282" cy="2322"/>
-          </a:xfrm>
-        </p:grpSpPr>
-        <p:cxnSp>
-          <p:nvCxnSpPr>
-            <p:cNvPr id="25" name="直接连接符 24"/>
-            <p:cNvCxnSpPr/>
-            <p:nvPr/>
-          </p:nvCxnSpPr>
-          <p:spPr>
-            <a:xfrm>
-              <a:off x="2733" y="5664"/>
-              <a:ext cx="0" cy="2184"/>
-            </a:xfrm>
-            <a:prstGeom prst="line">
-              <a:avLst/>
-            </a:prstGeom>
-            <a:ln>
-              <a:solidFill>
-                <a:schemeClr val="bg1"/>
-              </a:solidFill>
-            </a:ln>
-          </p:spPr>
-          <p:style>
-            <a:lnRef idx="1">
-              <a:schemeClr val="accent1"/>
-            </a:lnRef>
-            <a:fillRef idx="0">
-              <a:schemeClr val="accent1"/>
-            </a:fillRef>
-            <a:effectRef idx="0">
-              <a:schemeClr val="accent1"/>
-            </a:effectRef>
-            <a:fontRef idx="minor">
-              <a:schemeClr val="tx1"/>
-            </a:fontRef>
-          </p:style>
-        </p:cxnSp>
-        <p:sp>
-          <p:nvSpPr>
-            <p:cNvPr id="24" name="椭圆 23"/>
-            <p:cNvSpPr/>
-            <p:nvPr/>
-          </p:nvSpPr>
-          <p:spPr>
-            <a:xfrm>
-              <a:off x="2605" y="7704"/>
-              <a:ext cx="283" cy="283"/>
-            </a:xfrm>
-            <a:prstGeom prst="ellipse">
-              <a:avLst/>
-            </a:prstGeom>
-            <a:solidFill>
-              <a:schemeClr val="bg1"/>
-            </a:solidFill>
-            <a:ln>
-              <a:noFill/>
-            </a:ln>
-          </p:spPr>
-          <p:style>
-            <a:lnRef idx="2">
-              <a:schemeClr val="accent1">
-                <a:shade val="50000"/>
-              </a:schemeClr>
-            </a:lnRef>
-            <a:fillRef idx="1">
-              <a:schemeClr val="accent1"/>
-            </a:fillRef>
-            <a:effectRef idx="0">
-              <a:schemeClr val="accent1"/>
-            </a:effectRef>
-            <a:fontRef idx="minor">
-              <a:schemeClr val="lt1"/>
-            </a:fontRef>
-          </p:style>
-          <p:txBody>
-            <a:bodyPr rtlCol="0" anchor="ctr"/>
-            <a:lstStyle/>
-            <a:p>
-              <a:pPr algn="ctr"/>
-              <a:endParaRPr lang="zh-CN" altLang="en-US">
-                <a:solidFill>
-                  <a:schemeClr val="bg1"/>
-                </a:solidFill>
-              </a:endParaRPr>
-            </a:p>
-          </p:txBody>
-        </p:sp>
-      </p:grpSp>
-      <p:grpSp>
-        <p:nvGrpSpPr>
-          <p:cNvPr id="28" name="组合 27"/>
-          <p:cNvGrpSpPr/>
-          <p:nvPr/>
-        </p:nvGrpSpPr>
-        <p:grpSpPr>
-          <a:xfrm>
-            <a:off x="429895" y="1583690"/>
-            <a:ext cx="2611120" cy="1858645"/>
-            <a:chOff x="677" y="2494"/>
-            <a:chExt cx="4112" cy="2927"/>
-          </a:xfrm>
-        </p:grpSpPr>
-        <p:sp>
-          <p:nvSpPr>
-            <p:cNvPr id="26" name="文本框 25"/>
-            <p:cNvSpPr txBox="1"/>
-            <p:nvPr/>
-          </p:nvSpPr>
-          <p:spPr>
-            <a:xfrm>
-              <a:off x="677" y="3339"/>
-              <a:ext cx="4112" cy="2082"/>
-            </a:xfrm>
-            <a:prstGeom prst="rect">
-              <a:avLst/>
-            </a:prstGeom>
-            <a:noFill/>
-          </p:spPr>
-          <p:txBody>
-            <a:bodyPr wrap="square" rtlCol="0">
-              <a:spAutoFit/>
-            </a:bodyPr>
-            <a:lstStyle/>
-            <a:p>
-              <a:pPr algn="l"/>
-              <a:r>
-                <a:rPr lang="zh-CN" altLang="en-US" sz="1600" dirty="0">
-                  <a:solidFill>
-                    <a:schemeClr val="bg1"/>
-                  </a:solidFill>
-                  <a:latin typeface="微软雅黑" panose="020B0503020204020204" charset="-122"/>
-                  <a:ea typeface="微软雅黑" panose="020B0503020204020204" charset="-122"/>
-                  <a:sym typeface="宋体" panose="02010600030101010101" pitchFamily="2" charset="-122"/>
-                </a:rPr>
-                <a:t>单击此处添加本章节的简要内容。模板所有素材均可自由编辑替换移动。单击此处添加本章节的简要内容。</a:t>
-              </a:r>
-            </a:p>
-          </p:txBody>
-        </p:sp>
-        <p:sp>
-          <p:nvSpPr>
-            <p:cNvPr id="27" name="文本框 26"/>
-            <p:cNvSpPr txBox="1"/>
-            <p:nvPr/>
-          </p:nvSpPr>
-          <p:spPr>
-            <a:xfrm>
-              <a:off x="1345" y="2494"/>
-              <a:ext cx="2804" cy="725"/>
-            </a:xfrm>
-            <a:prstGeom prst="rect">
-              <a:avLst/>
-            </a:prstGeom>
-            <a:noFill/>
-          </p:spPr>
-          <p:txBody>
-            <a:bodyPr wrap="square" rtlCol="0">
-              <a:spAutoFit/>
-            </a:bodyPr>
-            <a:lstStyle/>
-            <a:p>
-              <a:pPr algn="ctr"/>
-              <a:r>
-                <a:rPr lang="zh-CN" altLang="en-US" sz="2400" b="1">
-                  <a:solidFill>
-                    <a:srgbClr val="FFCF29"/>
-                  </a:solidFill>
-                  <a:latin typeface="微软雅黑" panose="020B0503020204020204" charset="-122"/>
-                  <a:ea typeface="微软雅黑" panose="020B0503020204020204" charset="-122"/>
-                </a:rPr>
-                <a:t>方法一</a:t>
-              </a:r>
-            </a:p>
-          </p:txBody>
-        </p:sp>
-      </p:grpSp>
-      <p:grpSp>
-        <p:nvGrpSpPr>
-          <p:cNvPr id="29" name="组合 28"/>
-          <p:cNvGrpSpPr/>
-          <p:nvPr/>
-        </p:nvGrpSpPr>
-        <p:grpSpPr>
-          <a:xfrm>
-            <a:off x="4782820" y="1583690"/>
-            <a:ext cx="2611120" cy="1858645"/>
-            <a:chOff x="677" y="2494"/>
-            <a:chExt cx="4112" cy="2927"/>
-          </a:xfrm>
-        </p:grpSpPr>
-        <p:sp>
-          <p:nvSpPr>
-            <p:cNvPr id="30" name="文本框 29"/>
-            <p:cNvSpPr txBox="1"/>
-            <p:nvPr/>
-          </p:nvSpPr>
-          <p:spPr>
-            <a:xfrm>
-              <a:off x="677" y="3339"/>
-              <a:ext cx="4112" cy="2082"/>
-            </a:xfrm>
-            <a:prstGeom prst="rect">
-              <a:avLst/>
-            </a:prstGeom>
-            <a:noFill/>
-          </p:spPr>
-          <p:txBody>
-            <a:bodyPr wrap="square" rtlCol="0">
-              <a:spAutoFit/>
-            </a:bodyPr>
-            <a:lstStyle/>
-            <a:p>
-              <a:pPr algn="l"/>
-              <a:r>
-                <a:rPr lang="zh-CN" altLang="en-US" sz="1600" dirty="0">
-                  <a:solidFill>
-                    <a:schemeClr val="bg1"/>
-                  </a:solidFill>
-                  <a:latin typeface="微软雅黑" panose="020B0503020204020204" charset="-122"/>
-                  <a:ea typeface="微软雅黑" panose="020B0503020204020204" charset="-122"/>
-                  <a:sym typeface="宋体" panose="02010600030101010101" pitchFamily="2" charset="-122"/>
-                </a:rPr>
-                <a:t>单击此处添加本章节的简要内容。模板所有素材均可自由编辑替换移动。单击此处添加本章节的简要内容。</a:t>
-              </a:r>
-            </a:p>
-          </p:txBody>
-        </p:sp>
-        <p:sp>
-          <p:nvSpPr>
-            <p:cNvPr id="31" name="文本框 30"/>
-            <p:cNvSpPr txBox="1"/>
-            <p:nvPr/>
-          </p:nvSpPr>
-          <p:spPr>
-            <a:xfrm>
-              <a:off x="1345" y="2494"/>
-              <a:ext cx="2804" cy="725"/>
-            </a:xfrm>
-            <a:prstGeom prst="rect">
-              <a:avLst/>
-            </a:prstGeom>
-            <a:noFill/>
-          </p:spPr>
-          <p:txBody>
-            <a:bodyPr wrap="square" rtlCol="0">
-              <a:spAutoFit/>
-            </a:bodyPr>
-            <a:lstStyle/>
-            <a:p>
-              <a:pPr algn="ctr"/>
-              <a:r>
-                <a:rPr lang="zh-CN" altLang="en-US" sz="2400" b="1">
-                  <a:solidFill>
-                    <a:schemeClr val="accent2"/>
-                  </a:solidFill>
-                  <a:latin typeface="微软雅黑" panose="020B0503020204020204" charset="-122"/>
-                  <a:ea typeface="微软雅黑" panose="020B0503020204020204" charset="-122"/>
-                </a:rPr>
-                <a:t>方法二</a:t>
-              </a:r>
-            </a:p>
-          </p:txBody>
-        </p:sp>
-      </p:grpSp>
-      <p:grpSp>
-        <p:nvGrpSpPr>
-          <p:cNvPr id="32" name="组合 31"/>
-          <p:cNvGrpSpPr/>
-          <p:nvPr/>
-        </p:nvGrpSpPr>
-        <p:grpSpPr>
-          <a:xfrm>
-            <a:off x="9135110" y="1583690"/>
-            <a:ext cx="2611120" cy="1858645"/>
-            <a:chOff x="677" y="2494"/>
-            <a:chExt cx="4112" cy="2927"/>
-          </a:xfrm>
-        </p:grpSpPr>
-        <p:sp>
-          <p:nvSpPr>
-            <p:cNvPr id="33" name="文本框 32"/>
-            <p:cNvSpPr txBox="1"/>
-            <p:nvPr/>
-          </p:nvSpPr>
-          <p:spPr>
-            <a:xfrm>
-              <a:off x="677" y="3339"/>
-              <a:ext cx="4112" cy="2082"/>
-            </a:xfrm>
-            <a:prstGeom prst="rect">
-              <a:avLst/>
-            </a:prstGeom>
-            <a:noFill/>
-          </p:spPr>
-          <p:txBody>
-            <a:bodyPr wrap="square" rtlCol="0">
-              <a:spAutoFit/>
-            </a:bodyPr>
-            <a:lstStyle/>
-            <a:p>
-              <a:pPr algn="l"/>
-              <a:r>
-                <a:rPr lang="zh-CN" altLang="en-US" sz="1600" dirty="0">
-                  <a:solidFill>
-                    <a:schemeClr val="bg1"/>
-                  </a:solidFill>
-                  <a:latin typeface="微软雅黑" panose="020B0503020204020204" charset="-122"/>
-                  <a:ea typeface="微软雅黑" panose="020B0503020204020204" charset="-122"/>
-                  <a:sym typeface="宋体" panose="02010600030101010101" pitchFamily="2" charset="-122"/>
-                </a:rPr>
-                <a:t>单击此处添加本章节的简要内容。模板所有素材均可自由编辑替换移动。单击此处添加本章节的简要内容。</a:t>
-              </a:r>
-            </a:p>
-          </p:txBody>
-        </p:sp>
-        <p:sp>
-          <p:nvSpPr>
-            <p:cNvPr id="34" name="文本框 33"/>
-            <p:cNvSpPr txBox="1"/>
-            <p:nvPr/>
-          </p:nvSpPr>
-          <p:spPr>
-            <a:xfrm>
-              <a:off x="1345" y="2494"/>
-              <a:ext cx="2804" cy="725"/>
-            </a:xfrm>
-            <a:prstGeom prst="rect">
-              <a:avLst/>
-            </a:prstGeom>
-            <a:noFill/>
-          </p:spPr>
-          <p:txBody>
-            <a:bodyPr wrap="square" rtlCol="0">
-              <a:spAutoFit/>
-            </a:bodyPr>
-            <a:lstStyle/>
-            <a:p>
-              <a:pPr algn="ctr"/>
-              <a:r>
-                <a:rPr lang="zh-CN" altLang="en-US" sz="2400" b="1">
-                  <a:solidFill>
-                    <a:srgbClr val="FFCF29"/>
-                  </a:solidFill>
-                  <a:latin typeface="微软雅黑" panose="020B0503020204020204" charset="-122"/>
-                  <a:ea typeface="微软雅黑" panose="020B0503020204020204" charset="-122"/>
-                </a:rPr>
-                <a:t>方法三</a:t>
-              </a:r>
-            </a:p>
-          </p:txBody>
-        </p:sp>
-      </p:grpSp>
-      <p:sp>
-        <p:nvSpPr>
-          <p:cNvPr id="3" name="文本框 2"/>
-          <p:cNvSpPr txBox="1"/>
-          <p:nvPr/>
-        </p:nvSpPr>
-        <p:spPr>
-          <a:xfrm>
-            <a:off x="-15240" y="300990"/>
-            <a:ext cx="822960" cy="521970"/>
-          </a:xfrm>
-          <a:prstGeom prst="rect">
-            <a:avLst/>
-          </a:prstGeom>
-          <a:noFill/>
-          <a:ln>
-            <a:solidFill>
-              <a:schemeClr val="bg1"/>
-            </a:solidFill>
-          </a:ln>
-        </p:spPr>
-        <p:txBody>
-          <a:bodyPr wrap="square" rtlCol="0">
-            <a:spAutoFit/>
-          </a:bodyPr>
-          <a:lstStyle/>
-          <a:p>
-            <a:pPr algn="r"/>
-            <a:r>
-              <a:rPr lang="en-US" altLang="zh-CN" sz="2800">
-                <a:solidFill>
-                  <a:schemeClr val="bg1"/>
-                </a:solidFill>
-                <a:latin typeface="Impact" panose="020B0806030902050204" charset="0"/>
-              </a:rPr>
-              <a:t>03</a:t>
-            </a:r>
-          </a:p>
-        </p:txBody>
-      </p:sp>
-      <p:sp>
-        <p:nvSpPr>
-          <p:cNvPr id="7" name="文本框 6"/>
-          <p:cNvSpPr txBox="1"/>
-          <p:nvPr/>
-        </p:nvSpPr>
-        <p:spPr>
-          <a:xfrm>
-            <a:off x="807720" y="320675"/>
-            <a:ext cx="1752600" cy="460375"/>
-          </a:xfrm>
-          <a:prstGeom prst="rect">
-            <a:avLst/>
-          </a:prstGeom>
-          <a:solidFill>
-            <a:schemeClr val="bg1"/>
-          </a:solidFill>
-        </p:spPr>
-        <p:txBody>
-          <a:bodyPr wrap="square" rtlCol="0">
-            <a:spAutoFit/>
-          </a:bodyPr>
-          <a:lstStyle/>
-          <a:p>
-            <a:pPr algn="ctr"/>
-            <a:r>
-              <a:rPr lang="zh-CN" altLang="en-US" sz="2400" b="1" dirty="0">
-                <a:solidFill>
-                  <a:schemeClr val="tx1">
-                    <a:lumMod val="85000"/>
-                    <a:lumOff val="15000"/>
-                  </a:schemeClr>
-                </a:solidFill>
-                <a:latin typeface="微软雅黑" panose="020B0503020204020204" charset="-122"/>
-                <a:ea typeface="微软雅黑" panose="020B0503020204020204" charset="-122"/>
-              </a:rPr>
-              <a:t>游 戏 展 示</a:t>
-            </a:r>
-          </a:p>
-        </p:txBody>
-      </p:sp>
-      <p:sp>
-        <p:nvSpPr>
-          <p:cNvPr id="12" name="文本框 11"/>
-          <p:cNvSpPr txBox="1"/>
-          <p:nvPr/>
-        </p:nvSpPr>
-        <p:spPr>
-          <a:xfrm>
-            <a:off x="2560320" y="332105"/>
-            <a:ext cx="3253105" cy="461665"/>
-          </a:xfrm>
-          <a:prstGeom prst="rect">
-            <a:avLst/>
-          </a:prstGeom>
-          <a:noFill/>
-          <a:ln>
-            <a:solidFill>
-              <a:schemeClr val="bg1"/>
-            </a:solidFill>
-          </a:ln>
-        </p:spPr>
-        <p:txBody>
-          <a:bodyPr wrap="square" rtlCol="0">
-            <a:spAutoFit/>
-          </a:bodyPr>
-          <a:lstStyle/>
-          <a:p>
-            <a:pPr algn="ctr"/>
-            <a:r>
-              <a:rPr lang="en-US" altLang="zh-CN" sz="2400" kern="0" dirty="0">
-                <a:solidFill>
-                  <a:schemeClr val="bg1"/>
-                </a:solidFill>
-                <a:latin typeface="Arial" panose="020B0604020202020204" pitchFamily="34" charset="0"/>
-                <a:ea typeface="微软雅黑" panose="020B0503020204020204" charset="-122"/>
-                <a:cs typeface="Arial" panose="020B0604020202020204" pitchFamily="34" charset="0"/>
-                <a:sym typeface="+mn-ea"/>
-              </a:rPr>
-              <a:t>Game Display</a:t>
-            </a:r>
-            <a:endParaRPr lang="zh-CN" altLang="en-US" sz="2400" kern="0" dirty="0">
-              <a:solidFill>
-                <a:schemeClr val="bg1"/>
-              </a:solidFill>
-              <a:latin typeface="Arial" panose="020B0604020202020204" pitchFamily="34" charset="0"/>
-              <a:ea typeface="微软雅黑" panose="020B0503020204020204" charset="-122"/>
-              <a:cs typeface="Arial" panose="020B0604020202020204" pitchFamily="34" charset="0"/>
-              <a:sym typeface="+mn-ea"/>
-            </a:endParaRPr>
-          </a:p>
-        </p:txBody>
-      </p:sp>
-    </p:spTree>
-  </p:cSld>
-  <p:clrMapOvr>
-    <a:masterClrMapping/>
-  </p:clrMapOvr>
-</p:sld>
-</file>
-
-<file path=ppt/slides/slide12.xml><?xml version="1.0" encoding="utf-8"?>
-<p:sld xmlns:a="http://schemas.openxmlformats.org/drawingml/2006/main" xmlns:r="http://schemas.openxmlformats.org/officeDocument/2006/relationships" xmlns:p="http://schemas.openxmlformats.org/presentationml/2006/main">
-  <p:cSld>
-    <p:spTree>
-      <p:nvGrpSpPr>
-        <p:cNvPr id="1" name=""/>
-        <p:cNvGrpSpPr/>
-        <p:nvPr/>
-      </p:nvGrpSpPr>
-      <p:grpSpPr>
-        <a:xfrm>
-          <a:off x="0" y="0"/>
-          <a:ext cx="0" cy="0"/>
-          <a:chOff x="0" y="0"/>
-          <a:chExt cx="0" cy="0"/>
-        </a:xfrm>
-      </p:grpSpPr>
-      <p:sp>
-        <p:nvSpPr>
           <p:cNvPr id="3" name="任意多边形 2"/>
           <p:cNvSpPr/>
           <p:nvPr/>
@@ -6767,13 +4751,13 @@
           <a:p>
             <a:pPr algn="ctr"/>
             <a:r>
-              <a:rPr lang="en-US" altLang="zh-CN" sz="8800">
+              <a:rPr lang="en-US" altLang="zh-CN" sz="8800" dirty="0">
                 <a:solidFill>
                   <a:schemeClr val="bg1"/>
                 </a:solidFill>
                 <a:latin typeface="Impact" panose="020B0806030902050204" charset="0"/>
               </a:rPr>
-              <a:t>04</a:t>
+              <a:t>03</a:t>
             </a:r>
           </a:p>
         </p:txBody>
@@ -6787,7 +4771,7 @@
         <p:spPr>
           <a:xfrm>
             <a:off x="4450080" y="4808220"/>
-            <a:ext cx="3444240" cy="521970"/>
+            <a:ext cx="3444240" cy="523220"/>
           </a:xfrm>
           <a:prstGeom prst="rect">
             <a:avLst/>
@@ -6809,7 +4793,7 @@
                 <a:latin typeface="微软雅黑" panose="020B0503020204020204" charset="-122"/>
                 <a:ea typeface="微软雅黑" panose="020B0503020204020204" charset="-122"/>
               </a:rPr>
-              <a:t>总结</a:t>
+              <a:t>游戏展示</a:t>
             </a:r>
           </a:p>
         </p:txBody>
@@ -6822,8 +4806,8 @@
         </p:nvSpPr>
         <p:spPr>
           <a:xfrm>
-            <a:off x="4450080" y="5501006"/>
-            <a:ext cx="3444240" cy="398780"/>
+            <a:off x="4450080" y="5499676"/>
+            <a:ext cx="3444240" cy="400110"/>
           </a:xfrm>
           <a:prstGeom prst="rect">
             <a:avLst/>
@@ -6847,7 +4831,7 @@
                 <a:cs typeface="Arial" panose="020B0604020202020204" pitchFamily="34" charset="0"/>
                 <a:sym typeface="+mn-ea"/>
               </a:rPr>
-              <a:t>Summary</a:t>
+              <a:t>Game Display</a:t>
             </a:r>
             <a:endParaRPr lang="zh-CN" altLang="en-US" sz="2000" kern="0" noProof="0" dirty="0">
               <a:ln>
@@ -7527,7 +5511,1660 @@
 </p:sld>
 </file>
 
+<file path=ppt/slides/slide11.xml><?xml version="1.0" encoding="utf-8"?>
+<p:sld xmlns:a="http://schemas.openxmlformats.org/drawingml/2006/main" xmlns:r="http://schemas.openxmlformats.org/officeDocument/2006/relationships" xmlns:p="http://schemas.openxmlformats.org/presentationml/2006/main">
+  <p:cSld>
+    <p:spTree>
+      <p:nvGrpSpPr>
+        <p:cNvPr id="1" name=""/>
+        <p:cNvGrpSpPr/>
+        <p:nvPr/>
+      </p:nvGrpSpPr>
+      <p:grpSpPr>
+        <a:xfrm>
+          <a:off x="0" y="0"/>
+          <a:ext cx="0" cy="0"/>
+          <a:chOff x="0" y="0"/>
+          <a:chExt cx="0" cy="0"/>
+        </a:xfrm>
+      </p:grpSpPr>
+      <p:sp>
+        <p:nvSpPr>
+          <p:cNvPr id="4" name="文本框 3"/>
+          <p:cNvSpPr txBox="1"/>
+          <p:nvPr/>
+        </p:nvSpPr>
+        <p:spPr>
+          <a:xfrm>
+            <a:off x="-15240" y="300990"/>
+            <a:ext cx="822960" cy="521970"/>
+          </a:xfrm>
+          <a:prstGeom prst="rect">
+            <a:avLst/>
+          </a:prstGeom>
+          <a:noFill/>
+          <a:ln>
+            <a:solidFill>
+              <a:schemeClr val="bg1"/>
+            </a:solidFill>
+          </a:ln>
+        </p:spPr>
+        <p:txBody>
+          <a:bodyPr wrap="square" rtlCol="0">
+            <a:spAutoFit/>
+          </a:bodyPr>
+          <a:lstStyle/>
+          <a:p>
+            <a:pPr algn="r"/>
+            <a:r>
+              <a:rPr lang="en-US" altLang="zh-CN" sz="2800">
+                <a:solidFill>
+                  <a:schemeClr val="bg1"/>
+                </a:solidFill>
+                <a:latin typeface="Impact" panose="020B0806030902050204" charset="0"/>
+              </a:rPr>
+              <a:t>03</a:t>
+            </a:r>
+          </a:p>
+        </p:txBody>
+      </p:sp>
+      <p:sp>
+        <p:nvSpPr>
+          <p:cNvPr id="5" name="文本框 4"/>
+          <p:cNvSpPr txBox="1"/>
+          <p:nvPr/>
+        </p:nvSpPr>
+        <p:spPr>
+          <a:xfrm>
+            <a:off x="807720" y="320675"/>
+            <a:ext cx="1752600" cy="460375"/>
+          </a:xfrm>
+          <a:prstGeom prst="rect">
+            <a:avLst/>
+          </a:prstGeom>
+          <a:solidFill>
+            <a:schemeClr val="bg1"/>
+          </a:solidFill>
+        </p:spPr>
+        <p:txBody>
+          <a:bodyPr wrap="square" rtlCol="0">
+            <a:spAutoFit/>
+          </a:bodyPr>
+          <a:lstStyle/>
+          <a:p>
+            <a:pPr algn="ctr"/>
+            <a:r>
+              <a:rPr lang="zh-CN" altLang="en-US" sz="2400" b="1" dirty="0">
+                <a:solidFill>
+                  <a:schemeClr val="tx1">
+                    <a:lumMod val="85000"/>
+                    <a:lumOff val="15000"/>
+                  </a:schemeClr>
+                </a:solidFill>
+                <a:latin typeface="微软雅黑" panose="020B0503020204020204" charset="-122"/>
+                <a:ea typeface="微软雅黑" panose="020B0503020204020204" charset="-122"/>
+              </a:rPr>
+              <a:t>游 戏 展 示</a:t>
+            </a:r>
+          </a:p>
+        </p:txBody>
+      </p:sp>
+      <p:sp>
+        <p:nvSpPr>
+          <p:cNvPr id="6" name="文本框 5"/>
+          <p:cNvSpPr txBox="1"/>
+          <p:nvPr/>
+        </p:nvSpPr>
+        <p:spPr>
+          <a:xfrm>
+            <a:off x="2560320" y="332105"/>
+            <a:ext cx="3253105" cy="461665"/>
+          </a:xfrm>
+          <a:prstGeom prst="rect">
+            <a:avLst/>
+          </a:prstGeom>
+          <a:noFill/>
+          <a:ln>
+            <a:solidFill>
+              <a:schemeClr val="bg1"/>
+            </a:solidFill>
+          </a:ln>
+        </p:spPr>
+        <p:txBody>
+          <a:bodyPr wrap="square" rtlCol="0">
+            <a:spAutoFit/>
+          </a:bodyPr>
+          <a:lstStyle/>
+          <a:p>
+            <a:pPr algn="ctr"/>
+            <a:r>
+              <a:rPr lang="en-US" altLang="zh-CN" sz="2400" kern="0" dirty="0">
+                <a:solidFill>
+                  <a:schemeClr val="bg1"/>
+                </a:solidFill>
+                <a:latin typeface="Arial" panose="020B0604020202020204" pitchFamily="34" charset="0"/>
+                <a:ea typeface="微软雅黑" panose="020B0503020204020204" charset="-122"/>
+                <a:cs typeface="Arial" panose="020B0604020202020204" pitchFamily="34" charset="0"/>
+                <a:sym typeface="+mn-ea"/>
+              </a:rPr>
+              <a:t>Game Display</a:t>
+            </a:r>
+            <a:endParaRPr lang="zh-CN" altLang="en-US" sz="2400" kern="0" dirty="0">
+              <a:solidFill>
+                <a:schemeClr val="bg1"/>
+              </a:solidFill>
+              <a:latin typeface="Arial" panose="020B0604020202020204" pitchFamily="34" charset="0"/>
+              <a:ea typeface="微软雅黑" panose="020B0503020204020204" charset="-122"/>
+              <a:cs typeface="Arial" panose="020B0604020202020204" pitchFamily="34" charset="0"/>
+              <a:sym typeface="+mn-ea"/>
+            </a:endParaRPr>
+          </a:p>
+        </p:txBody>
+      </p:sp>
+      <p:sp>
+        <p:nvSpPr>
+          <p:cNvPr id="25" name="矩形 24">
+            <a:extLst>
+              <a:ext uri="{FF2B5EF4-FFF2-40B4-BE49-F238E27FC236}">
+                <a16:creationId xmlns:a16="http://schemas.microsoft.com/office/drawing/2014/main" id="{EE9255F9-0F38-45E6-A852-5AABB92EA643}"/>
+              </a:ext>
+            </a:extLst>
+          </p:cNvPr>
+          <p:cNvSpPr/>
+          <p:nvPr/>
+        </p:nvSpPr>
+        <p:spPr>
+          <a:xfrm>
+            <a:off x="807720" y="1569440"/>
+            <a:ext cx="5092732" cy="4249433"/>
+          </a:xfrm>
+          <a:prstGeom prst="rect">
+            <a:avLst/>
+          </a:prstGeom>
+          <a:noFill/>
+          <a:ln>
+            <a:solidFill>
+              <a:schemeClr val="bg1"/>
+            </a:solidFill>
+          </a:ln>
+        </p:spPr>
+        <p:style>
+          <a:lnRef idx="2">
+            <a:schemeClr val="accent1">
+              <a:shade val="50000"/>
+            </a:schemeClr>
+          </a:lnRef>
+          <a:fillRef idx="1">
+            <a:schemeClr val="accent1"/>
+          </a:fillRef>
+          <a:effectRef idx="0">
+            <a:schemeClr val="accent1"/>
+          </a:effectRef>
+          <a:fontRef idx="minor">
+            <a:schemeClr val="lt1"/>
+          </a:fontRef>
+        </p:style>
+        <p:txBody>
+          <a:bodyPr rtlCol="0" anchor="ctr"/>
+          <a:lstStyle/>
+          <a:p>
+            <a:pPr algn="ctr"/>
+            <a:endParaRPr lang="zh-CN" altLang="en-US">
+              <a:solidFill>
+                <a:schemeClr val="tx1">
+                  <a:lumMod val="85000"/>
+                  <a:lumOff val="15000"/>
+                </a:schemeClr>
+              </a:solidFill>
+            </a:endParaRPr>
+          </a:p>
+        </p:txBody>
+      </p:sp>
+      <p:sp>
+        <p:nvSpPr>
+          <p:cNvPr id="43" name="矩形 42">
+            <a:extLst>
+              <a:ext uri="{FF2B5EF4-FFF2-40B4-BE49-F238E27FC236}">
+                <a16:creationId xmlns:a16="http://schemas.microsoft.com/office/drawing/2014/main" id="{8636C5A0-6B39-4232-8973-7CC1EA4025A8}"/>
+              </a:ext>
+            </a:extLst>
+          </p:cNvPr>
+          <p:cNvSpPr/>
+          <p:nvPr/>
+        </p:nvSpPr>
+        <p:spPr>
+          <a:xfrm>
+            <a:off x="6190042" y="1569439"/>
+            <a:ext cx="5092732" cy="4249433"/>
+          </a:xfrm>
+          <a:prstGeom prst="rect">
+            <a:avLst/>
+          </a:prstGeom>
+          <a:noFill/>
+          <a:ln>
+            <a:solidFill>
+              <a:schemeClr val="bg1"/>
+            </a:solidFill>
+          </a:ln>
+        </p:spPr>
+        <p:style>
+          <a:lnRef idx="2">
+            <a:schemeClr val="accent1">
+              <a:shade val="50000"/>
+            </a:schemeClr>
+          </a:lnRef>
+          <a:fillRef idx="1">
+            <a:schemeClr val="accent1"/>
+          </a:fillRef>
+          <a:effectRef idx="0">
+            <a:schemeClr val="accent1"/>
+          </a:effectRef>
+          <a:fontRef idx="minor">
+            <a:schemeClr val="lt1"/>
+          </a:fontRef>
+        </p:style>
+        <p:txBody>
+          <a:bodyPr rtlCol="0" anchor="ctr"/>
+          <a:lstStyle/>
+          <a:p>
+            <a:pPr algn="ctr"/>
+            <a:endParaRPr lang="zh-CN" altLang="en-US">
+              <a:solidFill>
+                <a:schemeClr val="tx1">
+                  <a:lumMod val="85000"/>
+                  <a:lumOff val="15000"/>
+                </a:schemeClr>
+              </a:solidFill>
+            </a:endParaRPr>
+          </a:p>
+        </p:txBody>
+      </p:sp>
+      <p:pic>
+        <p:nvPicPr>
+          <p:cNvPr id="7" name="图片 6">
+            <a:extLst>
+              <a:ext uri="{FF2B5EF4-FFF2-40B4-BE49-F238E27FC236}">
+                <a16:creationId xmlns:a16="http://schemas.microsoft.com/office/drawing/2014/main" id="{7CC8AAA2-141A-4525-A97C-493B417E7972}"/>
+              </a:ext>
+            </a:extLst>
+          </p:cNvPr>
+          <p:cNvPicPr>
+            <a:picLocks noChangeAspect="1"/>
+          </p:cNvPicPr>
+          <p:nvPr/>
+        </p:nvPicPr>
+        <p:blipFill>
+          <a:blip r:embed="rId3">
+            <a:extLst>
+              <a:ext uri="{28A0092B-C50C-407E-A947-70E740481C1C}">
+                <a14:useLocalDpi xmlns:a14="http://schemas.microsoft.com/office/drawing/2010/main" val="0"/>
+              </a:ext>
+            </a:extLst>
+          </a:blip>
+          <a:stretch>
+            <a:fillRect/>
+          </a:stretch>
+        </p:blipFill>
+        <p:spPr>
+          <a:xfrm>
+            <a:off x="957025" y="1901596"/>
+            <a:ext cx="4794122" cy="3585118"/>
+          </a:xfrm>
+          <a:prstGeom prst="rect">
+            <a:avLst/>
+          </a:prstGeom>
+        </p:spPr>
+      </p:pic>
+      <p:pic>
+        <p:nvPicPr>
+          <p:cNvPr id="13" name="图片 12">
+            <a:extLst>
+              <a:ext uri="{FF2B5EF4-FFF2-40B4-BE49-F238E27FC236}">
+                <a16:creationId xmlns:a16="http://schemas.microsoft.com/office/drawing/2014/main" id="{D31E314E-935B-41D9-9A0C-22CF097F072E}"/>
+              </a:ext>
+            </a:extLst>
+          </p:cNvPr>
+          <p:cNvPicPr>
+            <a:picLocks noChangeAspect="1"/>
+          </p:cNvPicPr>
+          <p:nvPr/>
+        </p:nvPicPr>
+        <p:blipFill>
+          <a:blip r:embed="rId4">
+            <a:extLst>
+              <a:ext uri="{28A0092B-C50C-407E-A947-70E740481C1C}">
+                <a14:useLocalDpi xmlns:a14="http://schemas.microsoft.com/office/drawing/2010/main" val="0"/>
+              </a:ext>
+            </a:extLst>
+          </a:blip>
+          <a:stretch>
+            <a:fillRect/>
+          </a:stretch>
+        </p:blipFill>
+        <p:spPr>
+          <a:xfrm>
+            <a:off x="6339347" y="1901596"/>
+            <a:ext cx="4794122" cy="3601615"/>
+          </a:xfrm>
+          <a:prstGeom prst="rect">
+            <a:avLst/>
+          </a:prstGeom>
+        </p:spPr>
+      </p:pic>
+    </p:spTree>
+  </p:cSld>
+  <p:clrMapOvr>
+    <a:masterClrMapping/>
+  </p:clrMapOvr>
+</p:sld>
+</file>
+
+<file path=ppt/slides/slide12.xml><?xml version="1.0" encoding="utf-8"?>
+<p:sld xmlns:a="http://schemas.openxmlformats.org/drawingml/2006/main" xmlns:r="http://schemas.openxmlformats.org/officeDocument/2006/relationships" xmlns:p="http://schemas.openxmlformats.org/presentationml/2006/main">
+  <p:cSld>
+    <p:spTree>
+      <p:nvGrpSpPr>
+        <p:cNvPr id="1" name=""/>
+        <p:cNvGrpSpPr/>
+        <p:nvPr/>
+      </p:nvGrpSpPr>
+      <p:grpSpPr>
+        <a:xfrm>
+          <a:off x="0" y="0"/>
+          <a:ext cx="0" cy="0"/>
+          <a:chOff x="0" y="0"/>
+          <a:chExt cx="0" cy="0"/>
+        </a:xfrm>
+      </p:grpSpPr>
+      <p:sp>
+        <p:nvSpPr>
+          <p:cNvPr id="4" name="文本框 3"/>
+          <p:cNvSpPr txBox="1"/>
+          <p:nvPr/>
+        </p:nvSpPr>
+        <p:spPr>
+          <a:xfrm>
+            <a:off x="-15240" y="300990"/>
+            <a:ext cx="822960" cy="521970"/>
+          </a:xfrm>
+          <a:prstGeom prst="rect">
+            <a:avLst/>
+          </a:prstGeom>
+          <a:noFill/>
+          <a:ln>
+            <a:solidFill>
+              <a:schemeClr val="bg1"/>
+            </a:solidFill>
+          </a:ln>
+        </p:spPr>
+        <p:txBody>
+          <a:bodyPr wrap="square" rtlCol="0">
+            <a:spAutoFit/>
+          </a:bodyPr>
+          <a:lstStyle/>
+          <a:p>
+            <a:pPr algn="r"/>
+            <a:r>
+              <a:rPr lang="en-US" altLang="zh-CN" sz="2800">
+                <a:solidFill>
+                  <a:schemeClr val="bg1"/>
+                </a:solidFill>
+                <a:latin typeface="Impact" panose="020B0806030902050204" charset="0"/>
+              </a:rPr>
+              <a:t>03</a:t>
+            </a:r>
+          </a:p>
+        </p:txBody>
+      </p:sp>
+      <p:sp>
+        <p:nvSpPr>
+          <p:cNvPr id="5" name="文本框 4"/>
+          <p:cNvSpPr txBox="1"/>
+          <p:nvPr/>
+        </p:nvSpPr>
+        <p:spPr>
+          <a:xfrm>
+            <a:off x="807720" y="320675"/>
+            <a:ext cx="1752600" cy="460375"/>
+          </a:xfrm>
+          <a:prstGeom prst="rect">
+            <a:avLst/>
+          </a:prstGeom>
+          <a:solidFill>
+            <a:schemeClr val="bg1"/>
+          </a:solidFill>
+        </p:spPr>
+        <p:txBody>
+          <a:bodyPr wrap="square" rtlCol="0">
+            <a:spAutoFit/>
+          </a:bodyPr>
+          <a:lstStyle/>
+          <a:p>
+            <a:pPr algn="ctr"/>
+            <a:r>
+              <a:rPr lang="zh-CN" altLang="en-US" sz="2400" b="1" dirty="0">
+                <a:solidFill>
+                  <a:schemeClr val="tx1">
+                    <a:lumMod val="85000"/>
+                    <a:lumOff val="15000"/>
+                  </a:schemeClr>
+                </a:solidFill>
+                <a:latin typeface="微软雅黑" panose="020B0503020204020204" charset="-122"/>
+                <a:ea typeface="微软雅黑" panose="020B0503020204020204" charset="-122"/>
+              </a:rPr>
+              <a:t>游 戏 展 示</a:t>
+            </a:r>
+          </a:p>
+        </p:txBody>
+      </p:sp>
+      <p:sp>
+        <p:nvSpPr>
+          <p:cNvPr id="6" name="文本框 5"/>
+          <p:cNvSpPr txBox="1"/>
+          <p:nvPr/>
+        </p:nvSpPr>
+        <p:spPr>
+          <a:xfrm>
+            <a:off x="2560320" y="332105"/>
+            <a:ext cx="3253105" cy="461665"/>
+          </a:xfrm>
+          <a:prstGeom prst="rect">
+            <a:avLst/>
+          </a:prstGeom>
+          <a:noFill/>
+          <a:ln>
+            <a:solidFill>
+              <a:schemeClr val="bg1"/>
+            </a:solidFill>
+          </a:ln>
+        </p:spPr>
+        <p:txBody>
+          <a:bodyPr wrap="square" rtlCol="0">
+            <a:spAutoFit/>
+          </a:bodyPr>
+          <a:lstStyle/>
+          <a:p>
+            <a:pPr algn="ctr"/>
+            <a:r>
+              <a:rPr lang="en-US" altLang="zh-CN" sz="2400" kern="0" dirty="0">
+                <a:solidFill>
+                  <a:schemeClr val="bg1"/>
+                </a:solidFill>
+                <a:latin typeface="Arial" panose="020B0604020202020204" pitchFamily="34" charset="0"/>
+                <a:ea typeface="微软雅黑" panose="020B0503020204020204" charset="-122"/>
+                <a:cs typeface="Arial" panose="020B0604020202020204" pitchFamily="34" charset="0"/>
+                <a:sym typeface="+mn-ea"/>
+              </a:rPr>
+              <a:t>Game Display</a:t>
+            </a:r>
+            <a:endParaRPr lang="zh-CN" altLang="en-US" sz="2400" kern="0" dirty="0">
+              <a:solidFill>
+                <a:schemeClr val="bg1"/>
+              </a:solidFill>
+              <a:latin typeface="Arial" panose="020B0604020202020204" pitchFamily="34" charset="0"/>
+              <a:ea typeface="微软雅黑" panose="020B0503020204020204" charset="-122"/>
+              <a:cs typeface="Arial" panose="020B0604020202020204" pitchFamily="34" charset="0"/>
+              <a:sym typeface="+mn-ea"/>
+            </a:endParaRPr>
+          </a:p>
+        </p:txBody>
+      </p:sp>
+      <p:sp>
+        <p:nvSpPr>
+          <p:cNvPr id="25" name="矩形 24">
+            <a:extLst>
+              <a:ext uri="{FF2B5EF4-FFF2-40B4-BE49-F238E27FC236}">
+                <a16:creationId xmlns:a16="http://schemas.microsoft.com/office/drawing/2014/main" id="{EE9255F9-0F38-45E6-A852-5AABB92EA643}"/>
+              </a:ext>
+            </a:extLst>
+          </p:cNvPr>
+          <p:cNvSpPr/>
+          <p:nvPr/>
+        </p:nvSpPr>
+        <p:spPr>
+          <a:xfrm>
+            <a:off x="807720" y="1569440"/>
+            <a:ext cx="5092732" cy="4249433"/>
+          </a:xfrm>
+          <a:prstGeom prst="rect">
+            <a:avLst/>
+          </a:prstGeom>
+          <a:noFill/>
+          <a:ln>
+            <a:solidFill>
+              <a:schemeClr val="bg1"/>
+            </a:solidFill>
+          </a:ln>
+        </p:spPr>
+        <p:style>
+          <a:lnRef idx="2">
+            <a:schemeClr val="accent1">
+              <a:shade val="50000"/>
+            </a:schemeClr>
+          </a:lnRef>
+          <a:fillRef idx="1">
+            <a:schemeClr val="accent1"/>
+          </a:fillRef>
+          <a:effectRef idx="0">
+            <a:schemeClr val="accent1"/>
+          </a:effectRef>
+          <a:fontRef idx="minor">
+            <a:schemeClr val="lt1"/>
+          </a:fontRef>
+        </p:style>
+        <p:txBody>
+          <a:bodyPr rtlCol="0" anchor="ctr"/>
+          <a:lstStyle/>
+          <a:p>
+            <a:pPr algn="ctr"/>
+            <a:endParaRPr lang="zh-CN" altLang="en-US">
+              <a:solidFill>
+                <a:schemeClr val="tx1">
+                  <a:lumMod val="85000"/>
+                  <a:lumOff val="15000"/>
+                </a:schemeClr>
+              </a:solidFill>
+            </a:endParaRPr>
+          </a:p>
+        </p:txBody>
+      </p:sp>
+      <p:sp>
+        <p:nvSpPr>
+          <p:cNvPr id="43" name="矩形 42">
+            <a:extLst>
+              <a:ext uri="{FF2B5EF4-FFF2-40B4-BE49-F238E27FC236}">
+                <a16:creationId xmlns:a16="http://schemas.microsoft.com/office/drawing/2014/main" id="{8636C5A0-6B39-4232-8973-7CC1EA4025A8}"/>
+              </a:ext>
+            </a:extLst>
+          </p:cNvPr>
+          <p:cNvSpPr/>
+          <p:nvPr/>
+        </p:nvSpPr>
+        <p:spPr>
+          <a:xfrm>
+            <a:off x="6190042" y="1569439"/>
+            <a:ext cx="5092732" cy="4249433"/>
+          </a:xfrm>
+          <a:prstGeom prst="rect">
+            <a:avLst/>
+          </a:prstGeom>
+          <a:noFill/>
+          <a:ln>
+            <a:solidFill>
+              <a:schemeClr val="bg1"/>
+            </a:solidFill>
+          </a:ln>
+        </p:spPr>
+        <p:style>
+          <a:lnRef idx="2">
+            <a:schemeClr val="accent1">
+              <a:shade val="50000"/>
+            </a:schemeClr>
+          </a:lnRef>
+          <a:fillRef idx="1">
+            <a:schemeClr val="accent1"/>
+          </a:fillRef>
+          <a:effectRef idx="0">
+            <a:schemeClr val="accent1"/>
+          </a:effectRef>
+          <a:fontRef idx="minor">
+            <a:schemeClr val="lt1"/>
+          </a:fontRef>
+        </p:style>
+        <p:txBody>
+          <a:bodyPr rtlCol="0" anchor="ctr"/>
+          <a:lstStyle/>
+          <a:p>
+            <a:pPr algn="ctr"/>
+            <a:endParaRPr lang="zh-CN" altLang="en-US">
+              <a:solidFill>
+                <a:schemeClr val="tx1">
+                  <a:lumMod val="85000"/>
+                  <a:lumOff val="15000"/>
+                </a:schemeClr>
+              </a:solidFill>
+            </a:endParaRPr>
+          </a:p>
+        </p:txBody>
+      </p:sp>
+      <p:pic>
+        <p:nvPicPr>
+          <p:cNvPr id="3" name="图片 2">
+            <a:extLst>
+              <a:ext uri="{FF2B5EF4-FFF2-40B4-BE49-F238E27FC236}">
+                <a16:creationId xmlns:a16="http://schemas.microsoft.com/office/drawing/2014/main" id="{E2DDBDBA-1EDC-474A-B54B-B3CCF9B157B5}"/>
+              </a:ext>
+            </a:extLst>
+          </p:cNvPr>
+          <p:cNvPicPr>
+            <a:picLocks noChangeAspect="1"/>
+          </p:cNvPicPr>
+          <p:nvPr/>
+        </p:nvPicPr>
+        <p:blipFill>
+          <a:blip r:embed="rId3">
+            <a:extLst>
+              <a:ext uri="{28A0092B-C50C-407E-A947-70E740481C1C}">
+                <a14:useLocalDpi xmlns:a14="http://schemas.microsoft.com/office/drawing/2010/main" val="0"/>
+              </a:ext>
+            </a:extLst>
+          </a:blip>
+          <a:stretch>
+            <a:fillRect/>
+          </a:stretch>
+        </p:blipFill>
+        <p:spPr>
+          <a:xfrm>
+            <a:off x="957025" y="1901596"/>
+            <a:ext cx="4794122" cy="3567020"/>
+          </a:xfrm>
+          <a:prstGeom prst="rect">
+            <a:avLst/>
+          </a:prstGeom>
+        </p:spPr>
+      </p:pic>
+      <p:pic>
+        <p:nvPicPr>
+          <p:cNvPr id="9" name="图片 8">
+            <a:extLst>
+              <a:ext uri="{FF2B5EF4-FFF2-40B4-BE49-F238E27FC236}">
+                <a16:creationId xmlns:a16="http://schemas.microsoft.com/office/drawing/2014/main" id="{47CCC327-999F-4545-A80B-62E65A937A95}"/>
+              </a:ext>
+            </a:extLst>
+          </p:cNvPr>
+          <p:cNvPicPr>
+            <a:picLocks noChangeAspect="1"/>
+          </p:cNvPicPr>
+          <p:nvPr/>
+        </p:nvPicPr>
+        <p:blipFill>
+          <a:blip r:embed="rId4">
+            <a:extLst>
+              <a:ext uri="{28A0092B-C50C-407E-A947-70E740481C1C}">
+                <a14:useLocalDpi xmlns:a14="http://schemas.microsoft.com/office/drawing/2010/main" val="0"/>
+              </a:ext>
+            </a:extLst>
+          </a:blip>
+          <a:stretch>
+            <a:fillRect/>
+          </a:stretch>
+        </p:blipFill>
+        <p:spPr>
+          <a:xfrm>
+            <a:off x="6336335" y="1906800"/>
+            <a:ext cx="4800145" cy="3601615"/>
+          </a:xfrm>
+          <a:prstGeom prst="rect">
+            <a:avLst/>
+          </a:prstGeom>
+        </p:spPr>
+      </p:pic>
+    </p:spTree>
+    <p:extLst>
+      <p:ext uri="{BB962C8B-B14F-4D97-AF65-F5344CB8AC3E}">
+        <p14:creationId xmlns:p14="http://schemas.microsoft.com/office/powerpoint/2010/main" val="3083982490"/>
+      </p:ext>
+    </p:extLst>
+  </p:cSld>
+  <p:clrMapOvr>
+    <a:masterClrMapping/>
+  </p:clrMapOvr>
+</p:sld>
+</file>
+
 <file path=ppt/slides/slide13.xml><?xml version="1.0" encoding="utf-8"?>
+<p:sld xmlns:a="http://schemas.openxmlformats.org/drawingml/2006/main" xmlns:r="http://schemas.openxmlformats.org/officeDocument/2006/relationships" xmlns:p="http://schemas.openxmlformats.org/presentationml/2006/main">
+  <p:cSld>
+    <p:spTree>
+      <p:nvGrpSpPr>
+        <p:cNvPr id="1" name=""/>
+        <p:cNvGrpSpPr/>
+        <p:nvPr/>
+      </p:nvGrpSpPr>
+      <p:grpSpPr>
+        <a:xfrm>
+          <a:off x="0" y="0"/>
+          <a:ext cx="0" cy="0"/>
+          <a:chOff x="0" y="0"/>
+          <a:chExt cx="0" cy="0"/>
+        </a:xfrm>
+      </p:grpSpPr>
+      <p:sp>
+        <p:nvSpPr>
+          <p:cNvPr id="3" name="任意多边形 2"/>
+          <p:cNvSpPr/>
+          <p:nvPr/>
+        </p:nvSpPr>
+        <p:spPr>
+          <a:xfrm>
+            <a:off x="4646613" y="0"/>
+            <a:ext cx="2898775" cy="3320415"/>
+          </a:xfrm>
+          <a:custGeom>
+            <a:avLst/>
+            <a:gdLst>
+              <a:gd name="connsiteX0" fmla="*/ 0 w 5668"/>
+              <a:gd name="connsiteY0" fmla="*/ 0 h 6492"/>
+              <a:gd name="connsiteX1" fmla="*/ 5668 w 5668"/>
+              <a:gd name="connsiteY1" fmla="*/ 0 h 6492"/>
+              <a:gd name="connsiteX2" fmla="*/ 5668 w 5668"/>
+              <a:gd name="connsiteY2" fmla="*/ 4944 h 6492"/>
+              <a:gd name="connsiteX3" fmla="*/ 2786 w 5668"/>
+              <a:gd name="connsiteY3" fmla="*/ 6492 h 6492"/>
+              <a:gd name="connsiteX4" fmla="*/ 0 w 5668"/>
+              <a:gd name="connsiteY4" fmla="*/ 4944 h 6492"/>
+              <a:gd name="connsiteX5" fmla="*/ 0 w 5668"/>
+              <a:gd name="connsiteY5" fmla="*/ 0 h 6492"/>
+            </a:gdLst>
+            <a:ahLst/>
+            <a:cxnLst>
+              <a:cxn ang="0">
+                <a:pos x="connsiteX0" y="connsiteY0"/>
+              </a:cxn>
+              <a:cxn ang="0">
+                <a:pos x="connsiteX1" y="connsiteY1"/>
+              </a:cxn>
+              <a:cxn ang="0">
+                <a:pos x="connsiteX2" y="connsiteY2"/>
+              </a:cxn>
+              <a:cxn ang="0">
+                <a:pos x="connsiteX3" y="connsiteY3"/>
+              </a:cxn>
+              <a:cxn ang="0">
+                <a:pos x="connsiteX4" y="connsiteY4"/>
+              </a:cxn>
+              <a:cxn ang="0">
+                <a:pos x="connsiteX5" y="connsiteY5"/>
+              </a:cxn>
+            </a:cxnLst>
+            <a:rect l="l" t="t" r="r" b="b"/>
+            <a:pathLst>
+              <a:path w="5668" h="6492">
+                <a:moveTo>
+                  <a:pt x="0" y="0"/>
+                </a:moveTo>
+                <a:lnTo>
+                  <a:pt x="5668" y="0"/>
+                </a:lnTo>
+                <a:lnTo>
+                  <a:pt x="5668" y="4944"/>
+                </a:lnTo>
+                <a:lnTo>
+                  <a:pt x="2786" y="6492"/>
+                </a:lnTo>
+                <a:lnTo>
+                  <a:pt x="0" y="4944"/>
+                </a:lnTo>
+                <a:lnTo>
+                  <a:pt x="0" y="0"/>
+                </a:lnTo>
+                <a:close/>
+              </a:path>
+            </a:pathLst>
+          </a:custGeom>
+          <a:solidFill>
+            <a:srgbClr val="FFCF29"/>
+          </a:solidFill>
+          <a:ln>
+            <a:noFill/>
+          </a:ln>
+        </p:spPr>
+        <p:style>
+          <a:lnRef idx="2">
+            <a:schemeClr val="accent1">
+              <a:shade val="50000"/>
+            </a:schemeClr>
+          </a:lnRef>
+          <a:fillRef idx="1">
+            <a:schemeClr val="accent1"/>
+          </a:fillRef>
+          <a:effectRef idx="0">
+            <a:schemeClr val="accent1"/>
+          </a:effectRef>
+          <a:fontRef idx="minor">
+            <a:schemeClr val="lt1"/>
+          </a:fontRef>
+        </p:style>
+        <p:txBody>
+          <a:bodyPr rtlCol="0" anchor="ctr"/>
+          <a:lstStyle/>
+          <a:p>
+            <a:pPr algn="ctr"/>
+            <a:endParaRPr lang="zh-CN" altLang="en-US"/>
+          </a:p>
+        </p:txBody>
+      </p:sp>
+      <p:sp>
+        <p:nvSpPr>
+          <p:cNvPr id="4" name="矩形 3"/>
+          <p:cNvSpPr/>
+          <p:nvPr/>
+        </p:nvSpPr>
+        <p:spPr>
+          <a:xfrm>
+            <a:off x="5295265" y="6126480"/>
+            <a:ext cx="1753235" cy="731520"/>
+          </a:xfrm>
+          <a:prstGeom prst="rect">
+            <a:avLst/>
+          </a:prstGeom>
+          <a:solidFill>
+            <a:srgbClr val="FFCF29"/>
+          </a:solidFill>
+          <a:ln>
+            <a:noFill/>
+          </a:ln>
+        </p:spPr>
+        <p:style>
+          <a:lnRef idx="2">
+            <a:schemeClr val="accent1">
+              <a:shade val="50000"/>
+            </a:schemeClr>
+          </a:lnRef>
+          <a:fillRef idx="1">
+            <a:schemeClr val="accent1"/>
+          </a:fillRef>
+          <a:effectRef idx="0">
+            <a:schemeClr val="accent1"/>
+          </a:effectRef>
+          <a:fontRef idx="minor">
+            <a:schemeClr val="lt1"/>
+          </a:fontRef>
+        </p:style>
+        <p:txBody>
+          <a:bodyPr rtlCol="0" anchor="ctr"/>
+          <a:lstStyle/>
+          <a:p>
+            <a:pPr algn="ctr"/>
+            <a:endParaRPr lang="zh-CN" altLang="en-US"/>
+          </a:p>
+        </p:txBody>
+      </p:sp>
+      <p:sp>
+        <p:nvSpPr>
+          <p:cNvPr id="5" name="文本框 4"/>
+          <p:cNvSpPr txBox="1"/>
+          <p:nvPr/>
+        </p:nvSpPr>
+        <p:spPr>
+          <a:xfrm>
+            <a:off x="5220335" y="3192780"/>
+            <a:ext cx="1753235" cy="1445260"/>
+          </a:xfrm>
+          <a:prstGeom prst="rect">
+            <a:avLst/>
+          </a:prstGeom>
+          <a:noFill/>
+        </p:spPr>
+        <p:txBody>
+          <a:bodyPr wrap="square" rtlCol="0">
+            <a:spAutoFit/>
+          </a:bodyPr>
+          <a:lstStyle/>
+          <a:p>
+            <a:pPr algn="ctr"/>
+            <a:r>
+              <a:rPr lang="en-US" altLang="zh-CN" sz="8800">
+                <a:solidFill>
+                  <a:schemeClr val="bg1"/>
+                </a:solidFill>
+                <a:latin typeface="Impact" panose="020B0806030902050204" charset="0"/>
+              </a:rPr>
+              <a:t>04</a:t>
+            </a:r>
+          </a:p>
+        </p:txBody>
+      </p:sp>
+      <p:sp>
+        <p:nvSpPr>
+          <p:cNvPr id="6" name="文本框 5"/>
+          <p:cNvSpPr txBox="1"/>
+          <p:nvPr/>
+        </p:nvSpPr>
+        <p:spPr>
+          <a:xfrm>
+            <a:off x="4450080" y="4808220"/>
+            <a:ext cx="3444240" cy="521970"/>
+          </a:xfrm>
+          <a:prstGeom prst="rect">
+            <a:avLst/>
+          </a:prstGeom>
+          <a:noFill/>
+        </p:spPr>
+        <p:txBody>
+          <a:bodyPr wrap="square" rtlCol="0">
+            <a:spAutoFit/>
+          </a:bodyPr>
+          <a:lstStyle/>
+          <a:p>
+            <a:pPr algn="ctr"/>
+            <a:r>
+              <a:rPr lang="zh-CN" altLang="en-US" sz="2800" dirty="0">
+                <a:solidFill>
+                  <a:schemeClr val="bg1"/>
+                </a:solidFill>
+                <a:latin typeface="微软雅黑" panose="020B0503020204020204" charset="-122"/>
+                <a:ea typeface="微软雅黑" panose="020B0503020204020204" charset="-122"/>
+              </a:rPr>
+              <a:t>总结</a:t>
+            </a:r>
+          </a:p>
+        </p:txBody>
+      </p:sp>
+      <p:sp>
+        <p:nvSpPr>
+          <p:cNvPr id="7" name="文本框 6"/>
+          <p:cNvSpPr txBox="1"/>
+          <p:nvPr/>
+        </p:nvSpPr>
+        <p:spPr>
+          <a:xfrm>
+            <a:off x="4450080" y="5501006"/>
+            <a:ext cx="3444240" cy="398780"/>
+          </a:xfrm>
+          <a:prstGeom prst="rect">
+            <a:avLst/>
+          </a:prstGeom>
+          <a:noFill/>
+        </p:spPr>
+        <p:txBody>
+          <a:bodyPr wrap="square" rtlCol="0">
+            <a:spAutoFit/>
+          </a:bodyPr>
+          <a:lstStyle/>
+          <a:p>
+            <a:pPr algn="ctr"/>
+            <a:r>
+              <a:rPr lang="en-US" altLang="zh-CN" sz="2000" kern="0" dirty="0">
+                <a:solidFill>
+                  <a:schemeClr val="bg1"/>
+                </a:solidFill>
+                <a:latin typeface="Arial" panose="020B0604020202020204" pitchFamily="34" charset="0"/>
+                <a:ea typeface="微软雅黑" panose="020B0503020204020204" charset="-122"/>
+                <a:cs typeface="Arial" panose="020B0604020202020204" pitchFamily="34" charset="0"/>
+                <a:sym typeface="+mn-ea"/>
+              </a:rPr>
+              <a:t>Summary</a:t>
+            </a:r>
+            <a:endParaRPr lang="zh-CN" altLang="en-US" sz="2000" kern="0" noProof="0" dirty="0">
+              <a:ln>
+                <a:noFill/>
+              </a:ln>
+              <a:solidFill>
+                <a:schemeClr val="bg1"/>
+              </a:solidFill>
+              <a:effectLst/>
+              <a:uLnTx/>
+              <a:uFillTx/>
+              <a:latin typeface="Arial" panose="020B0604020202020204" pitchFamily="34" charset="0"/>
+              <a:ea typeface="微软雅黑" panose="020B0503020204020204" charset="-122"/>
+              <a:cs typeface="Arial" panose="020B0604020202020204" pitchFamily="34" charset="0"/>
+              <a:sym typeface="+mn-ea"/>
+            </a:endParaRPr>
+          </a:p>
+        </p:txBody>
+      </p:sp>
+      <p:cxnSp>
+        <p:nvCxnSpPr>
+          <p:cNvPr id="8" name="直接连接符 7"/>
+          <p:cNvCxnSpPr/>
+          <p:nvPr/>
+        </p:nvCxnSpPr>
+        <p:spPr>
+          <a:xfrm>
+            <a:off x="5212080" y="4610100"/>
+            <a:ext cx="1767840" cy="0"/>
+          </a:xfrm>
+          <a:prstGeom prst="line">
+            <a:avLst/>
+          </a:prstGeom>
+          <a:ln>
+            <a:solidFill>
+              <a:schemeClr val="bg1"/>
+            </a:solidFill>
+          </a:ln>
+        </p:spPr>
+        <p:style>
+          <a:lnRef idx="1">
+            <a:schemeClr val="accent1"/>
+          </a:lnRef>
+          <a:fillRef idx="0">
+            <a:schemeClr val="accent1"/>
+          </a:fillRef>
+          <a:effectRef idx="0">
+            <a:schemeClr val="accent1"/>
+          </a:effectRef>
+          <a:fontRef idx="minor">
+            <a:schemeClr val="tx1"/>
+          </a:fontRef>
+        </p:style>
+      </p:cxnSp>
+      <p:sp>
+        <p:nvSpPr>
+          <p:cNvPr id="9" name="椭圆 8"/>
+          <p:cNvSpPr/>
+          <p:nvPr/>
+        </p:nvSpPr>
+        <p:spPr>
+          <a:xfrm>
+            <a:off x="5158740" y="951865"/>
+            <a:ext cx="1874520" cy="1874520"/>
+          </a:xfrm>
+          <a:prstGeom prst="ellipse">
+            <a:avLst/>
+          </a:prstGeom>
+          <a:solidFill>
+            <a:schemeClr val="bg1"/>
+          </a:solidFill>
+          <a:ln>
+            <a:solidFill>
+              <a:schemeClr val="accent4">
+                <a:lumMod val="75000"/>
+              </a:schemeClr>
+            </a:solidFill>
+          </a:ln>
+        </p:spPr>
+        <p:style>
+          <a:lnRef idx="2">
+            <a:schemeClr val="accent1">
+              <a:shade val="50000"/>
+            </a:schemeClr>
+          </a:lnRef>
+          <a:fillRef idx="1">
+            <a:schemeClr val="accent1"/>
+          </a:fillRef>
+          <a:effectRef idx="0">
+            <a:schemeClr val="accent1"/>
+          </a:effectRef>
+          <a:fontRef idx="minor">
+            <a:schemeClr val="lt1"/>
+          </a:fontRef>
+        </p:style>
+        <p:txBody>
+          <a:bodyPr rtlCol="0" anchor="ctr"/>
+          <a:lstStyle/>
+          <a:p>
+            <a:pPr algn="ctr"/>
+            <a:endParaRPr lang="zh-CN" altLang="en-US"/>
+          </a:p>
+        </p:txBody>
+      </p:sp>
+      <p:sp>
+        <p:nvSpPr>
+          <p:cNvPr id="2050" name="书"/>
+          <p:cNvSpPr/>
+          <p:nvPr/>
+        </p:nvSpPr>
+        <p:spPr bwMode="auto">
+          <a:xfrm>
+            <a:off x="5448618" y="1242060"/>
+            <a:ext cx="1294765" cy="1294765"/>
+          </a:xfrm>
+          <a:custGeom>
+            <a:avLst/>
+            <a:gdLst>
+              <a:gd name="T0" fmla="*/ 1660229 w 8965002"/>
+              <a:gd name="T1" fmla="*/ 723707 h 8673857"/>
+              <a:gd name="T2" fmla="*/ 1707743 w 8965002"/>
+              <a:gd name="T3" fmla="*/ 723707 h 8673857"/>
+              <a:gd name="T4" fmla="*/ 1786179 w 8965002"/>
+              <a:gd name="T5" fmla="*/ 872262 h 8673857"/>
+              <a:gd name="T6" fmla="*/ 1398524 w 8965002"/>
+              <a:gd name="T7" fmla="*/ 1455923 h 8673857"/>
+              <a:gd name="T8" fmla="*/ 1307266 w 8965002"/>
+              <a:gd name="T9" fmla="*/ 1501168 h 8673857"/>
+              <a:gd name="T10" fmla="*/ 1079500 w 8965002"/>
+              <a:gd name="T11" fmla="*/ 1501168 h 8673857"/>
+              <a:gd name="T12" fmla="*/ 1079500 w 8965002"/>
+              <a:gd name="T13" fmla="*/ 1685165 h 8673857"/>
+              <a:gd name="T14" fmla="*/ 1049332 w 8965002"/>
+              <a:gd name="T15" fmla="*/ 1734934 h 8673857"/>
+              <a:gd name="T16" fmla="*/ 1021427 w 8965002"/>
+              <a:gd name="T17" fmla="*/ 1741721 h 8673857"/>
+              <a:gd name="T18" fmla="*/ 985980 w 8965002"/>
+              <a:gd name="T19" fmla="*/ 1731164 h 8673857"/>
+              <a:gd name="T20" fmla="*/ 808744 w 8965002"/>
+              <a:gd name="T21" fmla="*/ 1611265 h 8673857"/>
+              <a:gd name="T22" fmla="*/ 635280 w 8965002"/>
+              <a:gd name="T23" fmla="*/ 1731164 h 8673857"/>
+              <a:gd name="T24" fmla="*/ 571927 w 8965002"/>
+              <a:gd name="T25" fmla="*/ 1734934 h 8673857"/>
+              <a:gd name="T26" fmla="*/ 539497 w 8965002"/>
+              <a:gd name="T27" fmla="*/ 1685165 h 8673857"/>
+              <a:gd name="T28" fmla="*/ 539497 w 8965002"/>
+              <a:gd name="T29" fmla="*/ 1225173 h 8673857"/>
+              <a:gd name="T30" fmla="*/ 636788 w 8965002"/>
+              <a:gd name="T31" fmla="*/ 1030619 h 8673857"/>
+              <a:gd name="T32" fmla="*/ 667710 w 8965002"/>
+              <a:gd name="T33" fmla="*/ 1022324 h 8673857"/>
+              <a:gd name="T34" fmla="*/ 1142852 w 8965002"/>
+              <a:gd name="T35" fmla="*/ 1022324 h 8673857"/>
+              <a:gd name="T36" fmla="*/ 1077992 w 8965002"/>
+              <a:gd name="T37" fmla="*/ 1261369 h 8673857"/>
+              <a:gd name="T38" fmla="*/ 1250702 w 8965002"/>
+              <a:gd name="T39" fmla="*/ 1261369 h 8673857"/>
+              <a:gd name="T40" fmla="*/ 1660229 w 8965002"/>
+              <a:gd name="T41" fmla="*/ 723707 h 8673857"/>
+              <a:gd name="T42" fmla="*/ 1227016 w 8965002"/>
+              <a:gd name="T43" fmla="*/ 26 h 8673857"/>
+              <a:gd name="T44" fmla="*/ 1646524 w 8965002"/>
+              <a:gd name="T45" fmla="*/ 27634 h 8673857"/>
+              <a:gd name="T46" fmla="*/ 1722691 w 8965002"/>
+              <a:gd name="T47" fmla="*/ 177681 h 8673857"/>
+              <a:gd name="T48" fmla="*/ 1246833 w 8965002"/>
+              <a:gd name="T49" fmla="*/ 798230 h 8673857"/>
+              <a:gd name="T50" fmla="*/ 1160861 w 8965002"/>
+              <a:gd name="T51" fmla="*/ 838946 h 8673857"/>
+              <a:gd name="T52" fmla="*/ 443680 w 8965002"/>
+              <a:gd name="T53" fmla="*/ 838946 h 8673857"/>
+              <a:gd name="T54" fmla="*/ 231014 w 8965002"/>
+              <a:gd name="T55" fmla="*/ 1099833 h 8673857"/>
+              <a:gd name="T56" fmla="*/ 361479 w 8965002"/>
+              <a:gd name="T57" fmla="*/ 1249880 h 8673857"/>
+              <a:gd name="T58" fmla="*/ 418794 w 8965002"/>
+              <a:gd name="T59" fmla="*/ 1261190 h 8673857"/>
+              <a:gd name="T60" fmla="*/ 418794 w 8965002"/>
+              <a:gd name="T61" fmla="*/ 1500965 h 8673857"/>
+              <a:gd name="T62" fmla="*/ 10807 w 8965002"/>
+              <a:gd name="T63" fmla="*/ 1148843 h 8673857"/>
+              <a:gd name="T64" fmla="*/ 13069 w 8965002"/>
+              <a:gd name="T65" fmla="*/ 949785 h 8673857"/>
+              <a:gd name="T66" fmla="*/ 545488 w 8965002"/>
+              <a:gd name="T67" fmla="*/ 134703 h 8673857"/>
+              <a:gd name="T68" fmla="*/ 706119 w 8965002"/>
+              <a:gd name="T69" fmla="*/ 45730 h 8673857"/>
+              <a:gd name="T70" fmla="*/ 1227016 w 8965002"/>
+              <a:gd name="T71" fmla="*/ 26 h 8673857"/>
+              <a:gd name="T72" fmla="*/ 0 60000 65536"/>
+              <a:gd name="T73" fmla="*/ 0 60000 65536"/>
+              <a:gd name="T74" fmla="*/ 0 60000 65536"/>
+              <a:gd name="T75" fmla="*/ 0 60000 65536"/>
+              <a:gd name="T76" fmla="*/ 0 60000 65536"/>
+              <a:gd name="T77" fmla="*/ 0 60000 65536"/>
+              <a:gd name="T78" fmla="*/ 0 60000 65536"/>
+              <a:gd name="T79" fmla="*/ 0 60000 65536"/>
+              <a:gd name="T80" fmla="*/ 0 60000 65536"/>
+              <a:gd name="T81" fmla="*/ 0 60000 65536"/>
+              <a:gd name="T82" fmla="*/ 0 60000 65536"/>
+              <a:gd name="T83" fmla="*/ 0 60000 65536"/>
+              <a:gd name="T84" fmla="*/ 0 60000 65536"/>
+              <a:gd name="T85" fmla="*/ 0 60000 65536"/>
+              <a:gd name="T86" fmla="*/ 0 60000 65536"/>
+              <a:gd name="T87" fmla="*/ 0 60000 65536"/>
+              <a:gd name="T88" fmla="*/ 0 60000 65536"/>
+              <a:gd name="T89" fmla="*/ 0 60000 65536"/>
+              <a:gd name="T90" fmla="*/ 0 60000 65536"/>
+              <a:gd name="T91" fmla="*/ 0 60000 65536"/>
+              <a:gd name="T92" fmla="*/ 0 60000 65536"/>
+              <a:gd name="T93" fmla="*/ 0 60000 65536"/>
+              <a:gd name="T94" fmla="*/ 0 60000 65536"/>
+              <a:gd name="T95" fmla="*/ 0 60000 65536"/>
+              <a:gd name="T96" fmla="*/ 0 60000 65536"/>
+              <a:gd name="T97" fmla="*/ 0 60000 65536"/>
+              <a:gd name="T98" fmla="*/ 0 60000 65536"/>
+              <a:gd name="T99" fmla="*/ 0 60000 65536"/>
+              <a:gd name="T100" fmla="*/ 0 60000 65536"/>
+              <a:gd name="T101" fmla="*/ 0 60000 65536"/>
+              <a:gd name="T102" fmla="*/ 0 60000 65536"/>
+              <a:gd name="T103" fmla="*/ 0 60000 65536"/>
+              <a:gd name="T104" fmla="*/ 0 60000 65536"/>
+              <a:gd name="T105" fmla="*/ 0 60000 65536"/>
+              <a:gd name="T106" fmla="*/ 0 60000 65536"/>
+              <a:gd name="T107" fmla="*/ 0 60000 65536"/>
+            </a:gdLst>
+            <a:ahLst/>
+            <a:cxnLst>
+              <a:cxn ang="T72">
+                <a:pos x="T0" y="T1"/>
+              </a:cxn>
+              <a:cxn ang="T73">
+                <a:pos x="T2" y="T3"/>
+              </a:cxn>
+              <a:cxn ang="T74">
+                <a:pos x="T4" y="T5"/>
+              </a:cxn>
+              <a:cxn ang="T75">
+                <a:pos x="T6" y="T7"/>
+              </a:cxn>
+              <a:cxn ang="T76">
+                <a:pos x="T8" y="T9"/>
+              </a:cxn>
+              <a:cxn ang="T77">
+                <a:pos x="T10" y="T11"/>
+              </a:cxn>
+              <a:cxn ang="T78">
+                <a:pos x="T12" y="T13"/>
+              </a:cxn>
+              <a:cxn ang="T79">
+                <a:pos x="T14" y="T15"/>
+              </a:cxn>
+              <a:cxn ang="T80">
+                <a:pos x="T16" y="T17"/>
+              </a:cxn>
+              <a:cxn ang="T81">
+                <a:pos x="T18" y="T19"/>
+              </a:cxn>
+              <a:cxn ang="T82">
+                <a:pos x="T20" y="T21"/>
+              </a:cxn>
+              <a:cxn ang="T83">
+                <a:pos x="T22" y="T23"/>
+              </a:cxn>
+              <a:cxn ang="T84">
+                <a:pos x="T24" y="T25"/>
+              </a:cxn>
+              <a:cxn ang="T85">
+                <a:pos x="T26" y="T27"/>
+              </a:cxn>
+              <a:cxn ang="T86">
+                <a:pos x="T28" y="T29"/>
+              </a:cxn>
+              <a:cxn ang="T87">
+                <a:pos x="T30" y="T31"/>
+              </a:cxn>
+              <a:cxn ang="T88">
+                <a:pos x="T32" y="T33"/>
+              </a:cxn>
+              <a:cxn ang="T89">
+                <a:pos x="T34" y="T35"/>
+              </a:cxn>
+              <a:cxn ang="T90">
+                <a:pos x="T36" y="T37"/>
+              </a:cxn>
+              <a:cxn ang="T91">
+                <a:pos x="T38" y="T39"/>
+              </a:cxn>
+              <a:cxn ang="T92">
+                <a:pos x="T40" y="T41"/>
+              </a:cxn>
+              <a:cxn ang="T93">
+                <a:pos x="T42" y="T43"/>
+              </a:cxn>
+              <a:cxn ang="T94">
+                <a:pos x="T44" y="T45"/>
+              </a:cxn>
+              <a:cxn ang="T95">
+                <a:pos x="T46" y="T47"/>
+              </a:cxn>
+              <a:cxn ang="T96">
+                <a:pos x="T48" y="T49"/>
+              </a:cxn>
+              <a:cxn ang="T97">
+                <a:pos x="T50" y="T51"/>
+              </a:cxn>
+              <a:cxn ang="T98">
+                <a:pos x="T52" y="T53"/>
+              </a:cxn>
+              <a:cxn ang="T99">
+                <a:pos x="T54" y="T55"/>
+              </a:cxn>
+              <a:cxn ang="T100">
+                <a:pos x="T56" y="T57"/>
+              </a:cxn>
+              <a:cxn ang="T101">
+                <a:pos x="T58" y="T59"/>
+              </a:cxn>
+              <a:cxn ang="T102">
+                <a:pos x="T60" y="T61"/>
+              </a:cxn>
+              <a:cxn ang="T103">
+                <a:pos x="T62" y="T63"/>
+              </a:cxn>
+              <a:cxn ang="T104">
+                <a:pos x="T64" y="T65"/>
+              </a:cxn>
+              <a:cxn ang="T105">
+                <a:pos x="T66" y="T67"/>
+              </a:cxn>
+              <a:cxn ang="T106">
+                <a:pos x="T68" y="T69"/>
+              </a:cxn>
+              <a:cxn ang="T107">
+                <a:pos x="T70" y="T71"/>
+              </a:cxn>
+            </a:cxnLst>
+            <a:rect l="0" t="0" r="r" b="b"/>
+            <a:pathLst>
+              <a:path w="8965002" h="8673857">
+                <a:moveTo>
+                  <a:pt x="8267042" y="3603669"/>
+                </a:moveTo>
+                <a:cubicBezTo>
+                  <a:pt x="8267042" y="3603669"/>
+                  <a:pt x="8267042" y="3603669"/>
+                  <a:pt x="8503636" y="3603669"/>
+                </a:cubicBezTo>
+                <a:cubicBezTo>
+                  <a:pt x="8770275" y="3603669"/>
+                  <a:pt x="9115779" y="3885289"/>
+                  <a:pt x="8894206" y="4343392"/>
+                </a:cubicBezTo>
+                <a:cubicBezTo>
+                  <a:pt x="8894206" y="4343392"/>
+                  <a:pt x="8894206" y="4343392"/>
+                  <a:pt x="6963891" y="7249712"/>
+                </a:cubicBezTo>
+                <a:cubicBezTo>
+                  <a:pt x="6817428" y="7463743"/>
+                  <a:pt x="6610877" y="7475008"/>
+                  <a:pt x="6509479" y="7475008"/>
+                </a:cubicBezTo>
+                <a:cubicBezTo>
+                  <a:pt x="6509479" y="7475008"/>
+                  <a:pt x="6509479" y="7475008"/>
+                  <a:pt x="5375325" y="7475008"/>
+                </a:cubicBezTo>
+                <a:cubicBezTo>
+                  <a:pt x="5375325" y="7475008"/>
+                  <a:pt x="5375325" y="7475008"/>
+                  <a:pt x="5375325" y="8391212"/>
+                </a:cubicBezTo>
+                <a:cubicBezTo>
+                  <a:pt x="5375325" y="8503860"/>
+                  <a:pt x="5326504" y="8586469"/>
+                  <a:pt x="5225106" y="8639038"/>
+                </a:cubicBezTo>
+                <a:cubicBezTo>
+                  <a:pt x="5180040" y="8661567"/>
+                  <a:pt x="5131219" y="8672833"/>
+                  <a:pt x="5086153" y="8672833"/>
+                </a:cubicBezTo>
+                <a:cubicBezTo>
+                  <a:pt x="5026066" y="8672833"/>
+                  <a:pt x="4962223" y="8654057"/>
+                  <a:pt x="4909646" y="8620263"/>
+                </a:cubicBezTo>
+                <a:cubicBezTo>
+                  <a:pt x="4909646" y="8620263"/>
+                  <a:pt x="4909646" y="8620263"/>
+                  <a:pt x="4027109" y="8023229"/>
+                </a:cubicBezTo>
+                <a:cubicBezTo>
+                  <a:pt x="4027109" y="8023229"/>
+                  <a:pt x="4027109" y="8023229"/>
+                  <a:pt x="3163349" y="8620263"/>
+                </a:cubicBezTo>
+                <a:cubicBezTo>
+                  <a:pt x="3069463" y="8684097"/>
+                  <a:pt x="2949287" y="8691607"/>
+                  <a:pt x="2847889" y="8639038"/>
+                </a:cubicBezTo>
+                <a:cubicBezTo>
+                  <a:pt x="2750247" y="8586469"/>
+                  <a:pt x="2686404" y="8503860"/>
+                  <a:pt x="2686404" y="8391212"/>
+                </a:cubicBezTo>
+                <a:cubicBezTo>
+                  <a:pt x="2686404" y="8391212"/>
+                  <a:pt x="2686404" y="8391212"/>
+                  <a:pt x="2686404" y="6100701"/>
+                </a:cubicBezTo>
+                <a:cubicBezTo>
+                  <a:pt x="2686404" y="5559991"/>
+                  <a:pt x="2990598" y="5237066"/>
+                  <a:pt x="3170860" y="5131928"/>
+                </a:cubicBezTo>
+                <a:cubicBezTo>
+                  <a:pt x="3215926" y="5105644"/>
+                  <a:pt x="3268503" y="5090624"/>
+                  <a:pt x="3324835" y="5090624"/>
+                </a:cubicBezTo>
+                <a:cubicBezTo>
+                  <a:pt x="3324835" y="5090624"/>
+                  <a:pt x="3324835" y="5090624"/>
+                  <a:pt x="5690785" y="5090624"/>
+                </a:cubicBezTo>
+                <a:cubicBezTo>
+                  <a:pt x="5371570" y="5406038"/>
+                  <a:pt x="5367814" y="5980543"/>
+                  <a:pt x="5367814" y="6280938"/>
+                </a:cubicBezTo>
+                <a:cubicBezTo>
+                  <a:pt x="5367814" y="6280938"/>
+                  <a:pt x="5367814" y="6280938"/>
+                  <a:pt x="6227818" y="6280938"/>
+                </a:cubicBezTo>
+                <a:cubicBezTo>
+                  <a:pt x="6227818" y="6280938"/>
+                  <a:pt x="6227818" y="6280938"/>
+                  <a:pt x="8267042" y="3603669"/>
+                </a:cubicBezTo>
+                <a:close/>
+                <a:moveTo>
+                  <a:pt x="6109875" y="128"/>
+                </a:moveTo>
+                <a:cubicBezTo>
+                  <a:pt x="6829153" y="-2490"/>
+                  <a:pt x="7579192" y="34821"/>
+                  <a:pt x="8198796" y="137601"/>
+                </a:cubicBezTo>
+                <a:cubicBezTo>
+                  <a:pt x="8705745" y="220201"/>
+                  <a:pt x="8739542" y="678257"/>
+                  <a:pt x="8578069" y="884757"/>
+                </a:cubicBezTo>
+                <a:cubicBezTo>
+                  <a:pt x="8578069" y="884757"/>
+                  <a:pt x="6234838" y="3955980"/>
+                  <a:pt x="6208552" y="3974753"/>
+                </a:cubicBezTo>
+                <a:cubicBezTo>
+                  <a:pt x="6107162" y="4098653"/>
+                  <a:pt x="5953199" y="4177498"/>
+                  <a:pt x="5780461" y="4177498"/>
+                </a:cubicBezTo>
+                <a:cubicBezTo>
+                  <a:pt x="5780461" y="4177498"/>
+                  <a:pt x="5780461" y="4177498"/>
+                  <a:pt x="2209285" y="4177498"/>
+                </a:cubicBezTo>
+                <a:cubicBezTo>
+                  <a:pt x="1818747" y="4177498"/>
+                  <a:pt x="970076" y="4545444"/>
+                  <a:pt x="1150325" y="5476573"/>
+                </a:cubicBezTo>
+                <a:cubicBezTo>
+                  <a:pt x="1217918" y="5825746"/>
+                  <a:pt x="1465760" y="6103583"/>
+                  <a:pt x="1799971" y="6223729"/>
+                </a:cubicBezTo>
+                <a:cubicBezTo>
+                  <a:pt x="1875075" y="6253765"/>
+                  <a:pt x="2002751" y="6268783"/>
+                  <a:pt x="2085365" y="6280047"/>
+                </a:cubicBezTo>
+                <a:cubicBezTo>
+                  <a:pt x="2085365" y="6280047"/>
+                  <a:pt x="2085365" y="6280047"/>
+                  <a:pt x="2085365" y="7473994"/>
+                </a:cubicBezTo>
+                <a:cubicBezTo>
+                  <a:pt x="1582171" y="7440203"/>
+                  <a:pt x="335451" y="7004675"/>
+                  <a:pt x="53813" y="5720619"/>
+                </a:cubicBezTo>
+                <a:cubicBezTo>
+                  <a:pt x="-25046" y="5397728"/>
+                  <a:pt x="-13780" y="5056063"/>
+                  <a:pt x="65078" y="4729417"/>
+                </a:cubicBezTo>
+                <a:cubicBezTo>
+                  <a:pt x="282879" y="3283915"/>
+                  <a:pt x="2351982" y="944830"/>
+                  <a:pt x="2716235" y="670748"/>
+                </a:cubicBezTo>
+                <a:cubicBezTo>
+                  <a:pt x="2960321" y="471756"/>
+                  <a:pt x="3234449" y="310311"/>
+                  <a:pt x="3516088" y="227711"/>
+                </a:cubicBezTo>
+                <a:cubicBezTo>
+                  <a:pt x="3797726" y="119767"/>
+                  <a:pt x="4911078" y="4491"/>
+                  <a:pt x="6109875" y="128"/>
+                </a:cubicBezTo>
+                <a:close/>
+              </a:path>
+            </a:pathLst>
+          </a:custGeom>
+          <a:solidFill>
+            <a:srgbClr val="FFCF29"/>
+          </a:solidFill>
+          <a:ln>
+            <a:noFill/>
+          </a:ln>
+          <a:extLst>
+            <a:ext uri="{91240B29-F687-4F45-9708-019B960494DF}">
+              <a14:hiddenLine xmlns:a14="http://schemas.microsoft.com/office/drawing/2010/main" w="9525">
+                <a:solidFill>
+                  <a:srgbClr val="000000"/>
+                </a:solidFill>
+                <a:round/>
+              </a14:hiddenLine>
+            </a:ext>
+          </a:extLst>
+        </p:spPr>
+        <p:txBody>
+          <a:bodyPr anchor="ctr" anchorCtr="1"/>
+          <a:lstStyle>
+            <a:defPPr>
+              <a:defRPr lang="zh-CN"/>
+            </a:defPPr>
+            <a:lvl1pPr algn="l" rtl="0" eaLnBrk="0" fontAlgn="base" hangingPunct="0">
+              <a:spcBef>
+                <a:spcPct val="0"/>
+              </a:spcBef>
+              <a:spcAft>
+                <a:spcPct val="0"/>
+              </a:spcAft>
+              <a:defRPr kern="1200">
+                <a:solidFill>
+                  <a:schemeClr val="tx1"/>
+                </a:solidFill>
+                <a:latin typeface="Calibri" panose="020F0502020204030204" charset="0"/>
+                <a:ea typeface="宋体" panose="02010600030101010101" pitchFamily="2" charset="-122"/>
+                <a:cs typeface="+mn-cs"/>
+              </a:defRPr>
+            </a:lvl1pPr>
+            <a:lvl2pPr marL="457200" algn="l" rtl="0" eaLnBrk="0" fontAlgn="base" hangingPunct="0">
+              <a:spcBef>
+                <a:spcPct val="0"/>
+              </a:spcBef>
+              <a:spcAft>
+                <a:spcPct val="0"/>
+              </a:spcAft>
+              <a:defRPr kern="1200">
+                <a:solidFill>
+                  <a:schemeClr val="tx1"/>
+                </a:solidFill>
+                <a:latin typeface="Calibri" panose="020F0502020204030204" charset="0"/>
+                <a:ea typeface="宋体" panose="02010600030101010101" pitchFamily="2" charset="-122"/>
+                <a:cs typeface="+mn-cs"/>
+              </a:defRPr>
+            </a:lvl2pPr>
+            <a:lvl3pPr marL="914400" algn="l" rtl="0" eaLnBrk="0" fontAlgn="base" hangingPunct="0">
+              <a:spcBef>
+                <a:spcPct val="0"/>
+              </a:spcBef>
+              <a:spcAft>
+                <a:spcPct val="0"/>
+              </a:spcAft>
+              <a:defRPr kern="1200">
+                <a:solidFill>
+                  <a:schemeClr val="tx1"/>
+                </a:solidFill>
+                <a:latin typeface="Calibri" panose="020F0502020204030204" charset="0"/>
+                <a:ea typeface="宋体" panose="02010600030101010101" pitchFamily="2" charset="-122"/>
+                <a:cs typeface="+mn-cs"/>
+              </a:defRPr>
+            </a:lvl3pPr>
+            <a:lvl4pPr marL="1371600" algn="l" rtl="0" eaLnBrk="0" fontAlgn="base" hangingPunct="0">
+              <a:spcBef>
+                <a:spcPct val="0"/>
+              </a:spcBef>
+              <a:spcAft>
+                <a:spcPct val="0"/>
+              </a:spcAft>
+              <a:defRPr kern="1200">
+                <a:solidFill>
+                  <a:schemeClr val="tx1"/>
+                </a:solidFill>
+                <a:latin typeface="Calibri" panose="020F0502020204030204" charset="0"/>
+                <a:ea typeface="宋体" panose="02010600030101010101" pitchFamily="2" charset="-122"/>
+                <a:cs typeface="+mn-cs"/>
+              </a:defRPr>
+            </a:lvl4pPr>
+            <a:lvl5pPr marL="1828800" algn="l" rtl="0" eaLnBrk="0" fontAlgn="base" hangingPunct="0">
+              <a:spcBef>
+                <a:spcPct val="0"/>
+              </a:spcBef>
+              <a:spcAft>
+                <a:spcPct val="0"/>
+              </a:spcAft>
+              <a:defRPr kern="1200">
+                <a:solidFill>
+                  <a:schemeClr val="tx1"/>
+                </a:solidFill>
+                <a:latin typeface="Calibri" panose="020F0502020204030204" charset="0"/>
+                <a:ea typeface="宋体" panose="02010600030101010101" pitchFamily="2" charset="-122"/>
+                <a:cs typeface="+mn-cs"/>
+              </a:defRPr>
+            </a:lvl5pPr>
+            <a:lvl6pPr marL="2286000" algn="l" defTabSz="914400" rtl="0" eaLnBrk="1" latinLnBrk="0" hangingPunct="1">
+              <a:defRPr kern="1200">
+                <a:solidFill>
+                  <a:schemeClr val="tx1"/>
+                </a:solidFill>
+                <a:latin typeface="Calibri" panose="020F0502020204030204" charset="0"/>
+                <a:ea typeface="宋体" panose="02010600030101010101" pitchFamily="2" charset="-122"/>
+                <a:cs typeface="+mn-cs"/>
+              </a:defRPr>
+            </a:lvl6pPr>
+            <a:lvl7pPr marL="2743200" algn="l" defTabSz="914400" rtl="0" eaLnBrk="1" latinLnBrk="0" hangingPunct="1">
+              <a:defRPr kern="1200">
+                <a:solidFill>
+                  <a:schemeClr val="tx1"/>
+                </a:solidFill>
+                <a:latin typeface="Calibri" panose="020F0502020204030204" charset="0"/>
+                <a:ea typeface="宋体" panose="02010600030101010101" pitchFamily="2" charset="-122"/>
+                <a:cs typeface="+mn-cs"/>
+              </a:defRPr>
+            </a:lvl7pPr>
+            <a:lvl8pPr marL="3200400" algn="l" defTabSz="914400" rtl="0" eaLnBrk="1" latinLnBrk="0" hangingPunct="1">
+              <a:defRPr kern="1200">
+                <a:solidFill>
+                  <a:schemeClr val="tx1"/>
+                </a:solidFill>
+                <a:latin typeface="Calibri" panose="020F0502020204030204" charset="0"/>
+                <a:ea typeface="宋体" panose="02010600030101010101" pitchFamily="2" charset="-122"/>
+                <a:cs typeface="+mn-cs"/>
+              </a:defRPr>
+            </a:lvl8pPr>
+            <a:lvl9pPr marL="3657600" algn="l" defTabSz="914400" rtl="0" eaLnBrk="1" latinLnBrk="0" hangingPunct="1">
+              <a:defRPr kern="1200">
+                <a:solidFill>
+                  <a:schemeClr val="tx1"/>
+                </a:solidFill>
+                <a:latin typeface="Calibri" panose="020F0502020204030204" charset="0"/>
+                <a:ea typeface="宋体" panose="02010600030101010101" pitchFamily="2" charset="-122"/>
+                <a:cs typeface="+mn-cs"/>
+              </a:defRPr>
+            </a:lvl9pPr>
+          </a:lstStyle>
+          <a:p>
+            <a:endParaRPr lang="zh-CN" altLang="en-US"/>
+          </a:p>
+        </p:txBody>
+      </p:sp>
+    </p:spTree>
+  </p:cSld>
+  <p:clrMapOvr>
+    <a:masterClrMapping/>
+  </p:clrMapOvr>
+</p:sld>
+</file>
+
+<file path=ppt/slides/slide14.xml><?xml version="1.0" encoding="utf-8"?>
 <p:sld xmlns:a="http://schemas.openxmlformats.org/drawingml/2006/main" xmlns:r="http://schemas.openxmlformats.org/officeDocument/2006/relationships" xmlns:p="http://schemas.openxmlformats.org/presentationml/2006/main">
   <p:cSld>
     <p:spTree>
@@ -8392,7 +8029,7 @@
                   <a:ea typeface="微软雅黑" panose="020B0503020204020204" charset="-122"/>
                   <a:sym typeface="宋体" panose="02010600030101010101" pitchFamily="2" charset="-122"/>
                 </a:rPr>
-                <a:t>这次的项目开发，更好的明白了开发的流程，以及促进了团队的协作能力，为以后的工作实践提供一些经验。</a:t>
+                <a:t>在这次的项目开发中，更好的明白了开发的流程，促进了团队的协作能力，为以后的工作实践提供一些经验。</a:t>
               </a:r>
             </a:p>
           </p:txBody>
@@ -8406,8 +8043,8 @@
         </p:nvSpPr>
         <p:spPr>
           <a:xfrm flipH="1">
-            <a:off x="5460365" y="2049780"/>
-            <a:ext cx="5345430" cy="3178306"/>
+            <a:off x="5460365" y="1533689"/>
+            <a:ext cx="5345430" cy="4312591"/>
           </a:xfrm>
           <a:prstGeom prst="rect">
             <a:avLst/>
@@ -8429,7 +8066,7 @@
           </a:bodyPr>
           <a:lstStyle/>
           <a:p>
-            <a:pPr lvl="0" indent="360000" fontAlgn="auto">
+            <a:pPr indent="360000">
               <a:lnSpc>
                 <a:spcPct val="130000"/>
               </a:lnSpc>
@@ -8449,11 +8086,28 @@
                 <a:ea typeface="微软雅黑" panose="020B0503020204020204" charset="-122"/>
                 <a:sym typeface="宋体" panose="02010600030101010101" pitchFamily="2" charset="-122"/>
               </a:rPr>
-              <a:t>单击此处添加本章节的简要内容。模板所有素材均可自由编辑替换移动。单击此处添加本章节的简要内容。单击此处添加本章节的简要内容。模板所有素材均可自由编辑替换移动。单击此处添加本章节的简要内容。</a:t>
+              <a:t>这次项目的整体来说比计算机项目做起来熟练的多，配合起来也容易的多。对整个项目基本上看一遍大体流程就明白了，同时呢，组内的</a:t>
             </a:r>
-          </a:p>
-          <a:p>
-            <a:pPr lvl="0" indent="360000" fontAlgn="auto">
+            <a:r>
+              <a:rPr lang="zh-CN" altLang="en-US" sz="1600" dirty="0">
+                <a:solidFill>
+                  <a:schemeClr val="bg1"/>
+                </a:solidFill>
+                <a:latin typeface="微软雅黑" panose="020B0503020204020204" charset="-122"/>
+                <a:ea typeface="微软雅黑" panose="020B0503020204020204" charset="-122"/>
+              </a:rPr>
+              <a:t>让团队里的每一个成员都能知道公司的开发流程，有助于在未来的工作中更好地熟悉流程。然后，各自又有明确的分工，去完成各自的工作。</a:t>
+            </a:r>
+            <a:endParaRPr lang="en-US" altLang="zh-CN" sz="1600" dirty="0">
+              <a:solidFill>
+                <a:schemeClr val="bg1"/>
+              </a:solidFill>
+              <a:latin typeface="微软雅黑" panose="020B0503020204020204" charset="-122"/>
+              <a:ea typeface="微软雅黑" panose="020B0503020204020204" charset="-122"/>
+            </a:endParaRPr>
+          </a:p>
+          <a:p>
+            <a:pPr indent="360000">
               <a:lnSpc>
                 <a:spcPct val="130000"/>
               </a:lnSpc>
@@ -8471,238 +8125,39 @@
                 </a:solidFill>
                 <a:latin typeface="微软雅黑" panose="020B0503020204020204" charset="-122"/>
                 <a:ea typeface="微软雅黑" panose="020B0503020204020204" charset="-122"/>
-                <a:sym typeface="宋体" panose="02010600030101010101" pitchFamily="2" charset="-122"/>
               </a:rPr>
-              <a:t>单击此处添加本章节的简要内容。模板所有素材均可自由编辑替换移动。单击此处添加本章节的简要内容。单击此处添加本章节的简要内容。模板所有素材均可自由编辑替换移动。单击此处添加本章节的简要内容。模板所有素材均可自由编辑替换移动。</a:t>
+              <a:t>不足之处就是，没有特别熟练的运用敏捷开发，同时我对一些细节的处理上不是很好，代码中存在的</a:t>
             </a:r>
-          </a:p>
-        </p:txBody>
-      </p:sp>
-    </p:spTree>
-  </p:cSld>
-  <p:clrMapOvr>
-    <a:masterClrMapping/>
-  </p:clrMapOvr>
-</p:sld>
-</file>
-
-<file path=ppt/slides/slide14.xml><?xml version="1.0" encoding="utf-8"?>
-<p:sld xmlns:a="http://schemas.openxmlformats.org/drawingml/2006/main" xmlns:r="http://schemas.openxmlformats.org/officeDocument/2006/relationships" xmlns:p="http://schemas.openxmlformats.org/presentationml/2006/main">
-  <p:cSld>
-    <p:bg>
-      <p:bgPr>
-        <a:solidFill>
-          <a:schemeClr val="bg1"/>
-        </a:solidFill>
-        <a:effectLst/>
-      </p:bgPr>
-    </p:bg>
-    <p:spTree>
-      <p:nvGrpSpPr>
-        <p:cNvPr id="1" name=""/>
-        <p:cNvGrpSpPr/>
-        <p:nvPr/>
-      </p:nvGrpSpPr>
-      <p:grpSpPr>
-        <a:xfrm>
-          <a:off x="0" y="0"/>
-          <a:ext cx="0" cy="0"/>
-          <a:chOff x="0" y="0"/>
-          <a:chExt cx="0" cy="0"/>
-        </a:xfrm>
-      </p:grpSpPr>
-      <p:sp>
-        <p:nvSpPr>
-          <p:cNvPr id="2" name="矩形 1"/>
-          <p:cNvSpPr/>
-          <p:nvPr/>
-        </p:nvSpPr>
-        <p:spPr>
-          <a:xfrm>
-            <a:off x="-22860" y="0"/>
-            <a:ext cx="12237720" cy="4236085"/>
-          </a:xfrm>
-          <a:prstGeom prst="rect">
-            <a:avLst/>
-          </a:prstGeom>
-          <a:blipFill rotWithShape="1">
-            <a:blip r:embed="rId3"/>
-            <a:stretch>
-              <a:fillRect t="-25000" b="-26000"/>
-            </a:stretch>
-          </a:blipFill>
-          <a:ln>
-            <a:noFill/>
-          </a:ln>
-        </p:spPr>
-        <p:style>
-          <a:lnRef idx="2">
-            <a:schemeClr val="accent1">
-              <a:shade val="50000"/>
-            </a:schemeClr>
-          </a:lnRef>
-          <a:fillRef idx="1">
-            <a:schemeClr val="accent1"/>
-          </a:fillRef>
-          <a:effectRef idx="0">
-            <a:schemeClr val="accent1"/>
-          </a:effectRef>
-          <a:fontRef idx="minor">
-            <a:schemeClr val="lt1"/>
-          </a:fontRef>
-        </p:style>
-        <p:txBody>
-          <a:bodyPr rtlCol="0" anchor="ctr"/>
-          <a:lstStyle/>
-          <a:p>
-            <a:pPr algn="ctr"/>
-            <a:endParaRPr lang="zh-CN" altLang="en-US"/>
-          </a:p>
-        </p:txBody>
-      </p:sp>
-      <p:sp>
-        <p:nvSpPr>
-          <p:cNvPr id="3" name="矩形 2"/>
-          <p:cNvSpPr/>
-          <p:nvPr/>
-        </p:nvSpPr>
-        <p:spPr>
-          <a:xfrm>
-            <a:off x="532765" y="1513840"/>
-            <a:ext cx="11126470" cy="5015865"/>
-          </a:xfrm>
-          <a:prstGeom prst="rect">
-            <a:avLst/>
-          </a:prstGeom>
-          <a:blipFill rotWithShape="1">
-            <a:blip r:embed="rId4"/>
-            <a:stretch>
-              <a:fillRect t="-10000" b="-15000"/>
-            </a:stretch>
-          </a:blipFill>
-          <a:ln w="38100">
-            <a:noFill/>
-          </a:ln>
-        </p:spPr>
-        <p:style>
-          <a:lnRef idx="2">
-            <a:schemeClr val="accent1">
-              <a:shade val="50000"/>
-            </a:schemeClr>
-          </a:lnRef>
-          <a:fillRef idx="1">
-            <a:schemeClr val="accent1"/>
-          </a:fillRef>
-          <a:effectRef idx="0">
-            <a:schemeClr val="accent1"/>
-          </a:effectRef>
-          <a:fontRef idx="minor">
-            <a:schemeClr val="lt1"/>
-          </a:fontRef>
-        </p:style>
-        <p:txBody>
-          <a:bodyPr rtlCol="0" anchor="ctr"/>
-          <a:lstStyle/>
-          <a:p>
-            <a:pPr algn="ctr"/>
-            <a:endParaRPr lang="zh-CN" altLang="en-US"/>
-          </a:p>
-        </p:txBody>
-      </p:sp>
-      <p:sp>
-        <p:nvSpPr>
-          <p:cNvPr id="4" name="文本框 3"/>
-          <p:cNvSpPr txBox="1"/>
-          <p:nvPr/>
-        </p:nvSpPr>
-        <p:spPr>
-          <a:xfrm>
-            <a:off x="4556760" y="1821180"/>
-            <a:ext cx="3078480" cy="1014730"/>
-          </a:xfrm>
-          <a:prstGeom prst="rect">
-            <a:avLst/>
-          </a:prstGeom>
-          <a:noFill/>
-        </p:spPr>
-        <p:txBody>
-          <a:bodyPr wrap="square" rtlCol="0">
-            <a:spAutoFit/>
-          </a:bodyPr>
-          <a:lstStyle/>
-          <a:p>
-            <a:pPr algn="ctr"/>
-            <a:r>
-              <a:rPr lang="zh-CN" altLang="en-US" sz="6000">
-                <a:solidFill>
-                  <a:srgbClr val="FFCF29"/>
-                </a:solidFill>
-                <a:latin typeface="华文隶书" panose="02010800040101010101" charset="-122"/>
-                <a:ea typeface="华文隶书" panose="02010800040101010101" charset="-122"/>
-              </a:rPr>
-              <a:t>致 谢</a:t>
-            </a:r>
-          </a:p>
-        </p:txBody>
-      </p:sp>
-      <p:sp>
-        <p:nvSpPr>
-          <p:cNvPr id="14" name="文本框 13"/>
-          <p:cNvSpPr txBox="1"/>
-          <p:nvPr/>
-        </p:nvSpPr>
-        <p:spPr>
-          <a:xfrm>
-            <a:off x="1737360" y="3058795"/>
-            <a:ext cx="8717280" cy="2538131"/>
-          </a:xfrm>
-          <a:prstGeom prst="rect">
-            <a:avLst/>
-          </a:prstGeom>
-          <a:noFill/>
-        </p:spPr>
-        <p:txBody>
-          <a:bodyPr wrap="square" rtlCol="0">
-            <a:spAutoFit/>
-          </a:bodyPr>
-          <a:lstStyle/>
-          <a:p>
-            <a:pPr algn="l" fontAlgn="auto">
-              <a:lnSpc>
-                <a:spcPct val="130000"/>
-              </a:lnSpc>
-              <a:spcBef>
-                <a:spcPts val="800"/>
-              </a:spcBef>
-              <a:spcAft>
-                <a:spcPts val="800"/>
-              </a:spcAft>
-            </a:pPr>
             <a:r>
               <a:rPr lang="en-US" altLang="zh-CN" sz="1600" dirty="0">
                 <a:solidFill>
-                  <a:srgbClr val="FFCF29"/>
+                  <a:schemeClr val="bg1"/>
                 </a:solidFill>
                 <a:latin typeface="微软雅黑" panose="020B0503020204020204" charset="-122"/>
                 <a:ea typeface="微软雅黑" panose="020B0503020204020204" charset="-122"/>
-                <a:sym typeface="宋体" panose="02010600030101010101" pitchFamily="2" charset="-122"/>
               </a:rPr>
-              <a:t>       </a:t>
+              <a:t>bug</a:t>
             </a:r>
             <a:r>
               <a:rPr lang="zh-CN" altLang="en-US" sz="1600" dirty="0">
                 <a:solidFill>
-                  <a:srgbClr val="FFCF29"/>
+                  <a:schemeClr val="bg1"/>
                 </a:solidFill>
                 <a:latin typeface="微软雅黑" panose="020B0503020204020204" charset="-122"/>
                 <a:ea typeface="微软雅黑" panose="020B0503020204020204" charset="-122"/>
-                <a:sym typeface="宋体" panose="02010600030101010101" pitchFamily="2" charset="-122"/>
               </a:rPr>
-              <a:t>单击此处添加本章节的简要内容。模板所有素材均可自由编辑替换移动。单击此处添加本章节的简要内容。模板所有素材均可自由编辑替换移动。单击此处添加本章节的简要内容。模板所有素材均可自由编辑替换移动。</a:t>
+              <a:t>也没能修改过来，游戏的体验不是很好。</a:t>
             </a:r>
-          </a:p>
-          <a:p>
-            <a:pPr algn="l" fontAlgn="auto">
+            <a:endParaRPr lang="en-US" altLang="zh-CN" sz="1600" dirty="0">
+              <a:solidFill>
+                <a:schemeClr val="bg1"/>
+              </a:solidFill>
+              <a:latin typeface="微软雅黑" panose="020B0503020204020204" charset="-122"/>
+              <a:ea typeface="微软雅黑" panose="020B0503020204020204" charset="-122"/>
+            </a:endParaRPr>
+          </a:p>
+          <a:p>
+            <a:pPr indent="360000">
               <a:lnSpc>
                 <a:spcPct val="130000"/>
               </a:lnSpc>
@@ -8716,17 +8171,107 @@
             <a:r>
               <a:rPr lang="zh-CN" altLang="en-US" sz="1600" dirty="0">
                 <a:solidFill>
-                  <a:srgbClr val="FFCF29"/>
+                  <a:schemeClr val="bg1"/>
                 </a:solidFill>
                 <a:latin typeface="微软雅黑" panose="020B0503020204020204" charset="-122"/>
                 <a:ea typeface="微软雅黑" panose="020B0503020204020204" charset="-122"/>
-                <a:sym typeface="宋体" panose="02010600030101010101" pitchFamily="2" charset="-122"/>
               </a:rPr>
-              <a:t>       单击此处添加本章节的简要内容。模板所有素材均可自由编辑替换移动。单击此处添加本章节的简要内容。模板所有素材均可自由编辑替换移动。单击此处添加本章节的简要内容。模板所有素材均可自由编辑替换移动。单击此处添加本章节的简要内容。模板所有素材均可自由编辑替换移动。单击此处添加本章节的简要内容。</a:t>
+              <a:t>但是，总的来说，这次的实践也提高了课堂学习效率，能够将学习的知识运用到实践中，体现了应用型本科的优势所在，提高了组内成员的基本业务能力，互相了解，互相学习。</a:t>
             </a:r>
-          </a:p>
-        </p:txBody>
-      </p:sp>
+            <a:endParaRPr lang="en-US" altLang="zh-CN" sz="1600" dirty="0">
+              <a:solidFill>
+                <a:schemeClr val="bg1"/>
+              </a:solidFill>
+              <a:latin typeface="微软雅黑" panose="020B0503020204020204" charset="-122"/>
+              <a:ea typeface="微软雅黑" panose="020B0503020204020204" charset="-122"/>
+            </a:endParaRPr>
+          </a:p>
+        </p:txBody>
+      </p:sp>
+      <p:cxnSp>
+        <p:nvCxnSpPr>
+          <p:cNvPr id="15" name="直接连接符 14">
+            <a:extLst>
+              <a:ext uri="{FF2B5EF4-FFF2-40B4-BE49-F238E27FC236}">
+                <a16:creationId xmlns:a16="http://schemas.microsoft.com/office/drawing/2014/main" id="{507B0D0F-70E3-403F-8E46-692E167A00D0}"/>
+              </a:ext>
+            </a:extLst>
+          </p:cNvPr>
+          <p:cNvCxnSpPr/>
+          <p:nvPr/>
+        </p:nvCxnSpPr>
+        <p:spPr>
+          <a:xfrm>
+            <a:off x="10896600" y="2250501"/>
+            <a:ext cx="1295400" cy="0"/>
+          </a:xfrm>
+          <a:prstGeom prst="line">
+            <a:avLst/>
+          </a:prstGeom>
+          <a:ln w="76200">
+            <a:solidFill>
+              <a:srgbClr val="FFCF29"/>
+            </a:solidFill>
+          </a:ln>
+        </p:spPr>
+        <p:style>
+          <a:lnRef idx="1">
+            <a:schemeClr val="accent1"/>
+          </a:lnRef>
+          <a:fillRef idx="0">
+            <a:schemeClr val="accent1"/>
+          </a:fillRef>
+          <a:effectRef idx="0">
+            <a:schemeClr val="accent1"/>
+          </a:effectRef>
+          <a:fontRef idx="minor">
+            <a:schemeClr val="tx1"/>
+          </a:fontRef>
+        </p:style>
+      </p:cxnSp>
+      <p:cxnSp>
+        <p:nvCxnSpPr>
+          <p:cNvPr id="16" name="直接连接符 15">
+            <a:extLst>
+              <a:ext uri="{FF2B5EF4-FFF2-40B4-BE49-F238E27FC236}">
+                <a16:creationId xmlns:a16="http://schemas.microsoft.com/office/drawing/2014/main" id="{28FD1B46-4E6C-4AC1-9224-9BFE627658D8}"/>
+              </a:ext>
+            </a:extLst>
+          </p:cNvPr>
+          <p:cNvCxnSpPr>
+            <a:cxnSpLocks/>
+          </p:cNvCxnSpPr>
+          <p:nvPr/>
+        </p:nvCxnSpPr>
+        <p:spPr>
+          <a:xfrm>
+            <a:off x="4884730" y="3566346"/>
+            <a:ext cx="444190" cy="0"/>
+          </a:xfrm>
+          <a:prstGeom prst="line">
+            <a:avLst/>
+          </a:prstGeom>
+          <a:ln w="76200">
+            <a:solidFill>
+              <a:srgbClr val="FFCF29"/>
+            </a:solidFill>
+          </a:ln>
+        </p:spPr>
+        <p:style>
+          <a:lnRef idx="1">
+            <a:schemeClr val="accent1"/>
+          </a:lnRef>
+          <a:fillRef idx="0">
+            <a:schemeClr val="accent1"/>
+          </a:fillRef>
+          <a:effectRef idx="0">
+            <a:schemeClr val="accent1"/>
+          </a:effectRef>
+          <a:fontRef idx="minor">
+            <a:schemeClr val="tx1"/>
+          </a:fontRef>
+        </p:style>
+      </p:cxnSp>
     </p:spTree>
   </p:cSld>
   <p:clrMapOvr>
@@ -15883,7 +15428,7 @@
           <a:noFill/>
           <a:ln w="25400">
             <a:solidFill>
-              <a:srgbClr val="FFCF29"/>
+              <a:schemeClr val="bg1"/>
             </a:solidFill>
           </a:ln>
         </p:spPr>
@@ -16242,7 +15787,7 @@
           <a:noFill/>
           <a:ln w="25400">
             <a:solidFill>
-              <a:srgbClr val="FFCF29"/>
+              <a:schemeClr val="bg1"/>
             </a:solidFill>
           </a:ln>
         </p:spPr>
@@ -16601,7 +16146,7 @@
           <a:noFill/>
           <a:ln w="25400">
             <a:solidFill>
-              <a:srgbClr val="FFCF29"/>
+              <a:schemeClr val="bg1"/>
             </a:solidFill>
           </a:ln>
         </p:spPr>
@@ -16960,7 +16505,7 @@
           <a:noFill/>
           <a:ln w="25400">
             <a:solidFill>
-              <a:srgbClr val="FFCF29"/>
+              <a:schemeClr val="bg1"/>
             </a:solidFill>
           </a:ln>
         </p:spPr>
@@ -17419,23 +16964,6 @@
               </a:rPr>
               <a:t>2019.11.28 </a:t>
             </a:r>
-            <a:r>
-              <a:rPr lang="zh-CN" altLang="en-US" sz="2400" b="1" dirty="0">
-                <a:solidFill>
-                  <a:schemeClr val="bg1"/>
-                </a:solidFill>
-                <a:latin typeface="微软雅黑" panose="020B0503020204020204" charset="-122"/>
-                <a:ea typeface="微软雅黑" panose="020B0503020204020204" charset="-122"/>
-              </a:rPr>
-              <a:t>早上</a:t>
-            </a:r>
-            <a:endParaRPr lang="en-US" altLang="zh-CN" sz="2400" b="1" dirty="0">
-              <a:solidFill>
-                <a:schemeClr val="bg1"/>
-              </a:solidFill>
-              <a:latin typeface="微软雅黑" panose="020B0503020204020204" charset="-122"/>
-              <a:ea typeface="微软雅黑" panose="020B0503020204020204" charset="-122"/>
-            </a:endParaRPr>
           </a:p>
           <a:p>
             <a:pPr algn="r"/>
@@ -17603,6 +17131,9 @@
               </a:rPr>
               <a:t>2019.11.30 </a:t>
             </a:r>
+          </a:p>
+          <a:p>
+            <a:pPr algn="r"/>
             <a:r>
               <a:rPr lang="zh-CN" altLang="en-US" sz="2400" b="1" dirty="0">
                 <a:solidFill>
@@ -17611,27 +17142,7 @@
                 <a:latin typeface="微软雅黑" panose="020B0503020204020204" charset="-122"/>
                 <a:ea typeface="微软雅黑" panose="020B0503020204020204" charset="-122"/>
               </a:rPr>
-              <a:t>早上</a:t>
-            </a:r>
-            <a:endParaRPr lang="en-US" altLang="zh-CN" sz="2400" b="1" dirty="0">
-              <a:solidFill>
-                <a:schemeClr val="bg1"/>
-              </a:solidFill>
-              <a:latin typeface="微软雅黑" panose="020B0503020204020204" charset="-122"/>
-              <a:ea typeface="微软雅黑" panose="020B0503020204020204" charset="-122"/>
-            </a:endParaRPr>
-          </a:p>
-          <a:p>
-            <a:pPr algn="r"/>
-            <a:r>
-              <a:rPr lang="zh-CN" altLang="en-US" sz="2400" b="1" dirty="0">
-                <a:solidFill>
-                  <a:schemeClr val="bg1"/>
-                </a:solidFill>
-                <a:latin typeface="微软雅黑" panose="020B0503020204020204" charset="-122"/>
-                <a:ea typeface="微软雅黑" panose="020B0503020204020204" charset="-122"/>
-              </a:rPr>
-              <a:t>大家共同确定界面风格，主题色</a:t>
+              <a:t>组内共同确定界面风格，主题色</a:t>
             </a:r>
             <a:endParaRPr lang="en-US" altLang="zh-CN" sz="2400" b="1" dirty="0">
               <a:solidFill>
@@ -17825,7 +17336,30 @@
                 <a:latin typeface="微软雅黑" panose="020B0503020204020204" charset="-122"/>
                 <a:ea typeface="微软雅黑" panose="020B0503020204020204" charset="-122"/>
               </a:rPr>
-              <a:t>2019.11.30 </a:t>
+              <a:t>2019.12.03 </a:t>
+            </a:r>
+          </a:p>
+          <a:p>
+            <a:pPr algn="r"/>
+            <a:r>
+              <a:rPr lang="zh-CN" altLang="en-US" sz="2400" b="1" dirty="0">
+                <a:solidFill>
+                  <a:schemeClr val="bg1"/>
+                </a:solidFill>
+                <a:latin typeface="微软雅黑" panose="020B0503020204020204" charset="-122"/>
+                <a:ea typeface="微软雅黑" panose="020B0503020204020204" charset="-122"/>
+              </a:rPr>
+              <a:t>初代</a:t>
+            </a:r>
+            <a:r>
+              <a:rPr lang="en-US" altLang="zh-CN" sz="2400" b="1" dirty="0">
+                <a:solidFill>
+                  <a:schemeClr val="bg1"/>
+                </a:solidFill>
+                <a:latin typeface="微软雅黑" panose="020B0503020204020204" charset="-122"/>
+                <a:ea typeface="微软雅黑" panose="020B0503020204020204" charset="-122"/>
+              </a:rPr>
+              <a:t>1.0</a:t>
             </a:r>
             <a:r>
               <a:rPr lang="zh-CN" altLang="en-US" sz="2400" b="1" dirty="0">
@@ -17835,7 +17369,7 @@
                 <a:latin typeface="微软雅黑" panose="020B0503020204020204" charset="-122"/>
                 <a:ea typeface="微软雅黑" panose="020B0503020204020204" charset="-122"/>
               </a:rPr>
-              <a:t>早上</a:t>
+              <a:t>版本完成，组内的基本任务完成</a:t>
             </a:r>
             <a:endParaRPr lang="en-US" altLang="zh-CN" sz="2400" b="1" dirty="0">
               <a:solidFill>
@@ -17855,27 +17389,7 @@
                 <a:latin typeface="微软雅黑" panose="020B0503020204020204" charset="-122"/>
                 <a:ea typeface="微软雅黑" panose="020B0503020204020204" charset="-122"/>
               </a:rPr>
-              <a:t>初代</a:t>
-            </a:r>
-            <a:r>
-              <a:rPr lang="en-US" altLang="zh-CN" sz="2400" b="1" dirty="0">
-                <a:solidFill>
-                  <a:schemeClr val="bg1"/>
-                </a:solidFill>
-                <a:latin typeface="微软雅黑" panose="020B0503020204020204" charset="-122"/>
-                <a:ea typeface="微软雅黑" panose="020B0503020204020204" charset="-122"/>
-              </a:rPr>
-              <a:t>1.0</a:t>
-            </a:r>
-            <a:r>
-              <a:rPr lang="zh-CN" altLang="en-US" sz="2400" b="1" dirty="0">
-                <a:solidFill>
-                  <a:schemeClr val="bg1"/>
-                </a:solidFill>
-                <a:latin typeface="微软雅黑" panose="020B0503020204020204" charset="-122"/>
-                <a:ea typeface="微软雅黑" panose="020B0503020204020204" charset="-122"/>
-              </a:rPr>
-              <a:t>版本完成之后，功能点比较少</a:t>
+              <a:t>协作开发的软件大致成型</a:t>
             </a:r>
             <a:endParaRPr lang="en-US" altLang="zh-CN" sz="2400" b="1" dirty="0">
               <a:solidFill>
@@ -17884,39 +17398,6 @@
               <a:latin typeface="微软雅黑" panose="020B0503020204020204" charset="-122"/>
               <a:ea typeface="微软雅黑" panose="020B0503020204020204" charset="-122"/>
             </a:endParaRPr>
-          </a:p>
-          <a:p>
-            <a:pPr algn="r"/>
-            <a:r>
-              <a:rPr lang="zh-CN" altLang="en-US" sz="2400" b="1" dirty="0">
-                <a:solidFill>
-                  <a:schemeClr val="bg1"/>
-                </a:solidFill>
-                <a:latin typeface="微软雅黑" panose="020B0503020204020204" charset="-122"/>
-                <a:ea typeface="微软雅黑" panose="020B0503020204020204" charset="-122"/>
-              </a:rPr>
-              <a:t>继而在</a:t>
-            </a:r>
-            <a:r>
-              <a:rPr lang="en-US" altLang="zh-CN" sz="2400" b="1" dirty="0">
-                <a:solidFill>
-                  <a:schemeClr val="bg1"/>
-                </a:solidFill>
-                <a:latin typeface="微软雅黑" panose="020B0503020204020204" charset="-122"/>
-                <a:ea typeface="微软雅黑" panose="020B0503020204020204" charset="-122"/>
-              </a:rPr>
-              <a:t>2.0</a:t>
-            </a:r>
-            <a:r>
-              <a:rPr lang="zh-CN" altLang="en-US" sz="2400" b="1" dirty="0">
-                <a:solidFill>
-                  <a:schemeClr val="bg1"/>
-                </a:solidFill>
-                <a:latin typeface="微软雅黑" panose="020B0503020204020204" charset="-122"/>
-                <a:ea typeface="微软雅黑" panose="020B0503020204020204" charset="-122"/>
-              </a:rPr>
-              <a:t>版本中共同商议新添加了“设置”</a:t>
-            </a:r>
           </a:p>
         </p:txBody>
       </p:sp>
@@ -18008,77 +17489,24 @@
       </p:grpSpPr>
       <p:sp>
         <p:nvSpPr>
-          <p:cNvPr id="3" name="任意多边形 2"/>
+          <p:cNvPr id="14" name="矩形 13">
+            <a:extLst>
+              <a:ext uri="{FF2B5EF4-FFF2-40B4-BE49-F238E27FC236}">
+                <a16:creationId xmlns:a16="http://schemas.microsoft.com/office/drawing/2014/main" id="{910BF164-BC7E-47AE-8A7F-1107B8AB5DA9}"/>
+              </a:ext>
+            </a:extLst>
+          </p:cNvPr>
           <p:cNvSpPr/>
           <p:nvPr/>
         </p:nvSpPr>
         <p:spPr>
           <a:xfrm>
-            <a:off x="4646613" y="0"/>
-            <a:ext cx="2898775" cy="3320415"/>
-          </a:xfrm>
-          <a:custGeom>
+            <a:off x="7046168" y="2025606"/>
+            <a:ext cx="4923287" cy="4037139"/>
+          </a:xfrm>
+          <a:prstGeom prst="rect">
             <a:avLst/>
-            <a:gdLst>
-              <a:gd name="connsiteX0" fmla="*/ 0 w 5668"/>
-              <a:gd name="connsiteY0" fmla="*/ 0 h 6492"/>
-              <a:gd name="connsiteX1" fmla="*/ 5668 w 5668"/>
-              <a:gd name="connsiteY1" fmla="*/ 0 h 6492"/>
-              <a:gd name="connsiteX2" fmla="*/ 5668 w 5668"/>
-              <a:gd name="connsiteY2" fmla="*/ 4944 h 6492"/>
-              <a:gd name="connsiteX3" fmla="*/ 2786 w 5668"/>
-              <a:gd name="connsiteY3" fmla="*/ 6492 h 6492"/>
-              <a:gd name="connsiteX4" fmla="*/ 0 w 5668"/>
-              <a:gd name="connsiteY4" fmla="*/ 4944 h 6492"/>
-              <a:gd name="connsiteX5" fmla="*/ 0 w 5668"/>
-              <a:gd name="connsiteY5" fmla="*/ 0 h 6492"/>
-            </a:gdLst>
-            <a:ahLst/>
-            <a:cxnLst>
-              <a:cxn ang="0">
-                <a:pos x="connsiteX0" y="connsiteY0"/>
-              </a:cxn>
-              <a:cxn ang="0">
-                <a:pos x="connsiteX1" y="connsiteY1"/>
-              </a:cxn>
-              <a:cxn ang="0">
-                <a:pos x="connsiteX2" y="connsiteY2"/>
-              </a:cxn>
-              <a:cxn ang="0">
-                <a:pos x="connsiteX3" y="connsiteY3"/>
-              </a:cxn>
-              <a:cxn ang="0">
-                <a:pos x="connsiteX4" y="connsiteY4"/>
-              </a:cxn>
-              <a:cxn ang="0">
-                <a:pos x="connsiteX5" y="connsiteY5"/>
-              </a:cxn>
-            </a:cxnLst>
-            <a:rect l="l" t="t" r="r" b="b"/>
-            <a:pathLst>
-              <a:path w="5668" h="6492">
-                <a:moveTo>
-                  <a:pt x="0" y="0"/>
-                </a:moveTo>
-                <a:lnTo>
-                  <a:pt x="5668" y="0"/>
-                </a:lnTo>
-                <a:lnTo>
-                  <a:pt x="5668" y="4944"/>
-                </a:lnTo>
-                <a:lnTo>
-                  <a:pt x="2786" y="6492"/>
-                </a:lnTo>
-                <a:lnTo>
-                  <a:pt x="0" y="4944"/>
-                </a:lnTo>
-                <a:lnTo>
-                  <a:pt x="0" y="0"/>
-                </a:lnTo>
-                <a:close/>
-              </a:path>
-            </a:pathLst>
-          </a:custGeom>
+          </a:prstGeom>
           <a:solidFill>
             <a:srgbClr val="FFCF29"/>
           </a:solidFill>
@@ -18107,29 +17535,42 @@
           <a:lstStyle/>
           <a:p>
             <a:pPr algn="ctr"/>
-            <a:endParaRPr lang="zh-CN" altLang="en-US"/>
-          </a:p>
-        </p:txBody>
-      </p:sp>
-      <p:sp>
-        <p:nvSpPr>
-          <p:cNvPr id="4" name="矩形 3"/>
+            <a:endParaRPr lang="zh-CN" altLang="en-US">
+              <a:solidFill>
+                <a:schemeClr val="tx1">
+                  <a:lumMod val="85000"/>
+                  <a:lumOff val="15000"/>
+                </a:schemeClr>
+              </a:solidFill>
+            </a:endParaRPr>
+          </a:p>
+        </p:txBody>
+      </p:sp>
+      <p:sp>
+        <p:nvSpPr>
+          <p:cNvPr id="15" name="矩形 14">
+            <a:extLst>
+              <a:ext uri="{FF2B5EF4-FFF2-40B4-BE49-F238E27FC236}">
+                <a16:creationId xmlns:a16="http://schemas.microsoft.com/office/drawing/2014/main" id="{A5830DA1-D82C-493C-953E-7C2AE8E3C81C}"/>
+              </a:ext>
+            </a:extLst>
+          </p:cNvPr>
           <p:cNvSpPr/>
           <p:nvPr/>
         </p:nvSpPr>
         <p:spPr>
           <a:xfrm>
-            <a:off x="5295265" y="6126480"/>
-            <a:ext cx="1753235" cy="731520"/>
+            <a:off x="6951736" y="1905000"/>
+            <a:ext cx="5092732" cy="4249433"/>
           </a:xfrm>
           <a:prstGeom prst="rect">
             <a:avLst/>
           </a:prstGeom>
-          <a:solidFill>
-            <a:srgbClr val="FFCF29"/>
-          </a:solidFill>
+          <a:noFill/>
           <a:ln>
-            <a:noFill/>
+            <a:solidFill>
+              <a:schemeClr val="bg1"/>
+            </a:solidFill>
           </a:ln>
         </p:spPr>
         <p:style>
@@ -18153,25 +17594,37 @@
           <a:lstStyle/>
           <a:p>
             <a:pPr algn="ctr"/>
-            <a:endParaRPr lang="zh-CN" altLang="en-US"/>
-          </a:p>
-        </p:txBody>
-      </p:sp>
-      <p:sp>
-        <p:nvSpPr>
-          <p:cNvPr id="5" name="文本框 4"/>
+            <a:endParaRPr lang="zh-CN" altLang="en-US">
+              <a:solidFill>
+                <a:schemeClr val="tx1">
+                  <a:lumMod val="85000"/>
+                  <a:lumOff val="15000"/>
+                </a:schemeClr>
+              </a:solidFill>
+            </a:endParaRPr>
+          </a:p>
+        </p:txBody>
+      </p:sp>
+      <p:sp>
+        <p:nvSpPr>
+          <p:cNvPr id="4" name="文本框 3"/>
           <p:cNvSpPr txBox="1"/>
           <p:nvPr/>
         </p:nvSpPr>
         <p:spPr>
           <a:xfrm>
-            <a:off x="5220335" y="3192780"/>
-            <a:ext cx="1753235" cy="1445260"/>
+            <a:off x="-15240" y="300990"/>
+            <a:ext cx="822960" cy="521970"/>
           </a:xfrm>
           <a:prstGeom prst="rect">
             <a:avLst/>
           </a:prstGeom>
           <a:noFill/>
+          <a:ln>
+            <a:solidFill>
+              <a:schemeClr val="bg1"/>
+            </a:solidFill>
+          </a:ln>
         </p:spPr>
         <p:txBody>
           <a:bodyPr wrap="square" rtlCol="0">
@@ -18179,15 +17632,56 @@
           </a:bodyPr>
           <a:lstStyle/>
           <a:p>
+            <a:pPr algn="r"/>
+            <a:r>
+              <a:rPr lang="en-US" altLang="zh-CN" sz="2800" dirty="0">
+                <a:solidFill>
+                  <a:schemeClr val="bg1"/>
+                </a:solidFill>
+                <a:latin typeface="Impact" panose="020B0806030902050204" charset="0"/>
+              </a:rPr>
+              <a:t>02</a:t>
+            </a:r>
+          </a:p>
+        </p:txBody>
+      </p:sp>
+      <p:sp>
+        <p:nvSpPr>
+          <p:cNvPr id="5" name="文本框 4"/>
+          <p:cNvSpPr txBox="1"/>
+          <p:nvPr/>
+        </p:nvSpPr>
+        <p:spPr>
+          <a:xfrm>
+            <a:off x="807720" y="320675"/>
+            <a:ext cx="1289528" cy="460375"/>
+          </a:xfrm>
+          <a:prstGeom prst="rect">
+            <a:avLst/>
+          </a:prstGeom>
+          <a:solidFill>
+            <a:schemeClr val="bg1"/>
+          </a:solidFill>
+        </p:spPr>
+        <p:txBody>
+          <a:bodyPr wrap="square" rtlCol="0">
+            <a:spAutoFit/>
+          </a:bodyPr>
+          <a:lstStyle/>
+          <a:p>
             <a:pPr algn="ctr"/>
             <a:r>
-              <a:rPr lang="en-US" altLang="zh-CN" sz="8800" dirty="0">
-                <a:solidFill>
-                  <a:schemeClr val="bg1"/>
-                </a:solidFill>
-                <a:latin typeface="Impact" panose="020B0806030902050204" charset="0"/>
+              <a:rPr lang="zh-CN" altLang="en-US" sz="2400" b="1" dirty="0">
+                <a:solidFill>
+                  <a:schemeClr val="tx1">
+                    <a:lumMod val="85000"/>
+                    <a:lumOff val="15000"/>
+                  </a:schemeClr>
+                </a:solidFill>
+                <a:latin typeface="微软雅黑" panose="020B0503020204020204" charset="-122"/>
+                <a:ea typeface="微软雅黑" panose="020B0503020204020204" charset="-122"/>
               </a:rPr>
-              <a:t>03</a:t>
+              <a:t>合  作</a:t>
             </a:r>
           </a:p>
         </p:txBody>
@@ -18200,13 +17694,18 @@
         </p:nvSpPr>
         <p:spPr>
           <a:xfrm>
-            <a:off x="4450080" y="4808220"/>
-            <a:ext cx="3444240" cy="523220"/>
+            <a:off x="2097248" y="319385"/>
+            <a:ext cx="1912690" cy="461665"/>
           </a:xfrm>
           <a:prstGeom prst="rect">
             <a:avLst/>
           </a:prstGeom>
           <a:noFill/>
+          <a:ln>
+            <a:solidFill>
+              <a:schemeClr val="bg1"/>
+            </a:solidFill>
+          </a:ln>
         </p:spPr>
         <p:txBody>
           <a:bodyPr wrap="square" rtlCol="0">
@@ -18216,43 +17715,7 @@
           <a:p>
             <a:pPr algn="ctr"/>
             <a:r>
-              <a:rPr lang="zh-CN" altLang="en-US" sz="2800" dirty="0">
-                <a:solidFill>
-                  <a:schemeClr val="bg1"/>
-                </a:solidFill>
-                <a:latin typeface="微软雅黑" panose="020B0503020204020204" charset="-122"/>
-                <a:ea typeface="微软雅黑" panose="020B0503020204020204" charset="-122"/>
-              </a:rPr>
-              <a:t>游戏展示</a:t>
-            </a:r>
-          </a:p>
-        </p:txBody>
-      </p:sp>
-      <p:sp>
-        <p:nvSpPr>
-          <p:cNvPr id="7" name="文本框 6"/>
-          <p:cNvSpPr txBox="1"/>
-          <p:nvPr/>
-        </p:nvSpPr>
-        <p:spPr>
-          <a:xfrm>
-            <a:off x="4450080" y="5499676"/>
-            <a:ext cx="3444240" cy="400110"/>
-          </a:xfrm>
-          <a:prstGeom prst="rect">
-            <a:avLst/>
-          </a:prstGeom>
-          <a:noFill/>
-        </p:spPr>
-        <p:txBody>
-          <a:bodyPr wrap="square" rtlCol="0">
-            <a:spAutoFit/>
-          </a:bodyPr>
-          <a:lstStyle/>
-          <a:p>
-            <a:pPr algn="ctr"/>
-            <a:r>
-              <a:rPr lang="en-US" altLang="zh-CN" sz="2000" kern="0" dirty="0">
+              <a:rPr lang="en-US" altLang="zh-CN" sz="2400" kern="0" dirty="0">
                 <a:solidFill>
                   <a:schemeClr val="bg1"/>
                 </a:solidFill>
@@ -18261,83 +17724,257 @@
                 <a:cs typeface="Arial" panose="020B0604020202020204" pitchFamily="34" charset="0"/>
                 <a:sym typeface="+mn-ea"/>
               </a:rPr>
-              <a:t>Game Display</a:t>
+              <a:t>Cooperation</a:t>
             </a:r>
-            <a:endParaRPr lang="zh-CN" altLang="en-US" sz="2000" kern="0" noProof="0" dirty="0">
-              <a:ln>
-                <a:noFill/>
-              </a:ln>
+            <a:endParaRPr lang="en-US" altLang="zh-CN" sz="2400" dirty="0">
               <a:solidFill>
                 <a:schemeClr val="bg1"/>
               </a:solidFill>
-              <a:effectLst/>
-              <a:uLnTx/>
-              <a:uFillTx/>
-              <a:latin typeface="Arial" panose="020B0604020202020204" pitchFamily="34" charset="0"/>
-              <a:ea typeface="微软雅黑" panose="020B0503020204020204" charset="-122"/>
-              <a:cs typeface="Arial" panose="020B0604020202020204" pitchFamily="34" charset="0"/>
               <a:sym typeface="+mn-ea"/>
             </a:endParaRPr>
           </a:p>
         </p:txBody>
       </p:sp>
-      <p:cxnSp>
-        <p:nvCxnSpPr>
-          <p:cNvPr id="8" name="直接连接符 7"/>
-          <p:cNvCxnSpPr/>
+      <p:sp>
+        <p:nvSpPr>
+          <p:cNvPr id="19" name="文本框 18"/>
+          <p:cNvSpPr txBox="1"/>
           <p:nvPr/>
-        </p:nvCxnSpPr>
-        <p:spPr>
-          <a:xfrm>
-            <a:off x="5212080" y="4610100"/>
-            <a:ext cx="1767840" cy="0"/>
-          </a:xfrm>
-          <a:prstGeom prst="line">
+        </p:nvSpPr>
+        <p:spPr>
+          <a:xfrm>
+            <a:off x="537420" y="1268486"/>
+            <a:ext cx="6104179" cy="1200329"/>
+          </a:xfrm>
+          <a:prstGeom prst="rect">
             <a:avLst/>
           </a:prstGeom>
-          <a:ln>
-            <a:solidFill>
-              <a:schemeClr val="bg1"/>
-            </a:solidFill>
-          </a:ln>
-        </p:spPr>
-        <p:style>
-          <a:lnRef idx="1">
-            <a:schemeClr val="accent1"/>
-          </a:lnRef>
-          <a:fillRef idx="0">
-            <a:schemeClr val="accent1"/>
-          </a:fillRef>
-          <a:effectRef idx="0">
-            <a:schemeClr val="accent1"/>
-          </a:effectRef>
-          <a:fontRef idx="minor">
-            <a:schemeClr val="tx1"/>
-          </a:fontRef>
-        </p:style>
-      </p:cxnSp>
-      <p:sp>
-        <p:nvSpPr>
-          <p:cNvPr id="9" name="椭圆 8"/>
+          <a:noFill/>
+        </p:spPr>
+        <p:txBody>
+          <a:bodyPr wrap="square" rtlCol="0">
+            <a:spAutoFit/>
+          </a:bodyPr>
+          <a:lstStyle/>
+          <a:p>
+            <a:pPr algn="r"/>
+            <a:r>
+              <a:rPr lang="en-US" altLang="zh-CN" sz="2400" b="1" dirty="0">
+                <a:solidFill>
+                  <a:schemeClr val="bg1"/>
+                </a:solidFill>
+                <a:latin typeface="微软雅黑" panose="020B0503020204020204" charset="-122"/>
+                <a:ea typeface="微软雅黑" panose="020B0503020204020204" charset="-122"/>
+              </a:rPr>
+              <a:t>2019.12.05 </a:t>
+            </a:r>
+          </a:p>
+          <a:p>
+            <a:pPr algn="r"/>
+            <a:r>
+              <a:rPr lang="zh-CN" altLang="en-US" sz="2400" b="1" dirty="0">
+                <a:solidFill>
+                  <a:schemeClr val="bg1"/>
+                </a:solidFill>
+                <a:latin typeface="微软雅黑" panose="020B0503020204020204" charset="-122"/>
+                <a:ea typeface="微软雅黑" panose="020B0503020204020204" charset="-122"/>
+              </a:rPr>
+              <a:t>组内商议后为飞机大战添加一些特色</a:t>
+            </a:r>
+            <a:endParaRPr lang="en-US" altLang="zh-CN" sz="2400" b="1" dirty="0">
+              <a:solidFill>
+                <a:schemeClr val="bg1"/>
+              </a:solidFill>
+              <a:latin typeface="微软雅黑" panose="020B0503020204020204" charset="-122"/>
+              <a:ea typeface="微软雅黑" panose="020B0503020204020204" charset="-122"/>
+            </a:endParaRPr>
+          </a:p>
+          <a:p>
+            <a:pPr algn="r"/>
+            <a:r>
+              <a:rPr lang="zh-CN" altLang="en-US" sz="2400" b="1" dirty="0">
+                <a:solidFill>
+                  <a:schemeClr val="bg1"/>
+                </a:solidFill>
+                <a:latin typeface="微软雅黑" panose="020B0503020204020204" charset="-122"/>
+                <a:ea typeface="微软雅黑" panose="020B0503020204020204" charset="-122"/>
+              </a:rPr>
+              <a:t>之后又制作了新的飞机模型，供玩家选择</a:t>
+            </a:r>
+          </a:p>
+        </p:txBody>
+      </p:sp>
+      <p:pic>
+        <p:nvPicPr>
+          <p:cNvPr id="3" name="图片 2">
+            <a:extLst>
+              <a:ext uri="{FF2B5EF4-FFF2-40B4-BE49-F238E27FC236}">
+                <a16:creationId xmlns:a16="http://schemas.microsoft.com/office/drawing/2014/main" id="{973D9E5B-1533-419E-9EAB-100A4E9C3198}"/>
+              </a:ext>
+            </a:extLst>
+          </p:cNvPr>
+          <p:cNvPicPr>
+            <a:picLocks noChangeAspect="1"/>
+          </p:cNvPicPr>
+          <p:nvPr/>
+        </p:nvPicPr>
+        <p:blipFill>
+          <a:blip r:embed="rId3">
+            <a:extLst>
+              <a:ext uri="{28A0092B-C50C-407E-A947-70E740481C1C}">
+                <a14:useLocalDpi xmlns:a14="http://schemas.microsoft.com/office/drawing/2010/main" val="0"/>
+              </a:ext>
+            </a:extLst>
+          </a:blip>
+          <a:stretch>
+            <a:fillRect/>
+          </a:stretch>
+        </p:blipFill>
+        <p:spPr>
+          <a:xfrm>
+            <a:off x="7036458" y="2597306"/>
+            <a:ext cx="4923287" cy="3337822"/>
+          </a:xfrm>
+          <a:prstGeom prst="rect">
+            <a:avLst/>
+          </a:prstGeom>
+        </p:spPr>
+      </p:pic>
+      <p:pic>
+        <p:nvPicPr>
+          <p:cNvPr id="8" name="图片 7">
+            <a:extLst>
+              <a:ext uri="{FF2B5EF4-FFF2-40B4-BE49-F238E27FC236}">
+                <a16:creationId xmlns:a16="http://schemas.microsoft.com/office/drawing/2014/main" id="{3FFFABCA-7490-4FFD-8158-5A1DA2F3850F}"/>
+              </a:ext>
+            </a:extLst>
+          </p:cNvPr>
+          <p:cNvPicPr>
+            <a:picLocks noChangeAspect="1"/>
+          </p:cNvPicPr>
+          <p:nvPr/>
+        </p:nvPicPr>
+        <p:blipFill>
+          <a:blip r:embed="rId4">
+            <a:extLst>
+              <a:ext uri="{28A0092B-C50C-407E-A947-70E740481C1C}">
+                <a14:useLocalDpi xmlns:a14="http://schemas.microsoft.com/office/drawing/2010/main" val="0"/>
+              </a:ext>
+            </a:extLst>
+          </a:blip>
+          <a:stretch>
+            <a:fillRect/>
+          </a:stretch>
+        </p:blipFill>
+        <p:spPr>
+          <a:xfrm>
+            <a:off x="8190215" y="2215721"/>
+            <a:ext cx="2539682" cy="253968"/>
+          </a:xfrm>
+          <a:prstGeom prst="rect">
+            <a:avLst/>
+          </a:prstGeom>
+        </p:spPr>
+      </p:pic>
+      <p:sp>
+        <p:nvSpPr>
+          <p:cNvPr id="9" name="文本框 8">
+            <a:extLst>
+              <a:ext uri="{FF2B5EF4-FFF2-40B4-BE49-F238E27FC236}">
+                <a16:creationId xmlns:a16="http://schemas.microsoft.com/office/drawing/2014/main" id="{19BDA474-51F9-45CF-B9D8-97FEC435311E}"/>
+              </a:ext>
+            </a:extLst>
+          </p:cNvPr>
+          <p:cNvSpPr txBox="1"/>
+          <p:nvPr/>
+        </p:nvSpPr>
+        <p:spPr>
+          <a:xfrm>
+            <a:off x="275018" y="3170168"/>
+            <a:ext cx="6366581" cy="1200329"/>
+          </a:xfrm>
+          <a:prstGeom prst="rect">
+            <a:avLst/>
+          </a:prstGeom>
+          <a:noFill/>
+        </p:spPr>
+        <p:txBody>
+          <a:bodyPr wrap="square" rtlCol="0">
+            <a:spAutoFit/>
+          </a:bodyPr>
+          <a:lstStyle/>
+          <a:p>
+            <a:pPr algn="r"/>
+            <a:r>
+              <a:rPr lang="en-US" altLang="zh-CN" sz="2400" b="1" dirty="0">
+                <a:solidFill>
+                  <a:schemeClr val="bg1"/>
+                </a:solidFill>
+                <a:latin typeface="微软雅黑" panose="020B0503020204020204" charset="-122"/>
+                <a:ea typeface="微软雅黑" panose="020B0503020204020204" charset="-122"/>
+              </a:rPr>
+              <a:t>2019.12.08 </a:t>
+            </a:r>
+          </a:p>
+          <a:p>
+            <a:pPr algn="r"/>
+            <a:r>
+              <a:rPr lang="zh-CN" altLang="en-US" sz="2400" b="1" dirty="0">
+                <a:solidFill>
+                  <a:schemeClr val="bg1"/>
+                </a:solidFill>
+                <a:latin typeface="微软雅黑" panose="020B0503020204020204" charset="-122"/>
+                <a:ea typeface="微软雅黑" panose="020B0503020204020204" charset="-122"/>
+              </a:rPr>
+              <a:t>共同商议，新加特色功能，背景音乐的控制</a:t>
+            </a:r>
+            <a:endParaRPr lang="en-US" altLang="zh-CN" sz="2400" b="1" dirty="0">
+              <a:solidFill>
+                <a:schemeClr val="bg1"/>
+              </a:solidFill>
+              <a:latin typeface="微软雅黑" panose="020B0503020204020204" charset="-122"/>
+              <a:ea typeface="微软雅黑" panose="020B0503020204020204" charset="-122"/>
+            </a:endParaRPr>
+          </a:p>
+          <a:p>
+            <a:pPr algn="r"/>
+            <a:r>
+              <a:rPr lang="zh-CN" altLang="en-US" sz="2400" b="1" dirty="0">
+                <a:solidFill>
+                  <a:schemeClr val="bg1"/>
+                </a:solidFill>
+                <a:latin typeface="微软雅黑" panose="020B0503020204020204" charset="-122"/>
+                <a:ea typeface="微软雅黑" panose="020B0503020204020204" charset="-122"/>
+              </a:rPr>
+              <a:t>玩家可以根据自己的喜好去选择是否带有音效</a:t>
+            </a:r>
+          </a:p>
+        </p:txBody>
+      </p:sp>
+      <p:sp>
+        <p:nvSpPr>
+          <p:cNvPr id="10" name="矩形 9">
+            <a:extLst>
+              <a:ext uri="{FF2B5EF4-FFF2-40B4-BE49-F238E27FC236}">
+                <a16:creationId xmlns:a16="http://schemas.microsoft.com/office/drawing/2014/main" id="{E1ECDEC5-794E-4E11-9B14-9E9B204D0BBA}"/>
+              </a:ext>
+            </a:extLst>
+          </p:cNvPr>
           <p:cNvSpPr/>
           <p:nvPr/>
         </p:nvSpPr>
         <p:spPr>
           <a:xfrm>
-            <a:off x="5158740" y="951865"/>
-            <a:ext cx="1874520" cy="1874520"/>
-          </a:xfrm>
-          <a:prstGeom prst="ellipse">
+            <a:off x="275018" y="1034194"/>
+            <a:ext cx="6462529" cy="1668911"/>
+          </a:xfrm>
+          <a:prstGeom prst="rect">
             <a:avLst/>
           </a:prstGeom>
-          <a:solidFill>
-            <a:schemeClr val="bg1"/>
-          </a:solidFill>
-          <a:ln>
+          <a:noFill/>
+          <a:ln w="25400">
             <a:solidFill>
-              <a:schemeClr val="accent4">
-                <a:lumMod val="75000"/>
-              </a:schemeClr>
+              <a:srgbClr val="FFCF29"/>
             </a:solidFill>
           </a:ln>
         </p:spPr>
@@ -18362,578 +17999,224 @@
           <a:lstStyle/>
           <a:p>
             <a:pPr algn="ctr"/>
-            <a:endParaRPr lang="zh-CN" altLang="en-US"/>
-          </a:p>
-        </p:txBody>
-      </p:sp>
-      <p:sp>
-        <p:nvSpPr>
-          <p:cNvPr id="2050" name="书"/>
+            <a:endParaRPr lang="zh-CN" altLang="en-US">
+              <a:solidFill>
+                <a:schemeClr val="bg1"/>
+              </a:solidFill>
+            </a:endParaRPr>
+          </a:p>
+        </p:txBody>
+      </p:sp>
+      <p:sp>
+        <p:nvSpPr>
+          <p:cNvPr id="11" name="矩形 10">
+            <a:extLst>
+              <a:ext uri="{FF2B5EF4-FFF2-40B4-BE49-F238E27FC236}">
+                <a16:creationId xmlns:a16="http://schemas.microsoft.com/office/drawing/2014/main" id="{A9722A8B-7F0C-4DC9-AB6E-14B38653F6D9}"/>
+              </a:ext>
+            </a:extLst>
+          </p:cNvPr>
           <p:cNvSpPr/>
           <p:nvPr/>
         </p:nvSpPr>
-        <p:spPr bwMode="auto">
-          <a:xfrm>
-            <a:off x="5448618" y="1242060"/>
-            <a:ext cx="1294765" cy="1294765"/>
-          </a:xfrm>
-          <a:custGeom>
+        <p:spPr>
+          <a:xfrm>
+            <a:off x="275018" y="2958934"/>
+            <a:ext cx="6462529" cy="1668911"/>
+          </a:xfrm>
+          <a:prstGeom prst="rect">
             <a:avLst/>
-            <a:gdLst>
-              <a:gd name="T0" fmla="*/ 1660229 w 8965002"/>
-              <a:gd name="T1" fmla="*/ 723707 h 8673857"/>
-              <a:gd name="T2" fmla="*/ 1707743 w 8965002"/>
-              <a:gd name="T3" fmla="*/ 723707 h 8673857"/>
-              <a:gd name="T4" fmla="*/ 1786179 w 8965002"/>
-              <a:gd name="T5" fmla="*/ 872262 h 8673857"/>
-              <a:gd name="T6" fmla="*/ 1398524 w 8965002"/>
-              <a:gd name="T7" fmla="*/ 1455923 h 8673857"/>
-              <a:gd name="T8" fmla="*/ 1307266 w 8965002"/>
-              <a:gd name="T9" fmla="*/ 1501168 h 8673857"/>
-              <a:gd name="T10" fmla="*/ 1079500 w 8965002"/>
-              <a:gd name="T11" fmla="*/ 1501168 h 8673857"/>
-              <a:gd name="T12" fmla="*/ 1079500 w 8965002"/>
-              <a:gd name="T13" fmla="*/ 1685165 h 8673857"/>
-              <a:gd name="T14" fmla="*/ 1049332 w 8965002"/>
-              <a:gd name="T15" fmla="*/ 1734934 h 8673857"/>
-              <a:gd name="T16" fmla="*/ 1021427 w 8965002"/>
-              <a:gd name="T17" fmla="*/ 1741721 h 8673857"/>
-              <a:gd name="T18" fmla="*/ 985980 w 8965002"/>
-              <a:gd name="T19" fmla="*/ 1731164 h 8673857"/>
-              <a:gd name="T20" fmla="*/ 808744 w 8965002"/>
-              <a:gd name="T21" fmla="*/ 1611265 h 8673857"/>
-              <a:gd name="T22" fmla="*/ 635280 w 8965002"/>
-              <a:gd name="T23" fmla="*/ 1731164 h 8673857"/>
-              <a:gd name="T24" fmla="*/ 571927 w 8965002"/>
-              <a:gd name="T25" fmla="*/ 1734934 h 8673857"/>
-              <a:gd name="T26" fmla="*/ 539497 w 8965002"/>
-              <a:gd name="T27" fmla="*/ 1685165 h 8673857"/>
-              <a:gd name="T28" fmla="*/ 539497 w 8965002"/>
-              <a:gd name="T29" fmla="*/ 1225173 h 8673857"/>
-              <a:gd name="T30" fmla="*/ 636788 w 8965002"/>
-              <a:gd name="T31" fmla="*/ 1030619 h 8673857"/>
-              <a:gd name="T32" fmla="*/ 667710 w 8965002"/>
-              <a:gd name="T33" fmla="*/ 1022324 h 8673857"/>
-              <a:gd name="T34" fmla="*/ 1142852 w 8965002"/>
-              <a:gd name="T35" fmla="*/ 1022324 h 8673857"/>
-              <a:gd name="T36" fmla="*/ 1077992 w 8965002"/>
-              <a:gd name="T37" fmla="*/ 1261369 h 8673857"/>
-              <a:gd name="T38" fmla="*/ 1250702 w 8965002"/>
-              <a:gd name="T39" fmla="*/ 1261369 h 8673857"/>
-              <a:gd name="T40" fmla="*/ 1660229 w 8965002"/>
-              <a:gd name="T41" fmla="*/ 723707 h 8673857"/>
-              <a:gd name="T42" fmla="*/ 1227016 w 8965002"/>
-              <a:gd name="T43" fmla="*/ 26 h 8673857"/>
-              <a:gd name="T44" fmla="*/ 1646524 w 8965002"/>
-              <a:gd name="T45" fmla="*/ 27634 h 8673857"/>
-              <a:gd name="T46" fmla="*/ 1722691 w 8965002"/>
-              <a:gd name="T47" fmla="*/ 177681 h 8673857"/>
-              <a:gd name="T48" fmla="*/ 1246833 w 8965002"/>
-              <a:gd name="T49" fmla="*/ 798230 h 8673857"/>
-              <a:gd name="T50" fmla="*/ 1160861 w 8965002"/>
-              <a:gd name="T51" fmla="*/ 838946 h 8673857"/>
-              <a:gd name="T52" fmla="*/ 443680 w 8965002"/>
-              <a:gd name="T53" fmla="*/ 838946 h 8673857"/>
-              <a:gd name="T54" fmla="*/ 231014 w 8965002"/>
-              <a:gd name="T55" fmla="*/ 1099833 h 8673857"/>
-              <a:gd name="T56" fmla="*/ 361479 w 8965002"/>
-              <a:gd name="T57" fmla="*/ 1249880 h 8673857"/>
-              <a:gd name="T58" fmla="*/ 418794 w 8965002"/>
-              <a:gd name="T59" fmla="*/ 1261190 h 8673857"/>
-              <a:gd name="T60" fmla="*/ 418794 w 8965002"/>
-              <a:gd name="T61" fmla="*/ 1500965 h 8673857"/>
-              <a:gd name="T62" fmla="*/ 10807 w 8965002"/>
-              <a:gd name="T63" fmla="*/ 1148843 h 8673857"/>
-              <a:gd name="T64" fmla="*/ 13069 w 8965002"/>
-              <a:gd name="T65" fmla="*/ 949785 h 8673857"/>
-              <a:gd name="T66" fmla="*/ 545488 w 8965002"/>
-              <a:gd name="T67" fmla="*/ 134703 h 8673857"/>
-              <a:gd name="T68" fmla="*/ 706119 w 8965002"/>
-              <a:gd name="T69" fmla="*/ 45730 h 8673857"/>
-              <a:gd name="T70" fmla="*/ 1227016 w 8965002"/>
-              <a:gd name="T71" fmla="*/ 26 h 8673857"/>
-              <a:gd name="T72" fmla="*/ 0 60000 65536"/>
-              <a:gd name="T73" fmla="*/ 0 60000 65536"/>
-              <a:gd name="T74" fmla="*/ 0 60000 65536"/>
-              <a:gd name="T75" fmla="*/ 0 60000 65536"/>
-              <a:gd name="T76" fmla="*/ 0 60000 65536"/>
-              <a:gd name="T77" fmla="*/ 0 60000 65536"/>
-              <a:gd name="T78" fmla="*/ 0 60000 65536"/>
-              <a:gd name="T79" fmla="*/ 0 60000 65536"/>
-              <a:gd name="T80" fmla="*/ 0 60000 65536"/>
-              <a:gd name="T81" fmla="*/ 0 60000 65536"/>
-              <a:gd name="T82" fmla="*/ 0 60000 65536"/>
-              <a:gd name="T83" fmla="*/ 0 60000 65536"/>
-              <a:gd name="T84" fmla="*/ 0 60000 65536"/>
-              <a:gd name="T85" fmla="*/ 0 60000 65536"/>
-              <a:gd name="T86" fmla="*/ 0 60000 65536"/>
-              <a:gd name="T87" fmla="*/ 0 60000 65536"/>
-              <a:gd name="T88" fmla="*/ 0 60000 65536"/>
-              <a:gd name="T89" fmla="*/ 0 60000 65536"/>
-              <a:gd name="T90" fmla="*/ 0 60000 65536"/>
-              <a:gd name="T91" fmla="*/ 0 60000 65536"/>
-              <a:gd name="T92" fmla="*/ 0 60000 65536"/>
-              <a:gd name="T93" fmla="*/ 0 60000 65536"/>
-              <a:gd name="T94" fmla="*/ 0 60000 65536"/>
-              <a:gd name="T95" fmla="*/ 0 60000 65536"/>
-              <a:gd name="T96" fmla="*/ 0 60000 65536"/>
-              <a:gd name="T97" fmla="*/ 0 60000 65536"/>
-              <a:gd name="T98" fmla="*/ 0 60000 65536"/>
-              <a:gd name="T99" fmla="*/ 0 60000 65536"/>
-              <a:gd name="T100" fmla="*/ 0 60000 65536"/>
-              <a:gd name="T101" fmla="*/ 0 60000 65536"/>
-              <a:gd name="T102" fmla="*/ 0 60000 65536"/>
-              <a:gd name="T103" fmla="*/ 0 60000 65536"/>
-              <a:gd name="T104" fmla="*/ 0 60000 65536"/>
-              <a:gd name="T105" fmla="*/ 0 60000 65536"/>
-              <a:gd name="T106" fmla="*/ 0 60000 65536"/>
-              <a:gd name="T107" fmla="*/ 0 60000 65536"/>
-            </a:gdLst>
-            <a:ahLst/>
-            <a:cxnLst>
-              <a:cxn ang="T72">
-                <a:pos x="T0" y="T1"/>
-              </a:cxn>
-              <a:cxn ang="T73">
-                <a:pos x="T2" y="T3"/>
-              </a:cxn>
-              <a:cxn ang="T74">
-                <a:pos x="T4" y="T5"/>
-              </a:cxn>
-              <a:cxn ang="T75">
-                <a:pos x="T6" y="T7"/>
-              </a:cxn>
-              <a:cxn ang="T76">
-                <a:pos x="T8" y="T9"/>
-              </a:cxn>
-              <a:cxn ang="T77">
-                <a:pos x="T10" y="T11"/>
-              </a:cxn>
-              <a:cxn ang="T78">
-                <a:pos x="T12" y="T13"/>
-              </a:cxn>
-              <a:cxn ang="T79">
-                <a:pos x="T14" y="T15"/>
-              </a:cxn>
-              <a:cxn ang="T80">
-                <a:pos x="T16" y="T17"/>
-              </a:cxn>
-              <a:cxn ang="T81">
-                <a:pos x="T18" y="T19"/>
-              </a:cxn>
-              <a:cxn ang="T82">
-                <a:pos x="T20" y="T21"/>
-              </a:cxn>
-              <a:cxn ang="T83">
-                <a:pos x="T22" y="T23"/>
-              </a:cxn>
-              <a:cxn ang="T84">
-                <a:pos x="T24" y="T25"/>
-              </a:cxn>
-              <a:cxn ang="T85">
-                <a:pos x="T26" y="T27"/>
-              </a:cxn>
-              <a:cxn ang="T86">
-                <a:pos x="T28" y="T29"/>
-              </a:cxn>
-              <a:cxn ang="T87">
-                <a:pos x="T30" y="T31"/>
-              </a:cxn>
-              <a:cxn ang="T88">
-                <a:pos x="T32" y="T33"/>
-              </a:cxn>
-              <a:cxn ang="T89">
-                <a:pos x="T34" y="T35"/>
-              </a:cxn>
-              <a:cxn ang="T90">
-                <a:pos x="T36" y="T37"/>
-              </a:cxn>
-              <a:cxn ang="T91">
-                <a:pos x="T38" y="T39"/>
-              </a:cxn>
-              <a:cxn ang="T92">
-                <a:pos x="T40" y="T41"/>
-              </a:cxn>
-              <a:cxn ang="T93">
-                <a:pos x="T42" y="T43"/>
-              </a:cxn>
-              <a:cxn ang="T94">
-                <a:pos x="T44" y="T45"/>
-              </a:cxn>
-              <a:cxn ang="T95">
-                <a:pos x="T46" y="T47"/>
-              </a:cxn>
-              <a:cxn ang="T96">
-                <a:pos x="T48" y="T49"/>
-              </a:cxn>
-              <a:cxn ang="T97">
-                <a:pos x="T50" y="T51"/>
-              </a:cxn>
-              <a:cxn ang="T98">
-                <a:pos x="T52" y="T53"/>
-              </a:cxn>
-              <a:cxn ang="T99">
-                <a:pos x="T54" y="T55"/>
-              </a:cxn>
-              <a:cxn ang="T100">
-                <a:pos x="T56" y="T57"/>
-              </a:cxn>
-              <a:cxn ang="T101">
-                <a:pos x="T58" y="T59"/>
-              </a:cxn>
-              <a:cxn ang="T102">
-                <a:pos x="T60" y="T61"/>
-              </a:cxn>
-              <a:cxn ang="T103">
-                <a:pos x="T62" y="T63"/>
-              </a:cxn>
-              <a:cxn ang="T104">
-                <a:pos x="T64" y="T65"/>
-              </a:cxn>
-              <a:cxn ang="T105">
-                <a:pos x="T66" y="T67"/>
-              </a:cxn>
-              <a:cxn ang="T106">
-                <a:pos x="T68" y="T69"/>
-              </a:cxn>
-              <a:cxn ang="T107">
-                <a:pos x="T70" y="T71"/>
-              </a:cxn>
-            </a:cxnLst>
-            <a:rect l="0" t="0" r="r" b="b"/>
-            <a:pathLst>
-              <a:path w="8965002" h="8673857">
-                <a:moveTo>
-                  <a:pt x="8267042" y="3603669"/>
-                </a:moveTo>
-                <a:cubicBezTo>
-                  <a:pt x="8267042" y="3603669"/>
-                  <a:pt x="8267042" y="3603669"/>
-                  <a:pt x="8503636" y="3603669"/>
-                </a:cubicBezTo>
-                <a:cubicBezTo>
-                  <a:pt x="8770275" y="3603669"/>
-                  <a:pt x="9115779" y="3885289"/>
-                  <a:pt x="8894206" y="4343392"/>
-                </a:cubicBezTo>
-                <a:cubicBezTo>
-                  <a:pt x="8894206" y="4343392"/>
-                  <a:pt x="8894206" y="4343392"/>
-                  <a:pt x="6963891" y="7249712"/>
-                </a:cubicBezTo>
-                <a:cubicBezTo>
-                  <a:pt x="6817428" y="7463743"/>
-                  <a:pt x="6610877" y="7475008"/>
-                  <a:pt x="6509479" y="7475008"/>
-                </a:cubicBezTo>
-                <a:cubicBezTo>
-                  <a:pt x="6509479" y="7475008"/>
-                  <a:pt x="6509479" y="7475008"/>
-                  <a:pt x="5375325" y="7475008"/>
-                </a:cubicBezTo>
-                <a:cubicBezTo>
-                  <a:pt x="5375325" y="7475008"/>
-                  <a:pt x="5375325" y="7475008"/>
-                  <a:pt x="5375325" y="8391212"/>
-                </a:cubicBezTo>
-                <a:cubicBezTo>
-                  <a:pt x="5375325" y="8503860"/>
-                  <a:pt x="5326504" y="8586469"/>
-                  <a:pt x="5225106" y="8639038"/>
-                </a:cubicBezTo>
-                <a:cubicBezTo>
-                  <a:pt x="5180040" y="8661567"/>
-                  <a:pt x="5131219" y="8672833"/>
-                  <a:pt x="5086153" y="8672833"/>
-                </a:cubicBezTo>
-                <a:cubicBezTo>
-                  <a:pt x="5026066" y="8672833"/>
-                  <a:pt x="4962223" y="8654057"/>
-                  <a:pt x="4909646" y="8620263"/>
-                </a:cubicBezTo>
-                <a:cubicBezTo>
-                  <a:pt x="4909646" y="8620263"/>
-                  <a:pt x="4909646" y="8620263"/>
-                  <a:pt x="4027109" y="8023229"/>
-                </a:cubicBezTo>
-                <a:cubicBezTo>
-                  <a:pt x="4027109" y="8023229"/>
-                  <a:pt x="4027109" y="8023229"/>
-                  <a:pt x="3163349" y="8620263"/>
-                </a:cubicBezTo>
-                <a:cubicBezTo>
-                  <a:pt x="3069463" y="8684097"/>
-                  <a:pt x="2949287" y="8691607"/>
-                  <a:pt x="2847889" y="8639038"/>
-                </a:cubicBezTo>
-                <a:cubicBezTo>
-                  <a:pt x="2750247" y="8586469"/>
-                  <a:pt x="2686404" y="8503860"/>
-                  <a:pt x="2686404" y="8391212"/>
-                </a:cubicBezTo>
-                <a:cubicBezTo>
-                  <a:pt x="2686404" y="8391212"/>
-                  <a:pt x="2686404" y="8391212"/>
-                  <a:pt x="2686404" y="6100701"/>
-                </a:cubicBezTo>
-                <a:cubicBezTo>
-                  <a:pt x="2686404" y="5559991"/>
-                  <a:pt x="2990598" y="5237066"/>
-                  <a:pt x="3170860" y="5131928"/>
-                </a:cubicBezTo>
-                <a:cubicBezTo>
-                  <a:pt x="3215926" y="5105644"/>
-                  <a:pt x="3268503" y="5090624"/>
-                  <a:pt x="3324835" y="5090624"/>
-                </a:cubicBezTo>
-                <a:cubicBezTo>
-                  <a:pt x="3324835" y="5090624"/>
-                  <a:pt x="3324835" y="5090624"/>
-                  <a:pt x="5690785" y="5090624"/>
-                </a:cubicBezTo>
-                <a:cubicBezTo>
-                  <a:pt x="5371570" y="5406038"/>
-                  <a:pt x="5367814" y="5980543"/>
-                  <a:pt x="5367814" y="6280938"/>
-                </a:cubicBezTo>
-                <a:cubicBezTo>
-                  <a:pt x="5367814" y="6280938"/>
-                  <a:pt x="5367814" y="6280938"/>
-                  <a:pt x="6227818" y="6280938"/>
-                </a:cubicBezTo>
-                <a:cubicBezTo>
-                  <a:pt x="6227818" y="6280938"/>
-                  <a:pt x="6227818" y="6280938"/>
-                  <a:pt x="8267042" y="3603669"/>
-                </a:cubicBezTo>
-                <a:close/>
-                <a:moveTo>
-                  <a:pt x="6109875" y="128"/>
-                </a:moveTo>
-                <a:cubicBezTo>
-                  <a:pt x="6829153" y="-2490"/>
-                  <a:pt x="7579192" y="34821"/>
-                  <a:pt x="8198796" y="137601"/>
-                </a:cubicBezTo>
-                <a:cubicBezTo>
-                  <a:pt x="8705745" y="220201"/>
-                  <a:pt x="8739542" y="678257"/>
-                  <a:pt x="8578069" y="884757"/>
-                </a:cubicBezTo>
-                <a:cubicBezTo>
-                  <a:pt x="8578069" y="884757"/>
-                  <a:pt x="6234838" y="3955980"/>
-                  <a:pt x="6208552" y="3974753"/>
-                </a:cubicBezTo>
-                <a:cubicBezTo>
-                  <a:pt x="6107162" y="4098653"/>
-                  <a:pt x="5953199" y="4177498"/>
-                  <a:pt x="5780461" y="4177498"/>
-                </a:cubicBezTo>
-                <a:cubicBezTo>
-                  <a:pt x="5780461" y="4177498"/>
-                  <a:pt x="5780461" y="4177498"/>
-                  <a:pt x="2209285" y="4177498"/>
-                </a:cubicBezTo>
-                <a:cubicBezTo>
-                  <a:pt x="1818747" y="4177498"/>
-                  <a:pt x="970076" y="4545444"/>
-                  <a:pt x="1150325" y="5476573"/>
-                </a:cubicBezTo>
-                <a:cubicBezTo>
-                  <a:pt x="1217918" y="5825746"/>
-                  <a:pt x="1465760" y="6103583"/>
-                  <a:pt x="1799971" y="6223729"/>
-                </a:cubicBezTo>
-                <a:cubicBezTo>
-                  <a:pt x="1875075" y="6253765"/>
-                  <a:pt x="2002751" y="6268783"/>
-                  <a:pt x="2085365" y="6280047"/>
-                </a:cubicBezTo>
-                <a:cubicBezTo>
-                  <a:pt x="2085365" y="6280047"/>
-                  <a:pt x="2085365" y="6280047"/>
-                  <a:pt x="2085365" y="7473994"/>
-                </a:cubicBezTo>
-                <a:cubicBezTo>
-                  <a:pt x="1582171" y="7440203"/>
-                  <a:pt x="335451" y="7004675"/>
-                  <a:pt x="53813" y="5720619"/>
-                </a:cubicBezTo>
-                <a:cubicBezTo>
-                  <a:pt x="-25046" y="5397728"/>
-                  <a:pt x="-13780" y="5056063"/>
-                  <a:pt x="65078" y="4729417"/>
-                </a:cubicBezTo>
-                <a:cubicBezTo>
-                  <a:pt x="282879" y="3283915"/>
-                  <a:pt x="2351982" y="944830"/>
-                  <a:pt x="2716235" y="670748"/>
-                </a:cubicBezTo>
-                <a:cubicBezTo>
-                  <a:pt x="2960321" y="471756"/>
-                  <a:pt x="3234449" y="310311"/>
-                  <a:pt x="3516088" y="227711"/>
-                </a:cubicBezTo>
-                <a:cubicBezTo>
-                  <a:pt x="3797726" y="119767"/>
-                  <a:pt x="4911078" y="4491"/>
-                  <a:pt x="6109875" y="128"/>
-                </a:cubicBezTo>
-                <a:close/>
-              </a:path>
-            </a:pathLst>
-          </a:custGeom>
-          <a:solidFill>
-            <a:srgbClr val="FFCF29"/>
-          </a:solidFill>
-          <a:ln>
-            <a:noFill/>
+          </a:prstGeom>
+          <a:noFill/>
+          <a:ln w="25400">
+            <a:solidFill>
+              <a:srgbClr val="FFCF29"/>
+            </a:solidFill>
           </a:ln>
-          <a:extLst>
-            <a:ext uri="{91240B29-F687-4F45-9708-019B960494DF}">
-              <a14:hiddenLine xmlns:a14="http://schemas.microsoft.com/office/drawing/2010/main" w="9525">
-                <a:solidFill>
-                  <a:srgbClr val="000000"/>
-                </a:solidFill>
-                <a:round/>
-              </a14:hiddenLine>
-            </a:ext>
-          </a:extLst>
-        </p:spPr>
-        <p:txBody>
-          <a:bodyPr anchor="ctr" anchorCtr="1"/>
-          <a:lstStyle>
-            <a:defPPr>
-              <a:defRPr lang="zh-CN"/>
-            </a:defPPr>
-            <a:lvl1pPr algn="l" rtl="0" eaLnBrk="0" fontAlgn="base" hangingPunct="0">
-              <a:spcBef>
-                <a:spcPct val="0"/>
-              </a:spcBef>
-              <a:spcAft>
-                <a:spcPct val="0"/>
-              </a:spcAft>
-              <a:defRPr kern="1200">
-                <a:solidFill>
-                  <a:schemeClr val="tx1"/>
-                </a:solidFill>
-                <a:latin typeface="Calibri" panose="020F0502020204030204" charset="0"/>
-                <a:ea typeface="宋体" panose="02010600030101010101" pitchFamily="2" charset="-122"/>
-                <a:cs typeface="+mn-cs"/>
-              </a:defRPr>
-            </a:lvl1pPr>
-            <a:lvl2pPr marL="457200" algn="l" rtl="0" eaLnBrk="0" fontAlgn="base" hangingPunct="0">
-              <a:spcBef>
-                <a:spcPct val="0"/>
-              </a:spcBef>
-              <a:spcAft>
-                <a:spcPct val="0"/>
-              </a:spcAft>
-              <a:defRPr kern="1200">
-                <a:solidFill>
-                  <a:schemeClr val="tx1"/>
-                </a:solidFill>
-                <a:latin typeface="Calibri" panose="020F0502020204030204" charset="0"/>
-                <a:ea typeface="宋体" panose="02010600030101010101" pitchFamily="2" charset="-122"/>
-                <a:cs typeface="+mn-cs"/>
-              </a:defRPr>
-            </a:lvl2pPr>
-            <a:lvl3pPr marL="914400" algn="l" rtl="0" eaLnBrk="0" fontAlgn="base" hangingPunct="0">
-              <a:spcBef>
-                <a:spcPct val="0"/>
-              </a:spcBef>
-              <a:spcAft>
-                <a:spcPct val="0"/>
-              </a:spcAft>
-              <a:defRPr kern="1200">
-                <a:solidFill>
-                  <a:schemeClr val="tx1"/>
-                </a:solidFill>
-                <a:latin typeface="Calibri" panose="020F0502020204030204" charset="0"/>
-                <a:ea typeface="宋体" panose="02010600030101010101" pitchFamily="2" charset="-122"/>
-                <a:cs typeface="+mn-cs"/>
-              </a:defRPr>
-            </a:lvl3pPr>
-            <a:lvl4pPr marL="1371600" algn="l" rtl="0" eaLnBrk="0" fontAlgn="base" hangingPunct="0">
-              <a:spcBef>
-                <a:spcPct val="0"/>
-              </a:spcBef>
-              <a:spcAft>
-                <a:spcPct val="0"/>
-              </a:spcAft>
-              <a:defRPr kern="1200">
-                <a:solidFill>
-                  <a:schemeClr val="tx1"/>
-                </a:solidFill>
-                <a:latin typeface="Calibri" panose="020F0502020204030204" charset="0"/>
-                <a:ea typeface="宋体" panose="02010600030101010101" pitchFamily="2" charset="-122"/>
-                <a:cs typeface="+mn-cs"/>
-              </a:defRPr>
-            </a:lvl4pPr>
-            <a:lvl5pPr marL="1828800" algn="l" rtl="0" eaLnBrk="0" fontAlgn="base" hangingPunct="0">
-              <a:spcBef>
-                <a:spcPct val="0"/>
-              </a:spcBef>
-              <a:spcAft>
-                <a:spcPct val="0"/>
-              </a:spcAft>
-              <a:defRPr kern="1200">
-                <a:solidFill>
-                  <a:schemeClr val="tx1"/>
-                </a:solidFill>
-                <a:latin typeface="Calibri" panose="020F0502020204030204" charset="0"/>
-                <a:ea typeface="宋体" panose="02010600030101010101" pitchFamily="2" charset="-122"/>
-                <a:cs typeface="+mn-cs"/>
-              </a:defRPr>
-            </a:lvl5pPr>
-            <a:lvl6pPr marL="2286000" algn="l" defTabSz="914400" rtl="0" eaLnBrk="1" latinLnBrk="0" hangingPunct="1">
-              <a:defRPr kern="1200">
-                <a:solidFill>
-                  <a:schemeClr val="tx1"/>
-                </a:solidFill>
-                <a:latin typeface="Calibri" panose="020F0502020204030204" charset="0"/>
-                <a:ea typeface="宋体" panose="02010600030101010101" pitchFamily="2" charset="-122"/>
-                <a:cs typeface="+mn-cs"/>
-              </a:defRPr>
-            </a:lvl6pPr>
-            <a:lvl7pPr marL="2743200" algn="l" defTabSz="914400" rtl="0" eaLnBrk="1" latinLnBrk="0" hangingPunct="1">
-              <a:defRPr kern="1200">
-                <a:solidFill>
-                  <a:schemeClr val="tx1"/>
-                </a:solidFill>
-                <a:latin typeface="Calibri" panose="020F0502020204030204" charset="0"/>
-                <a:ea typeface="宋体" panose="02010600030101010101" pitchFamily="2" charset="-122"/>
-                <a:cs typeface="+mn-cs"/>
-              </a:defRPr>
-            </a:lvl7pPr>
-            <a:lvl8pPr marL="3200400" algn="l" defTabSz="914400" rtl="0" eaLnBrk="1" latinLnBrk="0" hangingPunct="1">
-              <a:defRPr kern="1200">
-                <a:solidFill>
-                  <a:schemeClr val="tx1"/>
-                </a:solidFill>
-                <a:latin typeface="Calibri" panose="020F0502020204030204" charset="0"/>
-                <a:ea typeface="宋体" panose="02010600030101010101" pitchFamily="2" charset="-122"/>
-                <a:cs typeface="+mn-cs"/>
-              </a:defRPr>
-            </a:lvl8pPr>
-            <a:lvl9pPr marL="3657600" algn="l" defTabSz="914400" rtl="0" eaLnBrk="1" latinLnBrk="0" hangingPunct="1">
-              <a:defRPr kern="1200">
-                <a:solidFill>
-                  <a:schemeClr val="tx1"/>
-                </a:solidFill>
-                <a:latin typeface="Calibri" panose="020F0502020204030204" charset="0"/>
-                <a:ea typeface="宋体" panose="02010600030101010101" pitchFamily="2" charset="-122"/>
-                <a:cs typeface="+mn-cs"/>
-              </a:defRPr>
-            </a:lvl9pPr>
-          </a:lstStyle>
-          <a:p>
-            <a:endParaRPr lang="zh-CN" altLang="en-US"/>
+        </p:spPr>
+        <p:style>
+          <a:lnRef idx="2">
+            <a:schemeClr val="accent1">
+              <a:shade val="50000"/>
+            </a:schemeClr>
+          </a:lnRef>
+          <a:fillRef idx="1">
+            <a:schemeClr val="accent1"/>
+          </a:fillRef>
+          <a:effectRef idx="0">
+            <a:schemeClr val="accent1"/>
+          </a:effectRef>
+          <a:fontRef idx="minor">
+            <a:schemeClr val="lt1"/>
+          </a:fontRef>
+        </p:style>
+        <p:txBody>
+          <a:bodyPr rtlCol="0" anchor="ctr"/>
+          <a:lstStyle/>
+          <a:p>
+            <a:pPr algn="ctr"/>
+            <a:endParaRPr lang="zh-CN" altLang="en-US">
+              <a:solidFill>
+                <a:schemeClr val="bg1"/>
+              </a:solidFill>
+            </a:endParaRPr>
+          </a:p>
+        </p:txBody>
+      </p:sp>
+      <p:sp>
+        <p:nvSpPr>
+          <p:cNvPr id="12" name="文本框 11">
+            <a:extLst>
+              <a:ext uri="{FF2B5EF4-FFF2-40B4-BE49-F238E27FC236}">
+                <a16:creationId xmlns:a16="http://schemas.microsoft.com/office/drawing/2014/main" id="{4475287A-2551-47CB-8F9E-A63241C40AC1}"/>
+              </a:ext>
+            </a:extLst>
+          </p:cNvPr>
+          <p:cNvSpPr txBox="1"/>
+          <p:nvPr/>
+        </p:nvSpPr>
+        <p:spPr>
+          <a:xfrm>
+            <a:off x="335560" y="5117964"/>
+            <a:ext cx="6306039" cy="1200329"/>
+          </a:xfrm>
+          <a:prstGeom prst="rect">
+            <a:avLst/>
+          </a:prstGeom>
+          <a:noFill/>
+        </p:spPr>
+        <p:txBody>
+          <a:bodyPr wrap="square" rtlCol="0">
+            <a:spAutoFit/>
+          </a:bodyPr>
+          <a:lstStyle/>
+          <a:p>
+            <a:pPr algn="r"/>
+            <a:r>
+              <a:rPr lang="en-US" altLang="zh-CN" sz="2400" b="1">
+                <a:solidFill>
+                  <a:schemeClr val="bg1"/>
+                </a:solidFill>
+                <a:latin typeface="微软雅黑" panose="020B0503020204020204" charset="-122"/>
+                <a:ea typeface="微软雅黑" panose="020B0503020204020204" charset="-122"/>
+              </a:rPr>
+              <a:t>2019.12.13</a:t>
+            </a:r>
+            <a:endParaRPr lang="en-US" altLang="zh-CN" sz="2400" b="1" dirty="0">
+              <a:solidFill>
+                <a:schemeClr val="bg1"/>
+              </a:solidFill>
+              <a:latin typeface="微软雅黑" panose="020B0503020204020204" charset="-122"/>
+              <a:ea typeface="微软雅黑" panose="020B0503020204020204" charset="-122"/>
+            </a:endParaRPr>
+          </a:p>
+          <a:p>
+            <a:pPr algn="r"/>
+            <a:r>
+              <a:rPr lang="en-US" altLang="zh-CN" sz="2400" b="1" dirty="0">
+                <a:solidFill>
+                  <a:schemeClr val="bg1"/>
+                </a:solidFill>
+                <a:latin typeface="微软雅黑" panose="020B0503020204020204" charset="-122"/>
+                <a:ea typeface="微软雅黑" panose="020B0503020204020204" charset="-122"/>
+              </a:rPr>
+              <a:t>2.0</a:t>
+            </a:r>
+            <a:r>
+              <a:rPr lang="zh-CN" altLang="en-US" sz="2400" b="1" dirty="0">
+                <a:solidFill>
+                  <a:schemeClr val="bg1"/>
+                </a:solidFill>
+                <a:latin typeface="微软雅黑" panose="020B0503020204020204" charset="-122"/>
+                <a:ea typeface="微软雅黑" panose="020B0503020204020204" charset="-122"/>
+              </a:rPr>
+              <a:t>版本完成全面完成，迭代版本诞生</a:t>
+            </a:r>
+            <a:endParaRPr lang="en-US" altLang="zh-CN" sz="2400" b="1" dirty="0">
+              <a:solidFill>
+                <a:schemeClr val="bg1"/>
+              </a:solidFill>
+              <a:latin typeface="微软雅黑" panose="020B0503020204020204" charset="-122"/>
+              <a:ea typeface="微软雅黑" panose="020B0503020204020204" charset="-122"/>
+            </a:endParaRPr>
+          </a:p>
+          <a:p>
+            <a:pPr algn="r"/>
+            <a:r>
+              <a:rPr lang="zh-CN" altLang="en-US" sz="2400" b="1" dirty="0">
+                <a:solidFill>
+                  <a:schemeClr val="bg1"/>
+                </a:solidFill>
+                <a:latin typeface="微软雅黑" panose="020B0503020204020204" charset="-122"/>
+                <a:ea typeface="微软雅黑" panose="020B0503020204020204" charset="-122"/>
+              </a:rPr>
+              <a:t>新版本中多出一项 “设置”的功能</a:t>
+            </a:r>
+          </a:p>
+        </p:txBody>
+      </p:sp>
+      <p:sp>
+        <p:nvSpPr>
+          <p:cNvPr id="13" name="矩形 12">
+            <a:extLst>
+              <a:ext uri="{FF2B5EF4-FFF2-40B4-BE49-F238E27FC236}">
+                <a16:creationId xmlns:a16="http://schemas.microsoft.com/office/drawing/2014/main" id="{07FCD1C6-8217-4A7C-A4BC-C1B8BD69FDB6}"/>
+              </a:ext>
+            </a:extLst>
+          </p:cNvPr>
+          <p:cNvSpPr/>
+          <p:nvPr/>
+        </p:nvSpPr>
+        <p:spPr>
+          <a:xfrm>
+            <a:off x="275018" y="4883674"/>
+            <a:ext cx="6462529" cy="1668911"/>
+          </a:xfrm>
+          <a:prstGeom prst="rect">
+            <a:avLst/>
+          </a:prstGeom>
+          <a:noFill/>
+          <a:ln w="25400">
+            <a:solidFill>
+              <a:srgbClr val="FFCF29"/>
+            </a:solidFill>
+          </a:ln>
+        </p:spPr>
+        <p:style>
+          <a:lnRef idx="2">
+            <a:schemeClr val="accent1">
+              <a:shade val="50000"/>
+            </a:schemeClr>
+          </a:lnRef>
+          <a:fillRef idx="1">
+            <a:schemeClr val="accent1"/>
+          </a:fillRef>
+          <a:effectRef idx="0">
+            <a:schemeClr val="accent1"/>
+          </a:effectRef>
+          <a:fontRef idx="minor">
+            <a:schemeClr val="lt1"/>
+          </a:fontRef>
+        </p:style>
+        <p:txBody>
+          <a:bodyPr rtlCol="0" anchor="ctr"/>
+          <a:lstStyle/>
+          <a:p>
+            <a:pPr algn="ctr"/>
+            <a:endParaRPr lang="zh-CN" altLang="en-US">
+              <a:solidFill>
+                <a:schemeClr val="bg1"/>
+              </a:solidFill>
+            </a:endParaRPr>
           </a:p>
         </p:txBody>
       </p:sp>
     </p:spTree>
+    <p:extLst>
+      <p:ext uri="{BB962C8B-B14F-4D97-AF65-F5344CB8AC3E}">
+        <p14:creationId xmlns:p14="http://schemas.microsoft.com/office/powerpoint/2010/main" val="352083499"/>
+      </p:ext>
+    </p:extLst>
   </p:cSld>
   <p:clrMapOvr>
     <a:masterClrMapping/>

--- a/飞机大战项目/飞机大战.pptx
+++ b/飞机大战项目/飞机大战.pptx
@@ -211,7 +211,7 @@
           <a:p>
             <a:fld id="{EF871439-3C56-481A-BDC5-88A9C79D178F}" type="datetimeFigureOut">
               <a:rPr lang="zh-CN" altLang="en-US" smtClean="0"/>
-              <a:t>2019/12/28</a:t>
+              <a:t>2019/12/30</a:t>
             </a:fld>
             <a:endParaRPr lang="zh-CN" altLang="en-US"/>
           </a:p>
@@ -1867,7 +1867,7 @@
           <a:p>
             <a:fld id="{82F288E0-7875-42C4-84C8-98DBBD3BF4D2}" type="datetimeFigureOut">
               <a:rPr lang="zh-CN" altLang="en-US" smtClean="0"/>
-              <a:t>2019/12/28</a:t>
+              <a:t>2019/12/30</a:t>
             </a:fld>
             <a:endParaRPr lang="zh-CN" altLang="en-US"/>
           </a:p>
@@ -2013,7 +2013,7 @@
           <a:p>
             <a:fld id="{82F288E0-7875-42C4-84C8-98DBBD3BF4D2}" type="datetimeFigureOut">
               <a:rPr lang="zh-CN" altLang="en-US" smtClean="0"/>
-              <a:t>2019/12/28</a:t>
+              <a:t>2019/12/30</a:t>
             </a:fld>
             <a:endParaRPr lang="zh-CN" altLang="en-US"/>
           </a:p>
@@ -2176,7 +2176,7 @@
           <a:p>
             <a:fld id="{82F288E0-7875-42C4-84C8-98DBBD3BF4D2}" type="datetimeFigureOut">
               <a:rPr lang="zh-CN" altLang="en-US" smtClean="0"/>
-              <a:t>2019/12/28</a:t>
+              <a:t>2019/12/30</a:t>
             </a:fld>
             <a:endParaRPr lang="zh-CN" altLang="en-US"/>
           </a:p>
@@ -2416,7 +2416,7 @@
           <a:p>
             <a:fld id="{82F288E0-7875-42C4-84C8-98DBBD3BF4D2}" type="datetimeFigureOut">
               <a:rPr lang="zh-CN" altLang="en-US" smtClean="0"/>
-              <a:t>2019/12/28</a:t>
+              <a:t>2019/12/30</a:t>
             </a:fld>
             <a:endParaRPr lang="zh-CN" altLang="en-US"/>
           </a:p>
@@ -2640,7 +2640,7 @@
           <a:p>
             <a:fld id="{82F288E0-7875-42C4-84C8-98DBBD3BF4D2}" type="datetimeFigureOut">
               <a:rPr lang="zh-CN" altLang="en-US" smtClean="0"/>
-              <a:t>2019/12/28</a:t>
+              <a:t>2019/12/30</a:t>
             </a:fld>
             <a:endParaRPr lang="zh-CN" altLang="en-US"/>
           </a:p>
@@ -2999,7 +2999,7 @@
           <a:p>
             <a:fld id="{82F288E0-7875-42C4-84C8-98DBBD3BF4D2}" type="datetimeFigureOut">
               <a:rPr lang="zh-CN" altLang="en-US" smtClean="0"/>
-              <a:t>2019/12/28</a:t>
+              <a:t>2019/12/30</a:t>
             </a:fld>
             <a:endParaRPr lang="zh-CN" altLang="en-US"/>
           </a:p>
@@ -3111,7 +3111,7 @@
           <a:p>
             <a:fld id="{82F288E0-7875-42C4-84C8-98DBBD3BF4D2}" type="datetimeFigureOut">
               <a:rPr lang="zh-CN" altLang="en-US" smtClean="0"/>
-              <a:t>2019/12/28</a:t>
+              <a:t>2019/12/30</a:t>
             </a:fld>
             <a:endParaRPr lang="zh-CN" altLang="en-US"/>
           </a:p>
@@ -3201,7 +3201,7 @@
           <a:p>
             <a:fld id="{82F288E0-7875-42C4-84C8-98DBBD3BF4D2}" type="datetimeFigureOut">
               <a:rPr lang="zh-CN" altLang="en-US" smtClean="0"/>
-              <a:t>2019/12/28</a:t>
+              <a:t>2019/12/30</a:t>
             </a:fld>
             <a:endParaRPr lang="zh-CN" altLang="en-US"/>
           </a:p>
@@ -3448,7 +3448,7 @@
           <a:p>
             <a:fld id="{82F288E0-7875-42C4-84C8-98DBBD3BF4D2}" type="datetimeFigureOut">
               <a:rPr lang="zh-CN" altLang="en-US" smtClean="0"/>
-              <a:t>2019/12/28</a:t>
+              <a:t>2019/12/30</a:t>
             </a:fld>
             <a:endParaRPr lang="zh-CN" altLang="en-US"/>
           </a:p>
@@ -3621,7 +3621,7 @@
           <a:p>
             <a:fld id="{82F288E0-7875-42C4-84C8-98DBBD3BF4D2}" type="datetimeFigureOut">
               <a:rPr lang="zh-CN" altLang="en-US" smtClean="0"/>
-              <a:t>2019/12/28</a:t>
+              <a:t>2019/12/30</a:t>
             </a:fld>
             <a:endParaRPr lang="zh-CN" altLang="en-US"/>
           </a:p>
@@ -3836,7 +3836,7 @@
           <a:p>
             <a:fld id="{82F288E0-7875-42C4-84C8-98DBBD3BF4D2}" type="datetimeFigureOut">
               <a:rPr lang="zh-CN" altLang="en-US" smtClean="0"/>
-              <a:t>2019/12/28</a:t>
+              <a:t>2019/12/30</a:t>
             </a:fld>
             <a:endParaRPr lang="zh-CN" altLang="en-US"/>
           </a:p>
@@ -8899,9 +8899,17 @@
                 </a:solidFill>
                 <a:latin typeface="微软雅黑" panose="020B0503020204020204" charset="-122"/>
                 <a:ea typeface="微软雅黑" panose="020B0503020204020204" charset="-122"/>
+                <a:hlinkClick r:id="rId3" action="ppaction://hlinksldjump"/>
               </a:rPr>
-              <a:t>背景和意义</a:t>
-            </a:r>
+              <a:t>背景和管理</a:t>
+            </a:r>
+            <a:endParaRPr lang="zh-CN" altLang="en-US" sz="2400" dirty="0">
+              <a:solidFill>
+                <a:schemeClr val="bg1"/>
+              </a:solidFill>
+              <a:latin typeface="微软雅黑" panose="020B0503020204020204" charset="-122"/>
+              <a:ea typeface="微软雅黑" panose="020B0503020204020204" charset="-122"/>
+            </a:endParaRPr>
           </a:p>
         </p:txBody>
       </p:sp>
@@ -8966,12 +8974,12 @@
           <a:lstStyle/>
           <a:p>
             <a:r>
-              <a:rPr lang="en-US" altLang="zh-CN" sz="2400">
+              <a:rPr lang="en-US" altLang="zh-CN" sz="2400" dirty="0">
                 <a:solidFill>
                   <a:schemeClr val="bg1"/>
                 </a:solidFill>
               </a:rPr>
-              <a:t>P1</a:t>
+              <a:t>P3</a:t>
             </a:r>
           </a:p>
         </p:txBody>
@@ -9075,9 +9083,17 @@
                 </a:solidFill>
                 <a:latin typeface="微软雅黑" panose="020B0503020204020204" charset="-122"/>
                 <a:ea typeface="微软雅黑" panose="020B0503020204020204" charset="-122"/>
+                <a:hlinkClick r:id="rId3" action="ppaction://hlinksldjump"/>
               </a:rPr>
               <a:t>分工与合作</a:t>
             </a:r>
+            <a:endParaRPr lang="zh-CN" altLang="en-US" sz="2400" dirty="0">
+              <a:solidFill>
+                <a:schemeClr val="bg1"/>
+              </a:solidFill>
+              <a:latin typeface="微软雅黑" panose="020B0503020204020204" charset="-122"/>
+              <a:ea typeface="微软雅黑" panose="020B0503020204020204" charset="-122"/>
+            </a:endParaRPr>
           </a:p>
         </p:txBody>
       </p:sp>
@@ -9143,12 +9159,12 @@
           <a:lstStyle/>
           <a:p>
             <a:r>
-              <a:rPr lang="en-US" altLang="zh-CN" sz="2400">
+              <a:rPr lang="en-US" altLang="zh-CN" sz="2400" dirty="0">
                 <a:solidFill>
                   <a:schemeClr val="bg1"/>
                 </a:solidFill>
               </a:rPr>
-              <a:t>P1</a:t>
+              <a:t>P6</a:t>
             </a:r>
           </a:p>
         </p:txBody>
@@ -9252,9 +9268,17 @@
                 </a:solidFill>
                 <a:latin typeface="微软雅黑" panose="020B0503020204020204" charset="-122"/>
                 <a:ea typeface="微软雅黑" panose="020B0503020204020204" charset="-122"/>
+                <a:hlinkClick r:id="rId4" action="ppaction://hlinksldjump"/>
               </a:rPr>
               <a:t>游戏展示</a:t>
             </a:r>
+            <a:endParaRPr lang="zh-CN" altLang="en-US" sz="2400" dirty="0">
+              <a:solidFill>
+                <a:schemeClr val="bg1"/>
+              </a:solidFill>
+              <a:latin typeface="微软雅黑" panose="020B0503020204020204" charset="-122"/>
+              <a:ea typeface="微软雅黑" panose="020B0503020204020204" charset="-122"/>
+            </a:endParaRPr>
           </a:p>
         </p:txBody>
       </p:sp>
@@ -9304,8 +9328,8 @@
         </p:nvSpPr>
         <p:spPr>
           <a:xfrm>
-            <a:off x="10532110" y="4079435"/>
-            <a:ext cx="501650" cy="460375"/>
+            <a:off x="10532109" y="4079435"/>
+            <a:ext cx="708319" cy="461665"/>
           </a:xfrm>
           <a:prstGeom prst="rect">
             <a:avLst/>
@@ -9319,12 +9343,12 @@
           <a:lstStyle/>
           <a:p>
             <a:r>
-              <a:rPr lang="en-US" altLang="zh-CN" sz="2400">
+              <a:rPr lang="en-US" altLang="zh-CN" sz="2400" dirty="0">
                 <a:solidFill>
                   <a:schemeClr val="bg1"/>
                 </a:solidFill>
               </a:rPr>
-              <a:t>P1</a:t>
+              <a:t>P10</a:t>
             </a:r>
           </a:p>
         </p:txBody>
@@ -9428,9 +9452,17 @@
                 </a:solidFill>
                 <a:latin typeface="微软雅黑" panose="020B0503020204020204" charset="-122"/>
                 <a:ea typeface="微软雅黑" panose="020B0503020204020204" charset="-122"/>
+                <a:hlinkClick r:id="rId5" action="ppaction://hlinksldjump"/>
               </a:rPr>
               <a:t>总结</a:t>
             </a:r>
+            <a:endParaRPr lang="zh-CN" altLang="en-US" sz="2400" dirty="0">
+              <a:solidFill>
+                <a:schemeClr val="bg1"/>
+              </a:solidFill>
+              <a:latin typeface="微软雅黑" panose="020B0503020204020204" charset="-122"/>
+              <a:ea typeface="微软雅黑" panose="020B0503020204020204" charset="-122"/>
+            </a:endParaRPr>
           </a:p>
         </p:txBody>
       </p:sp>
@@ -9480,8 +9512,8 @@
         </p:nvSpPr>
         <p:spPr>
           <a:xfrm>
-            <a:off x="10532110" y="4797620"/>
-            <a:ext cx="501650" cy="460375"/>
+            <a:off x="10532109" y="4797620"/>
+            <a:ext cx="708319" cy="460375"/>
           </a:xfrm>
           <a:prstGeom prst="rect">
             <a:avLst/>
@@ -9495,12 +9527,12 @@
           <a:lstStyle/>
           <a:p>
             <a:r>
-              <a:rPr lang="en-US" altLang="zh-CN" sz="2400">
+              <a:rPr lang="en-US" altLang="zh-CN" sz="2400" dirty="0">
                 <a:solidFill>
                   <a:schemeClr val="bg1"/>
                 </a:solidFill>
               </a:rPr>
-              <a:t>P1</a:t>
+              <a:t>P13</a:t>
             </a:r>
           </a:p>
         </p:txBody>
@@ -9747,7 +9779,7 @@
                 <a:latin typeface="微软雅黑" panose="020B0503020204020204" charset="-122"/>
                 <a:ea typeface="微软雅黑" panose="020B0503020204020204" charset="-122"/>
               </a:rPr>
-              <a:t>背景和意义</a:t>
+              <a:t>背景和管理</a:t>
             </a:r>
           </a:p>
         </p:txBody>
@@ -9760,8 +9792,8 @@
         </p:nvSpPr>
         <p:spPr>
           <a:xfrm>
-            <a:off x="4449762" y="5499676"/>
-            <a:ext cx="3444240" cy="400110"/>
+            <a:off x="4181602" y="5527615"/>
+            <a:ext cx="3980560" cy="400110"/>
           </a:xfrm>
           <a:prstGeom prst="rect">
             <a:avLst/>
@@ -9776,34 +9808,16 @@
           <a:p>
             <a:pPr algn="ctr"/>
             <a:r>
-              <a:rPr lang="en-US" altLang="zh-CN" sz="2000" kern="0" noProof="0" dirty="0">
+              <a:rPr lang="en-US" altLang="zh-CN" sz="2000" kern="0" dirty="0">
                 <a:solidFill>
                   <a:schemeClr val="bg1"/>
                 </a:solidFill>
-                <a:effectLst/>
-                <a:uLnTx/>
-                <a:uFillTx/>
-                <a:latin typeface="+mj-lt"/>
+                <a:latin typeface="Arial" panose="020B0604020202020204" pitchFamily="34" charset="0"/>
                 <a:ea typeface="微软雅黑" panose="020B0503020204020204" charset="-122"/>
                 <a:cs typeface="Arial" panose="020B0604020202020204" pitchFamily="34" charset="0"/>
                 <a:sym typeface="+mn-ea"/>
               </a:rPr>
-              <a:t>B</a:t>
-            </a:r>
-            <a:r>
-              <a:rPr lang="zh-CN" altLang="en-US" sz="2000" kern="0" noProof="0" dirty="0">
-                <a:solidFill>
-                  <a:schemeClr val="bg1"/>
-                </a:solidFill>
-                <a:effectLst/>
-                <a:uLnTx/>
-                <a:uFillTx/>
-                <a:latin typeface="+mj-lt"/>
-                <a:ea typeface="微软雅黑" panose="020B0503020204020204" charset="-122"/>
-                <a:cs typeface="Arial" panose="020B0604020202020204" pitchFamily="34" charset="0"/>
-                <a:sym typeface="+mn-ea"/>
-              </a:rPr>
-              <a:t>ackground and significance</a:t>
+              <a:t>Background And Management</a:t>
             </a:r>
           </a:p>
         </p:txBody>
@@ -10493,7 +10507,7 @@
         </p:nvSpPr>
         <p:spPr>
           <a:xfrm>
-            <a:off x="0" y="1775460"/>
+            <a:off x="0" y="2235399"/>
             <a:ext cx="12192000" cy="2499360"/>
           </a:xfrm>
           <a:prstGeom prst="rect">
@@ -10545,10 +10559,10 @@
         </p:nvGrpSpPr>
         <p:grpSpPr>
           <a:xfrm>
-            <a:off x="689928" y="4437234"/>
-            <a:ext cx="9675495" cy="1827530"/>
-            <a:chOff x="2472" y="1348"/>
-            <a:chExt cx="15237" cy="2878"/>
+            <a:off x="637400" y="2515089"/>
+            <a:ext cx="9691370" cy="1827530"/>
+            <a:chOff x="2472" y="1492"/>
+            <a:chExt cx="15262" cy="2878"/>
           </a:xfrm>
         </p:grpSpPr>
         <p:sp>
@@ -10559,7 +10573,7 @@
           </p:nvSpPr>
           <p:spPr>
             <a:xfrm flipH="1">
-              <a:off x="6621" y="1348"/>
+              <a:off x="6646" y="1492"/>
               <a:ext cx="11088" cy="2878"/>
             </a:xfrm>
             <a:prstGeom prst="rect">
@@ -10589,34 +10603,12 @@
               </a:pPr>
               <a:r>
                 <a:rPr lang="zh-CN" altLang="en-US" sz="2400" dirty="0">
-                  <a:solidFill>
-                    <a:schemeClr val="bg1"/>
-                  </a:solidFill>
                   <a:latin typeface="微软雅黑" panose="020B0503020204020204" charset="-122"/>
                   <a:ea typeface="微软雅黑" panose="020B0503020204020204" charset="-122"/>
                   <a:sym typeface="宋体" panose="02010600030101010101" pitchFamily="2" charset="-122"/>
                 </a:rPr>
-                <a:t>在互联网的飞速发展，以及游戏受众的不断扩大，所有条件都充分有利的时候，看准时机，实现新的创意，制作一款游戏产品就显得尤为重要，为了更好的服务用户，我们开发了一款游戏</a:t>
+                <a:t>在互联网的飞速发展，以及游戏受众的不断扩大，所有条件都充分有利的时候，看准时机，实现新的创意，制作一款游戏产品就显得尤为重要，为了更好的服务用户，我们开发了一款游戏飞机大战</a:t>
               </a:r>
-              <a:r>
-                <a:rPr lang="en-US" altLang="zh-CN" sz="2400" dirty="0">
-                  <a:solidFill>
-                    <a:schemeClr val="bg1"/>
-                  </a:solidFill>
-                  <a:latin typeface="微软雅黑" panose="020B0503020204020204" charset="-122"/>
-                  <a:ea typeface="微软雅黑" panose="020B0503020204020204" charset="-122"/>
-                  <a:sym typeface="宋体" panose="02010600030101010101" pitchFamily="2" charset="-122"/>
-                </a:rPr>
-                <a:t>——</a:t>
-              </a:r>
-              <a:endParaRPr lang="zh-CN" altLang="en-US" sz="2400" dirty="0">
-                <a:solidFill>
-                  <a:schemeClr val="bg1"/>
-                </a:solidFill>
-                <a:latin typeface="微软雅黑" panose="020B0503020204020204" charset="-122"/>
-                <a:ea typeface="微软雅黑" panose="020B0503020204020204" charset="-122"/>
-                <a:sym typeface="宋体" panose="02010600030101010101" pitchFamily="2" charset="-122"/>
-              </a:endParaRPr>
             </a:p>
           </p:txBody>
         </p:sp>
@@ -10628,28 +10620,23 @@
           </p:nvCxnSpPr>
           <p:spPr>
             <a:xfrm>
-              <a:off x="6123" y="1794"/>
+              <a:off x="6053" y="1937"/>
               <a:ext cx="0" cy="1986"/>
             </a:xfrm>
             <a:prstGeom prst="line">
               <a:avLst/>
             </a:prstGeom>
-            <a:ln>
-              <a:solidFill>
-                <a:schemeClr val="bg1"/>
-              </a:solidFill>
-              <a:prstDash val="sysDash"/>
-            </a:ln>
+            <a:ln/>
           </p:spPr>
           <p:style>
-            <a:lnRef idx="1">
-              <a:schemeClr val="accent1"/>
+            <a:lnRef idx="3">
+              <a:schemeClr val="dk1"/>
             </a:lnRef>
             <a:fillRef idx="0">
-              <a:schemeClr val="accent1"/>
+              <a:schemeClr val="dk1"/>
             </a:fillRef>
-            <a:effectRef idx="0">
-              <a:schemeClr val="accent1"/>
+            <a:effectRef idx="2">
+              <a:schemeClr val="dk1"/>
             </a:effectRef>
             <a:fontRef idx="minor">
               <a:schemeClr val="tx1"/>
@@ -10664,7 +10651,7 @@
           </p:nvSpPr>
           <p:spPr>
             <a:xfrm flipH="1">
-              <a:off x="2472" y="2406"/>
+              <a:off x="2472" y="2567"/>
               <a:ext cx="3170" cy="727"/>
             </a:xfrm>
             <a:prstGeom prst="rect">
@@ -10690,9 +10677,6 @@
               <a:pPr lvl="0" algn="r"/>
               <a:r>
                 <a:rPr lang="zh-CN" altLang="en-US" sz="2400" dirty="0">
-                  <a:solidFill>
-                    <a:schemeClr val="bg1"/>
-                  </a:solidFill>
                   <a:latin typeface="微软雅黑" panose="020B0503020204020204" charset="-122"/>
                   <a:ea typeface="微软雅黑" panose="020B0503020204020204" charset="-122"/>
                   <a:sym typeface="Arial" panose="020B0604020202020204" pitchFamily="34" charset="0"/>
@@ -10705,2300 +10689,6 @@
       </p:grpSp>
       <p:sp>
         <p:nvSpPr>
-          <p:cNvPr id="363" name="搜索"/>
-          <p:cNvSpPr/>
-          <p:nvPr/>
-        </p:nvSpPr>
-        <p:spPr>
-          <a:xfrm>
-            <a:off x="4340860" y="2563193"/>
-            <a:ext cx="459105" cy="459105"/>
-          </a:xfrm>
-          <a:custGeom>
-            <a:avLst/>
-            <a:gdLst>
-              <a:gd name="connsiteX0" fmla="*/ 150612 w 405200"/>
-              <a:gd name="connsiteY0" fmla="*/ 52389 h 413075"/>
-              <a:gd name="connsiteX1" fmla="*/ 52389 w 405200"/>
-              <a:gd name="connsiteY1" fmla="*/ 150612 h 413075"/>
-              <a:gd name="connsiteX2" fmla="*/ 150612 w 405200"/>
-              <a:gd name="connsiteY2" fmla="*/ 248836 h 413075"/>
-              <a:gd name="connsiteX3" fmla="*/ 248836 w 405200"/>
-              <a:gd name="connsiteY3" fmla="*/ 150612 h 413075"/>
-              <a:gd name="connsiteX4" fmla="*/ 150612 w 405200"/>
-              <a:gd name="connsiteY4" fmla="*/ 52389 h 413075"/>
-              <a:gd name="connsiteX5" fmla="*/ 150612 w 405200"/>
-              <a:gd name="connsiteY5" fmla="*/ 0 h 413075"/>
-              <a:gd name="connsiteX6" fmla="*/ 301225 w 405200"/>
-              <a:gd name="connsiteY6" fmla="*/ 150612 h 413075"/>
-              <a:gd name="connsiteX7" fmla="*/ 276789 w 405200"/>
-              <a:gd name="connsiteY7" fmla="*/ 232452 h 413075"/>
-              <a:gd name="connsiteX8" fmla="*/ 279486 w 405200"/>
-              <a:gd name="connsiteY8" fmla="*/ 234307 h 413075"/>
-              <a:gd name="connsiteX9" fmla="*/ 395404 w 405200"/>
-              <a:gd name="connsiteY9" fmla="*/ 354065 h 413075"/>
-              <a:gd name="connsiteX10" fmla="*/ 394603 w 405200"/>
-              <a:gd name="connsiteY10" fmla="*/ 403280 h 413075"/>
-              <a:gd name="connsiteX11" fmla="*/ 345389 w 405200"/>
-              <a:gd name="connsiteY11" fmla="*/ 402478 h 413075"/>
-              <a:gd name="connsiteX12" fmla="*/ 229470 w 405200"/>
-              <a:gd name="connsiteY12" fmla="*/ 282720 h 413075"/>
-              <a:gd name="connsiteX13" fmla="*/ 227420 w 405200"/>
-              <a:gd name="connsiteY13" fmla="*/ 279520 h 413075"/>
-              <a:gd name="connsiteX14" fmla="*/ 150612 w 405200"/>
-              <a:gd name="connsiteY14" fmla="*/ 301225 h 413075"/>
-              <a:gd name="connsiteX15" fmla="*/ 0 w 405200"/>
-              <a:gd name="connsiteY15" fmla="*/ 150612 h 413075"/>
-              <a:gd name="connsiteX16" fmla="*/ 150612 w 405200"/>
-              <a:gd name="connsiteY16" fmla="*/ 0 h 413075"/>
-            </a:gdLst>
-            <a:ahLst/>
-            <a:cxnLst>
-              <a:cxn ang="0">
-                <a:pos x="connsiteX0" y="connsiteY0"/>
-              </a:cxn>
-              <a:cxn ang="0">
-                <a:pos x="connsiteX1" y="connsiteY1"/>
-              </a:cxn>
-              <a:cxn ang="0">
-                <a:pos x="connsiteX2" y="connsiteY2"/>
-              </a:cxn>
-              <a:cxn ang="0">
-                <a:pos x="connsiteX3" y="connsiteY3"/>
-              </a:cxn>
-              <a:cxn ang="0">
-                <a:pos x="connsiteX4" y="connsiteY4"/>
-              </a:cxn>
-              <a:cxn ang="0">
-                <a:pos x="connsiteX5" y="connsiteY5"/>
-              </a:cxn>
-              <a:cxn ang="0">
-                <a:pos x="connsiteX6" y="connsiteY6"/>
-              </a:cxn>
-              <a:cxn ang="0">
-                <a:pos x="connsiteX7" y="connsiteY7"/>
-              </a:cxn>
-              <a:cxn ang="0">
-                <a:pos x="connsiteX8" y="connsiteY8"/>
-              </a:cxn>
-              <a:cxn ang="0">
-                <a:pos x="connsiteX9" y="connsiteY9"/>
-              </a:cxn>
-              <a:cxn ang="0">
-                <a:pos x="connsiteX10" y="connsiteY10"/>
-              </a:cxn>
-              <a:cxn ang="0">
-                <a:pos x="connsiteX11" y="connsiteY11"/>
-              </a:cxn>
-              <a:cxn ang="0">
-                <a:pos x="connsiteX12" y="connsiteY12"/>
-              </a:cxn>
-              <a:cxn ang="0">
-                <a:pos x="connsiteX13" y="connsiteY13"/>
-              </a:cxn>
-              <a:cxn ang="0">
-                <a:pos x="connsiteX14" y="connsiteY14"/>
-              </a:cxn>
-              <a:cxn ang="0">
-                <a:pos x="connsiteX15" y="connsiteY15"/>
-              </a:cxn>
-              <a:cxn ang="0">
-                <a:pos x="connsiteX16" y="connsiteY16"/>
-              </a:cxn>
-            </a:cxnLst>
-            <a:rect l="l" t="t" r="r" b="b"/>
-            <a:pathLst>
-              <a:path w="405200" h="413075">
-                <a:moveTo>
-                  <a:pt x="150612" y="52389"/>
-                </a:moveTo>
-                <a:cubicBezTo>
-                  <a:pt x="96365" y="52389"/>
-                  <a:pt x="52389" y="96365"/>
-                  <a:pt x="52389" y="150612"/>
-                </a:cubicBezTo>
-                <a:cubicBezTo>
-                  <a:pt x="52389" y="204860"/>
-                  <a:pt x="96365" y="248836"/>
-                  <a:pt x="150612" y="248836"/>
-                </a:cubicBezTo>
-                <a:cubicBezTo>
-                  <a:pt x="204860" y="248836"/>
-                  <a:pt x="248836" y="204860"/>
-                  <a:pt x="248836" y="150612"/>
-                </a:cubicBezTo>
-                <a:cubicBezTo>
-                  <a:pt x="248836" y="96365"/>
-                  <a:pt x="204860" y="52389"/>
-                  <a:pt x="150612" y="52389"/>
-                </a:cubicBezTo>
-                <a:close/>
-                <a:moveTo>
-                  <a:pt x="150612" y="0"/>
-                </a:moveTo>
-                <a:cubicBezTo>
-                  <a:pt x="233793" y="0"/>
-                  <a:pt x="301225" y="67431"/>
-                  <a:pt x="301225" y="150612"/>
-                </a:cubicBezTo>
-                <a:cubicBezTo>
-                  <a:pt x="301225" y="180842"/>
-                  <a:pt x="292319" y="208992"/>
-                  <a:pt x="276789" y="232452"/>
-                </a:cubicBezTo>
-                <a:cubicBezTo>
-                  <a:pt x="277931" y="232774"/>
-                  <a:pt x="278722" y="233519"/>
-                  <a:pt x="279486" y="234307"/>
-                </a:cubicBezTo>
-                <a:lnTo>
-                  <a:pt x="395404" y="354065"/>
-                </a:lnTo>
-                <a:cubicBezTo>
-                  <a:pt x="408773" y="367877"/>
-                  <a:pt x="408414" y="389911"/>
-                  <a:pt x="394603" y="403280"/>
-                </a:cubicBezTo>
-                <a:cubicBezTo>
-                  <a:pt x="380791" y="416648"/>
-                  <a:pt x="358757" y="416289"/>
-                  <a:pt x="345389" y="402478"/>
-                </a:cubicBezTo>
-                <a:lnTo>
-                  <a:pt x="229470" y="282720"/>
-                </a:lnTo>
-                <a:lnTo>
-                  <a:pt x="227420" y="279520"/>
-                </a:lnTo>
-                <a:cubicBezTo>
-                  <a:pt x="205163" y="293486"/>
-                  <a:pt x="178791" y="301225"/>
-                  <a:pt x="150612" y="301225"/>
-                </a:cubicBezTo>
-                <a:cubicBezTo>
-                  <a:pt x="67431" y="301225"/>
-                  <a:pt x="0" y="233793"/>
-                  <a:pt x="0" y="150612"/>
-                </a:cubicBezTo>
-                <a:cubicBezTo>
-                  <a:pt x="0" y="67431"/>
-                  <a:pt x="67431" y="0"/>
-                  <a:pt x="150612" y="0"/>
-                </a:cubicBezTo>
-                <a:close/>
-              </a:path>
-            </a:pathLst>
-          </a:custGeom>
-          <a:solidFill>
-            <a:schemeClr val="tx1">
-              <a:lumMod val="85000"/>
-              <a:lumOff val="15000"/>
-            </a:schemeClr>
-          </a:solidFill>
-          <a:ln>
-            <a:noFill/>
-          </a:ln>
-        </p:spPr>
-        <p:style>
-          <a:lnRef idx="2">
-            <a:schemeClr val="accent1">
-              <a:shade val="50000"/>
-            </a:schemeClr>
-          </a:lnRef>
-          <a:fillRef idx="1">
-            <a:schemeClr val="accent1"/>
-          </a:fillRef>
-          <a:effectRef idx="0">
-            <a:schemeClr val="accent1"/>
-          </a:effectRef>
-          <a:fontRef idx="minor">
-            <a:schemeClr val="lt1"/>
-          </a:fontRef>
-        </p:style>
-        <p:txBody>
-          <a:bodyPr anchor="ctr"/>
-          <a:lstStyle/>
-          <a:p>
-            <a:pPr algn="ctr" eaLnBrk="1" fontAlgn="auto" hangingPunct="1">
-              <a:spcBef>
-                <a:spcPts val="0"/>
-              </a:spcBef>
-              <a:spcAft>
-                <a:spcPts val="0"/>
-              </a:spcAft>
-              <a:defRPr/>
-            </a:pPr>
-            <a:endParaRPr lang="zh-CN" altLang="en-US">
-              <a:solidFill>
-                <a:schemeClr val="bg1"/>
-              </a:solidFill>
-            </a:endParaRPr>
-          </a:p>
-        </p:txBody>
-      </p:sp>
-      <p:sp>
-        <p:nvSpPr>
-          <p:cNvPr id="7" name="文本框 20"/>
-          <p:cNvSpPr txBox="1"/>
-          <p:nvPr/>
-        </p:nvSpPr>
-        <p:spPr>
-          <a:xfrm flipH="1">
-            <a:off x="5088255" y="2320623"/>
-            <a:ext cx="2211070" cy="430374"/>
-          </a:xfrm>
-          <a:prstGeom prst="rect">
-            <a:avLst/>
-          </a:prstGeom>
-          <a:noFill/>
-          <a:ln w="9525">
-            <a:noFill/>
-            <a:miter/>
-          </a:ln>
-          <a:effectLst>
-            <a:outerShdw sx="999" sy="999" algn="ctr" rotWithShape="0">
-              <a:srgbClr val="000000"/>
-            </a:outerShdw>
-          </a:effectLst>
-        </p:spPr>
-        <p:txBody>
-          <a:bodyPr wrap="square" anchor="t">
-            <a:spAutoFit/>
-          </a:bodyPr>
-          <a:lstStyle/>
-          <a:p>
-            <a:pPr lvl="0" fontAlgn="auto">
-              <a:lnSpc>
-                <a:spcPct val="120000"/>
-              </a:lnSpc>
-            </a:pPr>
-            <a:r>
-              <a:rPr lang="zh-CN" altLang="en-US" sz="2000" b="1" dirty="0">
-                <a:solidFill>
-                  <a:schemeClr val="tx1">
-                    <a:lumMod val="85000"/>
-                    <a:lumOff val="15000"/>
-                  </a:schemeClr>
-                </a:solidFill>
-                <a:latin typeface="微软雅黑" panose="020B0503020204020204" charset="-122"/>
-                <a:ea typeface="微软雅黑" panose="020B0503020204020204" charset="-122"/>
-                <a:sym typeface="Arial" panose="020B0604020202020204" pitchFamily="34" charset="0"/>
-              </a:rPr>
-              <a:t>社会现状</a:t>
-            </a:r>
-          </a:p>
-        </p:txBody>
-      </p:sp>
-      <p:sp>
-        <p:nvSpPr>
-          <p:cNvPr id="13" name="文本框 22"/>
-          <p:cNvSpPr txBox="1"/>
-          <p:nvPr/>
-        </p:nvSpPr>
-        <p:spPr>
-          <a:xfrm flipH="1">
-            <a:off x="5088255" y="2801318"/>
-            <a:ext cx="2748280" cy="1104533"/>
-          </a:xfrm>
-          <a:prstGeom prst="rect">
-            <a:avLst/>
-          </a:prstGeom>
-          <a:noFill/>
-          <a:ln w="9525">
-            <a:noFill/>
-            <a:miter/>
-          </a:ln>
-          <a:effectLst>
-            <a:outerShdw sx="999" sy="999" algn="ctr" rotWithShape="0">
-              <a:srgbClr val="000000"/>
-            </a:outerShdw>
-          </a:effectLst>
-        </p:spPr>
-        <p:txBody>
-          <a:bodyPr wrap="square" anchor="t">
-            <a:spAutoFit/>
-          </a:bodyPr>
-          <a:lstStyle/>
-          <a:p>
-            <a:pPr lvl="0" fontAlgn="auto">
-              <a:lnSpc>
-                <a:spcPct val="120000"/>
-              </a:lnSpc>
-            </a:pPr>
-            <a:r>
-              <a:rPr lang="zh-CN" altLang="en-US" sz="1400" dirty="0">
-                <a:solidFill>
-                  <a:schemeClr val="tx1">
-                    <a:lumMod val="85000"/>
-                    <a:lumOff val="15000"/>
-                  </a:schemeClr>
-                </a:solidFill>
-                <a:latin typeface="微软雅黑" panose="020B0503020204020204" charset="-122"/>
-                <a:ea typeface="微软雅黑" panose="020B0503020204020204" charset="-122"/>
-                <a:sym typeface="宋体" panose="02010600030101010101" pitchFamily="2" charset="-122"/>
-              </a:rPr>
-              <a:t>互联网的发展，许多的线下的游戏已经被淘汰，年轻人们逐渐喜欢上了网络游戏，所以网络游戏诞生了</a:t>
-            </a:r>
-          </a:p>
-        </p:txBody>
-      </p:sp>
-      <p:sp>
-        <p:nvSpPr>
-          <p:cNvPr id="4" name="椭圆 3"/>
-          <p:cNvSpPr/>
-          <p:nvPr/>
-        </p:nvSpPr>
-        <p:spPr>
-          <a:xfrm>
-            <a:off x="4204335" y="2427303"/>
-            <a:ext cx="731520" cy="731520"/>
-          </a:xfrm>
-          <a:prstGeom prst="ellipse">
-            <a:avLst/>
-          </a:prstGeom>
-          <a:noFill/>
-          <a:ln>
-            <a:solidFill>
-              <a:schemeClr val="tx1">
-                <a:lumMod val="85000"/>
-                <a:lumOff val="15000"/>
-              </a:schemeClr>
-            </a:solidFill>
-          </a:ln>
-        </p:spPr>
-        <p:style>
-          <a:lnRef idx="2">
-            <a:schemeClr val="accent1">
-              <a:shade val="50000"/>
-            </a:schemeClr>
-          </a:lnRef>
-          <a:fillRef idx="1">
-            <a:schemeClr val="accent1"/>
-          </a:fillRef>
-          <a:effectRef idx="0">
-            <a:schemeClr val="accent1"/>
-          </a:effectRef>
-          <a:fontRef idx="minor">
-            <a:schemeClr val="lt1"/>
-          </a:fontRef>
-        </p:style>
-        <p:txBody>
-          <a:bodyPr rtlCol="0" anchor="ctr"/>
-          <a:lstStyle/>
-          <a:p>
-            <a:pPr algn="ctr"/>
-            <a:endParaRPr lang="zh-CN" altLang="en-US">
-              <a:solidFill>
-                <a:schemeClr val="bg1"/>
-              </a:solidFill>
-            </a:endParaRPr>
-          </a:p>
-        </p:txBody>
-      </p:sp>
-      <p:sp>
-        <p:nvSpPr>
-          <p:cNvPr id="15" name="灯泡"/>
-          <p:cNvSpPr/>
-          <p:nvPr/>
-        </p:nvSpPr>
-        <p:spPr>
-          <a:xfrm>
-            <a:off x="507683" y="2519534"/>
-            <a:ext cx="364490" cy="541655"/>
-          </a:xfrm>
-          <a:custGeom>
-            <a:avLst/>
-            <a:gdLst>
-              <a:gd name="connsiteX0" fmla="*/ 588566 w 1536700"/>
-              <a:gd name="connsiteY0" fmla="*/ 2172931 h 2555648"/>
-              <a:gd name="connsiteX1" fmla="*/ 588566 w 1536700"/>
-              <a:gd name="connsiteY1" fmla="*/ 2232462 h 2555648"/>
-              <a:gd name="connsiteX2" fmla="*/ 948135 w 1536700"/>
-              <a:gd name="connsiteY2" fmla="*/ 2232462 h 2555648"/>
-              <a:gd name="connsiteX3" fmla="*/ 948135 w 1536700"/>
-              <a:gd name="connsiteY3" fmla="*/ 2172931 h 2555648"/>
-              <a:gd name="connsiteX4" fmla="*/ 588566 w 1536700"/>
-              <a:gd name="connsiteY4" fmla="*/ 2014319 h 2555648"/>
-              <a:gd name="connsiteX5" fmla="*/ 588566 w 1536700"/>
-              <a:gd name="connsiteY5" fmla="*/ 2073850 h 2555648"/>
-              <a:gd name="connsiteX6" fmla="*/ 948135 w 1536700"/>
-              <a:gd name="connsiteY6" fmla="*/ 2073850 h 2555648"/>
-              <a:gd name="connsiteX7" fmla="*/ 948135 w 1536700"/>
-              <a:gd name="connsiteY7" fmla="*/ 2014319 h 2555648"/>
-              <a:gd name="connsiteX8" fmla="*/ 439655 w 1536700"/>
-              <a:gd name="connsiteY8" fmla="*/ 1865655 h 2555648"/>
-              <a:gd name="connsiteX9" fmla="*/ 1097045 w 1536700"/>
-              <a:gd name="connsiteY9" fmla="*/ 1865655 h 2555648"/>
-              <a:gd name="connsiteX10" fmla="*/ 1189236 w 1536700"/>
-              <a:gd name="connsiteY10" fmla="*/ 1953225 h 2555648"/>
-              <a:gd name="connsiteX11" fmla="*/ 1097045 w 1536700"/>
-              <a:gd name="connsiteY11" fmla="*/ 2040795 h 2555648"/>
-              <a:gd name="connsiteX12" fmla="*/ 1189236 w 1536700"/>
-              <a:gd name="connsiteY12" fmla="*/ 2128365 h 2555648"/>
-              <a:gd name="connsiteX13" fmla="*/ 1097045 w 1536700"/>
-              <a:gd name="connsiteY13" fmla="*/ 2215935 h 2555648"/>
-              <a:gd name="connsiteX14" fmla="*/ 1189236 w 1536700"/>
-              <a:gd name="connsiteY14" fmla="*/ 2303505 h 2555648"/>
-              <a:gd name="connsiteX15" fmla="*/ 1097045 w 1536700"/>
-              <a:gd name="connsiteY15" fmla="*/ 2391075 h 2555648"/>
-              <a:gd name="connsiteX16" fmla="*/ 948071 w 1536700"/>
-              <a:gd name="connsiteY16" fmla="*/ 2391075 h 2555648"/>
-              <a:gd name="connsiteX17" fmla="*/ 937297 w 1536700"/>
-              <a:gd name="connsiteY17" fmla="*/ 2444188 h 2555648"/>
-              <a:gd name="connsiteX18" fmla="*/ 768350 w 1536700"/>
-              <a:gd name="connsiteY18" fmla="*/ 2555648 h 2555648"/>
-              <a:gd name="connsiteX19" fmla="*/ 599403 w 1536700"/>
-              <a:gd name="connsiteY19" fmla="*/ 2444188 h 2555648"/>
-              <a:gd name="connsiteX20" fmla="*/ 588630 w 1536700"/>
-              <a:gd name="connsiteY20" fmla="*/ 2391075 h 2555648"/>
-              <a:gd name="connsiteX21" fmla="*/ 439655 w 1536700"/>
-              <a:gd name="connsiteY21" fmla="*/ 2391075 h 2555648"/>
-              <a:gd name="connsiteX22" fmla="*/ 347464 w 1536700"/>
-              <a:gd name="connsiteY22" fmla="*/ 2303505 h 2555648"/>
-              <a:gd name="connsiteX23" fmla="*/ 439655 w 1536700"/>
-              <a:gd name="connsiteY23" fmla="*/ 2215935 h 2555648"/>
-              <a:gd name="connsiteX24" fmla="*/ 347464 w 1536700"/>
-              <a:gd name="connsiteY24" fmla="*/ 2128365 h 2555648"/>
-              <a:gd name="connsiteX25" fmla="*/ 439655 w 1536700"/>
-              <a:gd name="connsiteY25" fmla="*/ 2040795 h 2555648"/>
-              <a:gd name="connsiteX26" fmla="*/ 347464 w 1536700"/>
-              <a:gd name="connsiteY26" fmla="*/ 1953225 h 2555648"/>
-              <a:gd name="connsiteX27" fmla="*/ 439655 w 1536700"/>
-              <a:gd name="connsiteY27" fmla="*/ 1865655 h 2555648"/>
-              <a:gd name="connsiteX28" fmla="*/ 768350 w 1536700"/>
-              <a:gd name="connsiteY28" fmla="*/ 0 h 2555648"/>
-              <a:gd name="connsiteX29" fmla="*/ 1536700 w 1536700"/>
-              <a:gd name="connsiteY29" fmla="*/ 770343 h 2555648"/>
-              <a:gd name="connsiteX30" fmla="*/ 1521090 w 1536700"/>
-              <a:gd name="connsiteY30" fmla="*/ 925594 h 2555648"/>
-              <a:gd name="connsiteX31" fmla="*/ 1491688 w 1536700"/>
-              <a:gd name="connsiteY31" fmla="*/ 1020556 h 2555648"/>
-              <a:gd name="connsiteX32" fmla="*/ 1491950 w 1536700"/>
-              <a:gd name="connsiteY32" fmla="*/ 1020556 h 2555648"/>
-              <a:gd name="connsiteX33" fmla="*/ 1140478 w 1536700"/>
-              <a:gd name="connsiteY33" fmla="*/ 1823920 h 2555648"/>
-              <a:gd name="connsiteX34" fmla="*/ 396222 w 1536700"/>
-              <a:gd name="connsiteY34" fmla="*/ 1823920 h 2555648"/>
-              <a:gd name="connsiteX35" fmla="*/ 44750 w 1536700"/>
-              <a:gd name="connsiteY35" fmla="*/ 1020556 h 2555648"/>
-              <a:gd name="connsiteX36" fmla="*/ 45012 w 1536700"/>
-              <a:gd name="connsiteY36" fmla="*/ 1020556 h 2555648"/>
-              <a:gd name="connsiteX37" fmla="*/ 15610 w 1536700"/>
-              <a:gd name="connsiteY37" fmla="*/ 925594 h 2555648"/>
-              <a:gd name="connsiteX38" fmla="*/ 0 w 1536700"/>
-              <a:gd name="connsiteY38" fmla="*/ 770343 h 2555648"/>
-              <a:gd name="connsiteX39" fmla="*/ 768350 w 1536700"/>
-              <a:gd name="connsiteY39" fmla="*/ 0 h 2555648"/>
-            </a:gdLst>
-            <a:ahLst/>
-            <a:cxnLst>
-              <a:cxn ang="0">
-                <a:pos x="connsiteX0" y="connsiteY0"/>
-              </a:cxn>
-              <a:cxn ang="0">
-                <a:pos x="connsiteX1" y="connsiteY1"/>
-              </a:cxn>
-              <a:cxn ang="0">
-                <a:pos x="connsiteX2" y="connsiteY2"/>
-              </a:cxn>
-              <a:cxn ang="0">
-                <a:pos x="connsiteX3" y="connsiteY3"/>
-              </a:cxn>
-              <a:cxn ang="0">
-                <a:pos x="connsiteX4" y="connsiteY4"/>
-              </a:cxn>
-              <a:cxn ang="0">
-                <a:pos x="connsiteX5" y="connsiteY5"/>
-              </a:cxn>
-              <a:cxn ang="0">
-                <a:pos x="connsiteX6" y="connsiteY6"/>
-              </a:cxn>
-              <a:cxn ang="0">
-                <a:pos x="connsiteX7" y="connsiteY7"/>
-              </a:cxn>
-              <a:cxn ang="0">
-                <a:pos x="connsiteX8" y="connsiteY8"/>
-              </a:cxn>
-              <a:cxn ang="0">
-                <a:pos x="connsiteX9" y="connsiteY9"/>
-              </a:cxn>
-              <a:cxn ang="0">
-                <a:pos x="connsiteX10" y="connsiteY10"/>
-              </a:cxn>
-              <a:cxn ang="0">
-                <a:pos x="connsiteX11" y="connsiteY11"/>
-              </a:cxn>
-              <a:cxn ang="0">
-                <a:pos x="connsiteX12" y="connsiteY12"/>
-              </a:cxn>
-              <a:cxn ang="0">
-                <a:pos x="connsiteX13" y="connsiteY13"/>
-              </a:cxn>
-              <a:cxn ang="0">
-                <a:pos x="connsiteX14" y="connsiteY14"/>
-              </a:cxn>
-              <a:cxn ang="0">
-                <a:pos x="connsiteX15" y="connsiteY15"/>
-              </a:cxn>
-              <a:cxn ang="0">
-                <a:pos x="connsiteX16" y="connsiteY16"/>
-              </a:cxn>
-              <a:cxn ang="0">
-                <a:pos x="connsiteX17" y="connsiteY17"/>
-              </a:cxn>
-              <a:cxn ang="0">
-                <a:pos x="connsiteX18" y="connsiteY18"/>
-              </a:cxn>
-              <a:cxn ang="0">
-                <a:pos x="connsiteX19" y="connsiteY19"/>
-              </a:cxn>
-              <a:cxn ang="0">
-                <a:pos x="connsiteX20" y="connsiteY20"/>
-              </a:cxn>
-              <a:cxn ang="0">
-                <a:pos x="connsiteX21" y="connsiteY21"/>
-              </a:cxn>
-              <a:cxn ang="0">
-                <a:pos x="connsiteX22" y="connsiteY22"/>
-              </a:cxn>
-              <a:cxn ang="0">
-                <a:pos x="connsiteX23" y="connsiteY23"/>
-              </a:cxn>
-              <a:cxn ang="0">
-                <a:pos x="connsiteX24" y="connsiteY24"/>
-              </a:cxn>
-              <a:cxn ang="0">
-                <a:pos x="connsiteX25" y="connsiteY25"/>
-              </a:cxn>
-              <a:cxn ang="0">
-                <a:pos x="connsiteX26" y="connsiteY26"/>
-              </a:cxn>
-              <a:cxn ang="0">
-                <a:pos x="connsiteX27" y="connsiteY27"/>
-              </a:cxn>
-              <a:cxn ang="0">
-                <a:pos x="connsiteX28" y="connsiteY28"/>
-              </a:cxn>
-              <a:cxn ang="0">
-                <a:pos x="connsiteX29" y="connsiteY29"/>
-              </a:cxn>
-              <a:cxn ang="0">
-                <a:pos x="connsiteX30" y="connsiteY30"/>
-              </a:cxn>
-              <a:cxn ang="0">
-                <a:pos x="connsiteX31" y="connsiteY31"/>
-              </a:cxn>
-              <a:cxn ang="0">
-                <a:pos x="connsiteX32" y="connsiteY32"/>
-              </a:cxn>
-              <a:cxn ang="0">
-                <a:pos x="connsiteX33" y="connsiteY33"/>
-              </a:cxn>
-              <a:cxn ang="0">
-                <a:pos x="connsiteX34" y="connsiteY34"/>
-              </a:cxn>
-              <a:cxn ang="0">
-                <a:pos x="connsiteX35" y="connsiteY35"/>
-              </a:cxn>
-              <a:cxn ang="0">
-                <a:pos x="connsiteX36" y="connsiteY36"/>
-              </a:cxn>
-              <a:cxn ang="0">
-                <a:pos x="connsiteX37" y="connsiteY37"/>
-              </a:cxn>
-              <a:cxn ang="0">
-                <a:pos x="connsiteX38" y="connsiteY38"/>
-              </a:cxn>
-              <a:cxn ang="0">
-                <a:pos x="connsiteX39" y="connsiteY39"/>
-              </a:cxn>
-            </a:cxnLst>
-            <a:rect l="l" t="t" r="r" b="b"/>
-            <a:pathLst>
-              <a:path w="1536700" h="2555648">
-                <a:moveTo>
-                  <a:pt x="588566" y="2172931"/>
-                </a:moveTo>
-                <a:lnTo>
-                  <a:pt x="588566" y="2232462"/>
-                </a:lnTo>
-                <a:lnTo>
-                  <a:pt x="948135" y="2232462"/>
-                </a:lnTo>
-                <a:lnTo>
-                  <a:pt x="948135" y="2172931"/>
-                </a:lnTo>
-                <a:close/>
-                <a:moveTo>
-                  <a:pt x="588566" y="2014319"/>
-                </a:moveTo>
-                <a:lnTo>
-                  <a:pt x="588566" y="2073850"/>
-                </a:lnTo>
-                <a:lnTo>
-                  <a:pt x="948135" y="2073850"/>
-                </a:lnTo>
-                <a:lnTo>
-                  <a:pt x="948135" y="2014319"/>
-                </a:lnTo>
-                <a:close/>
-                <a:moveTo>
-                  <a:pt x="439655" y="1865655"/>
-                </a:moveTo>
-                <a:lnTo>
-                  <a:pt x="1097045" y="1865655"/>
-                </a:lnTo>
-                <a:cubicBezTo>
-                  <a:pt x="1147961" y="1865655"/>
-                  <a:pt x="1189236" y="1904861"/>
-                  <a:pt x="1189236" y="1953225"/>
-                </a:cubicBezTo>
-                <a:cubicBezTo>
-                  <a:pt x="1189236" y="2001589"/>
-                  <a:pt x="1147961" y="2040795"/>
-                  <a:pt x="1097045" y="2040795"/>
-                </a:cubicBezTo>
-                <a:cubicBezTo>
-                  <a:pt x="1147961" y="2040795"/>
-                  <a:pt x="1189236" y="2080001"/>
-                  <a:pt x="1189236" y="2128365"/>
-                </a:cubicBezTo>
-                <a:cubicBezTo>
-                  <a:pt x="1189236" y="2176729"/>
-                  <a:pt x="1147961" y="2215935"/>
-                  <a:pt x="1097045" y="2215935"/>
-                </a:cubicBezTo>
-                <a:cubicBezTo>
-                  <a:pt x="1147961" y="2215935"/>
-                  <a:pt x="1189236" y="2255141"/>
-                  <a:pt x="1189236" y="2303505"/>
-                </a:cubicBezTo>
-                <a:cubicBezTo>
-                  <a:pt x="1189236" y="2351869"/>
-                  <a:pt x="1147961" y="2391075"/>
-                  <a:pt x="1097045" y="2391075"/>
-                </a:cubicBezTo>
-                <a:lnTo>
-                  <a:pt x="948071" y="2391075"/>
-                </a:lnTo>
-                <a:lnTo>
-                  <a:pt x="937297" y="2444188"/>
-                </a:lnTo>
-                <a:cubicBezTo>
-                  <a:pt x="909462" y="2509689"/>
-                  <a:pt x="844299" y="2555648"/>
-                  <a:pt x="768350" y="2555648"/>
-                </a:cubicBezTo>
-                <a:cubicBezTo>
-                  <a:pt x="692402" y="2555648"/>
-                  <a:pt x="627238" y="2509689"/>
-                  <a:pt x="599403" y="2444188"/>
-                </a:cubicBezTo>
-                <a:lnTo>
-                  <a:pt x="588630" y="2391075"/>
-                </a:lnTo>
-                <a:lnTo>
-                  <a:pt x="439655" y="2391075"/>
-                </a:lnTo>
-                <a:cubicBezTo>
-                  <a:pt x="388739" y="2391075"/>
-                  <a:pt x="347464" y="2351869"/>
-                  <a:pt x="347464" y="2303505"/>
-                </a:cubicBezTo>
-                <a:cubicBezTo>
-                  <a:pt x="347464" y="2255141"/>
-                  <a:pt x="388739" y="2215935"/>
-                  <a:pt x="439655" y="2215935"/>
-                </a:cubicBezTo>
-                <a:cubicBezTo>
-                  <a:pt x="388739" y="2215935"/>
-                  <a:pt x="347464" y="2176729"/>
-                  <a:pt x="347464" y="2128365"/>
-                </a:cubicBezTo>
-                <a:cubicBezTo>
-                  <a:pt x="347464" y="2080001"/>
-                  <a:pt x="388739" y="2040795"/>
-                  <a:pt x="439655" y="2040795"/>
-                </a:cubicBezTo>
-                <a:cubicBezTo>
-                  <a:pt x="388739" y="2040795"/>
-                  <a:pt x="347464" y="2001589"/>
-                  <a:pt x="347464" y="1953225"/>
-                </a:cubicBezTo>
-                <a:cubicBezTo>
-                  <a:pt x="347464" y="1904861"/>
-                  <a:pt x="388739" y="1865655"/>
-                  <a:pt x="439655" y="1865655"/>
-                </a:cubicBezTo>
-                <a:close/>
-                <a:moveTo>
-                  <a:pt x="768350" y="0"/>
-                </a:moveTo>
-                <a:cubicBezTo>
-                  <a:pt x="1192698" y="0"/>
-                  <a:pt x="1536700" y="344894"/>
-                  <a:pt x="1536700" y="770343"/>
-                </a:cubicBezTo>
-                <a:cubicBezTo>
-                  <a:pt x="1536700" y="823524"/>
-                  <a:pt x="1531325" y="875447"/>
-                  <a:pt x="1521090" y="925594"/>
-                </a:cubicBezTo>
-                <a:lnTo>
-                  <a:pt x="1491688" y="1020556"/>
-                </a:lnTo>
-                <a:lnTo>
-                  <a:pt x="1491950" y="1020556"/>
-                </a:lnTo>
-                <a:lnTo>
-                  <a:pt x="1140478" y="1823920"/>
-                </a:lnTo>
-                <a:lnTo>
-                  <a:pt x="396222" y="1823920"/>
-                </a:lnTo>
-                <a:lnTo>
-                  <a:pt x="44750" y="1020556"/>
-                </a:lnTo>
-                <a:lnTo>
-                  <a:pt x="45012" y="1020556"/>
-                </a:lnTo>
-                <a:lnTo>
-                  <a:pt x="15610" y="925594"/>
-                </a:lnTo>
-                <a:cubicBezTo>
-                  <a:pt x="5375" y="875447"/>
-                  <a:pt x="0" y="823524"/>
-                  <a:pt x="0" y="770343"/>
-                </a:cubicBezTo>
-                <a:cubicBezTo>
-                  <a:pt x="0" y="344894"/>
-                  <a:pt x="344002" y="0"/>
-                  <a:pt x="768350" y="0"/>
-                </a:cubicBezTo>
-                <a:close/>
-              </a:path>
-            </a:pathLst>
-          </a:custGeom>
-          <a:solidFill>
-            <a:schemeClr val="tx1">
-              <a:lumMod val="85000"/>
-              <a:lumOff val="15000"/>
-            </a:schemeClr>
-          </a:solidFill>
-          <a:ln>
-            <a:noFill/>
-          </a:ln>
-        </p:spPr>
-        <p:style>
-          <a:lnRef idx="2">
-            <a:schemeClr val="accent1">
-              <a:shade val="50000"/>
-            </a:schemeClr>
-          </a:lnRef>
-          <a:fillRef idx="1">
-            <a:schemeClr val="accent1"/>
-          </a:fillRef>
-          <a:effectRef idx="0">
-            <a:schemeClr val="accent1"/>
-          </a:effectRef>
-          <a:fontRef idx="minor">
-            <a:schemeClr val="lt1"/>
-          </a:fontRef>
-        </p:style>
-        <p:txBody>
-          <a:bodyPr bIns="792000" anchor="ctr">
-            <a:scene3d>
-              <a:camera prst="orthographicFront"/>
-              <a:lightRig rig="threePt" dir="t"/>
-            </a:scene3d>
-            <a:sp3d>
-              <a:contourClr>
-                <a:srgbClr val="FFFFFF"/>
-              </a:contourClr>
-            </a:sp3d>
-          </a:bodyPr>
-          <a:lstStyle>
-            <a:defPPr>
-              <a:defRPr lang="zh-CN"/>
-            </a:defPPr>
-            <a:lvl1pPr algn="l" rtl="0" eaLnBrk="0" fontAlgn="base" hangingPunct="0">
-              <a:spcBef>
-                <a:spcPct val="0"/>
-              </a:spcBef>
-              <a:spcAft>
-                <a:spcPct val="0"/>
-              </a:spcAft>
-              <a:defRPr kern="1200">
-                <a:solidFill>
-                  <a:schemeClr val="lt1"/>
-                </a:solidFill>
-                <a:latin typeface="+mn-lt"/>
-                <a:ea typeface="+mn-ea"/>
-                <a:cs typeface="+mn-cs"/>
-              </a:defRPr>
-            </a:lvl1pPr>
-            <a:lvl2pPr marL="457200" algn="l" rtl="0" eaLnBrk="0" fontAlgn="base" hangingPunct="0">
-              <a:spcBef>
-                <a:spcPct val="0"/>
-              </a:spcBef>
-              <a:spcAft>
-                <a:spcPct val="0"/>
-              </a:spcAft>
-              <a:defRPr kern="1200">
-                <a:solidFill>
-                  <a:schemeClr val="lt1"/>
-                </a:solidFill>
-                <a:latin typeface="+mn-lt"/>
-                <a:ea typeface="+mn-ea"/>
-                <a:cs typeface="+mn-cs"/>
-              </a:defRPr>
-            </a:lvl2pPr>
-            <a:lvl3pPr marL="914400" algn="l" rtl="0" eaLnBrk="0" fontAlgn="base" hangingPunct="0">
-              <a:spcBef>
-                <a:spcPct val="0"/>
-              </a:spcBef>
-              <a:spcAft>
-                <a:spcPct val="0"/>
-              </a:spcAft>
-              <a:defRPr kern="1200">
-                <a:solidFill>
-                  <a:schemeClr val="lt1"/>
-                </a:solidFill>
-                <a:latin typeface="+mn-lt"/>
-                <a:ea typeface="+mn-ea"/>
-                <a:cs typeface="+mn-cs"/>
-              </a:defRPr>
-            </a:lvl3pPr>
-            <a:lvl4pPr marL="1371600" algn="l" rtl="0" eaLnBrk="0" fontAlgn="base" hangingPunct="0">
-              <a:spcBef>
-                <a:spcPct val="0"/>
-              </a:spcBef>
-              <a:spcAft>
-                <a:spcPct val="0"/>
-              </a:spcAft>
-              <a:defRPr kern="1200">
-                <a:solidFill>
-                  <a:schemeClr val="lt1"/>
-                </a:solidFill>
-                <a:latin typeface="+mn-lt"/>
-                <a:ea typeface="+mn-ea"/>
-                <a:cs typeface="+mn-cs"/>
-              </a:defRPr>
-            </a:lvl4pPr>
-            <a:lvl5pPr marL="1828800" algn="l" rtl="0" eaLnBrk="0" fontAlgn="base" hangingPunct="0">
-              <a:spcBef>
-                <a:spcPct val="0"/>
-              </a:spcBef>
-              <a:spcAft>
-                <a:spcPct val="0"/>
-              </a:spcAft>
-              <a:defRPr kern="1200">
-                <a:solidFill>
-                  <a:schemeClr val="lt1"/>
-                </a:solidFill>
-                <a:latin typeface="+mn-lt"/>
-                <a:ea typeface="+mn-ea"/>
-                <a:cs typeface="+mn-cs"/>
-              </a:defRPr>
-            </a:lvl5pPr>
-            <a:lvl6pPr marL="2286000" algn="l" defTabSz="914400" rtl="0" eaLnBrk="1" latinLnBrk="0" hangingPunct="1">
-              <a:defRPr kern="1200">
-                <a:solidFill>
-                  <a:schemeClr val="lt1"/>
-                </a:solidFill>
-                <a:latin typeface="+mn-lt"/>
-                <a:ea typeface="+mn-ea"/>
-                <a:cs typeface="+mn-cs"/>
-              </a:defRPr>
-            </a:lvl6pPr>
-            <a:lvl7pPr marL="2743200" algn="l" defTabSz="914400" rtl="0" eaLnBrk="1" latinLnBrk="0" hangingPunct="1">
-              <a:defRPr kern="1200">
-                <a:solidFill>
-                  <a:schemeClr val="lt1"/>
-                </a:solidFill>
-                <a:latin typeface="+mn-lt"/>
-                <a:ea typeface="+mn-ea"/>
-                <a:cs typeface="+mn-cs"/>
-              </a:defRPr>
-            </a:lvl7pPr>
-            <a:lvl8pPr marL="3200400" algn="l" defTabSz="914400" rtl="0" eaLnBrk="1" latinLnBrk="0" hangingPunct="1">
-              <a:defRPr kern="1200">
-                <a:solidFill>
-                  <a:schemeClr val="lt1"/>
-                </a:solidFill>
-                <a:latin typeface="+mn-lt"/>
-                <a:ea typeface="+mn-ea"/>
-                <a:cs typeface="+mn-cs"/>
-              </a:defRPr>
-            </a:lvl8pPr>
-            <a:lvl9pPr marL="3657600" algn="l" defTabSz="914400" rtl="0" eaLnBrk="1" latinLnBrk="0" hangingPunct="1">
-              <a:defRPr kern="1200">
-                <a:solidFill>
-                  <a:schemeClr val="lt1"/>
-                </a:solidFill>
-                <a:latin typeface="+mn-lt"/>
-                <a:ea typeface="+mn-ea"/>
-                <a:cs typeface="+mn-cs"/>
-              </a:defRPr>
-            </a:lvl9pPr>
-          </a:lstStyle>
-          <a:p>
-            <a:pPr algn="ctr" eaLnBrk="1" fontAlgn="auto" hangingPunct="1">
-              <a:spcBef>
-                <a:spcPts val="0"/>
-              </a:spcBef>
-              <a:spcAft>
-                <a:spcPts val="0"/>
-              </a:spcAft>
-              <a:defRPr/>
-            </a:pPr>
-            <a:endParaRPr lang="zh-CN" altLang="en-US" dirty="0">
-              <a:solidFill>
-                <a:schemeClr val="tx1">
-                  <a:lumMod val="85000"/>
-                  <a:lumOff val="15000"/>
-                </a:schemeClr>
-              </a:solidFill>
-            </a:endParaRPr>
-          </a:p>
-        </p:txBody>
-      </p:sp>
-      <p:sp>
-        <p:nvSpPr>
-          <p:cNvPr id="9" name="文本框 20"/>
-          <p:cNvSpPr txBox="1"/>
-          <p:nvPr/>
-        </p:nvSpPr>
-        <p:spPr>
-          <a:xfrm flipH="1">
-            <a:off x="1131887" y="2370944"/>
-            <a:ext cx="2426213" cy="430374"/>
-          </a:xfrm>
-          <a:prstGeom prst="rect">
-            <a:avLst/>
-          </a:prstGeom>
-          <a:noFill/>
-          <a:ln w="9525">
-            <a:noFill/>
-            <a:miter/>
-          </a:ln>
-          <a:effectLst>
-            <a:outerShdw sx="999" sy="999" algn="ctr" rotWithShape="0">
-              <a:srgbClr val="000000"/>
-            </a:outerShdw>
-          </a:effectLst>
-        </p:spPr>
-        <p:txBody>
-          <a:bodyPr wrap="square" anchor="t">
-            <a:spAutoFit/>
-          </a:bodyPr>
-          <a:lstStyle/>
-          <a:p>
-            <a:pPr lvl="0" fontAlgn="auto">
-              <a:lnSpc>
-                <a:spcPct val="120000"/>
-              </a:lnSpc>
-            </a:pPr>
-            <a:r>
-              <a:rPr lang="zh-CN" altLang="en-US" sz="2000" b="1" dirty="0">
-                <a:solidFill>
-                  <a:schemeClr val="tx1">
-                    <a:lumMod val="85000"/>
-                    <a:lumOff val="15000"/>
-                  </a:schemeClr>
-                </a:solidFill>
-                <a:latin typeface="微软雅黑" panose="020B0503020204020204" charset="-122"/>
-                <a:ea typeface="微软雅黑" panose="020B0503020204020204" charset="-122"/>
-                <a:sym typeface="Arial" panose="020B0604020202020204" pitchFamily="34" charset="0"/>
-              </a:rPr>
-              <a:t>互联网的飞速发展</a:t>
-            </a:r>
-          </a:p>
-        </p:txBody>
-      </p:sp>
-      <p:sp>
-        <p:nvSpPr>
-          <p:cNvPr id="10" name="文本框 22"/>
-          <p:cNvSpPr txBox="1"/>
-          <p:nvPr/>
-        </p:nvSpPr>
-        <p:spPr>
-          <a:xfrm flipH="1">
-            <a:off x="1131888" y="2851639"/>
-            <a:ext cx="2888932" cy="1178400"/>
-          </a:xfrm>
-          <a:prstGeom prst="rect">
-            <a:avLst/>
-          </a:prstGeom>
-          <a:noFill/>
-          <a:ln w="9525">
-            <a:noFill/>
-            <a:miter/>
-          </a:ln>
-          <a:effectLst>
-            <a:outerShdw sx="999" sy="999" algn="ctr" rotWithShape="0">
-              <a:srgbClr val="000000"/>
-            </a:outerShdw>
-          </a:effectLst>
-        </p:spPr>
-        <p:txBody>
-          <a:bodyPr wrap="square" anchor="t">
-            <a:spAutoFit/>
-          </a:bodyPr>
-          <a:lstStyle/>
-          <a:p>
-            <a:pPr lvl="0" fontAlgn="auto">
-              <a:lnSpc>
-                <a:spcPct val="120000"/>
-              </a:lnSpc>
-            </a:pPr>
-            <a:r>
-              <a:rPr lang="zh-CN" altLang="en-US" sz="1400" dirty="0">
-                <a:solidFill>
-                  <a:schemeClr val="tx1">
-                    <a:lumMod val="85000"/>
-                    <a:lumOff val="15000"/>
-                  </a:schemeClr>
-                </a:solidFill>
-                <a:latin typeface="微软雅黑" panose="020B0503020204020204" charset="-122"/>
-                <a:ea typeface="微软雅黑" panose="020B0503020204020204" charset="-122"/>
-                <a:sym typeface="宋体" panose="02010600030101010101" pitchFamily="2" charset="-122"/>
-              </a:rPr>
-              <a:t>自从世界上第一台计算机“</a:t>
-            </a:r>
-            <a:r>
-              <a:rPr lang="en-US" altLang="zh-CN" dirty="0"/>
-              <a:t>ENIAC</a:t>
-            </a:r>
-            <a:r>
-              <a:rPr lang="zh-CN" altLang="en-US" sz="1400" dirty="0">
-                <a:solidFill>
-                  <a:schemeClr val="tx1">
-                    <a:lumMod val="85000"/>
-                    <a:lumOff val="15000"/>
-                  </a:schemeClr>
-                </a:solidFill>
-                <a:latin typeface="微软雅黑" panose="020B0503020204020204" charset="-122"/>
-                <a:ea typeface="微软雅黑" panose="020B0503020204020204" charset="-122"/>
-                <a:sym typeface="宋体" panose="02010600030101010101" pitchFamily="2" charset="-122"/>
-              </a:rPr>
-              <a:t>”在</a:t>
-            </a:r>
-            <a:r>
-              <a:rPr lang="en-US" altLang="zh-CN" sz="1400" dirty="0">
-                <a:solidFill>
-                  <a:schemeClr val="tx1">
-                    <a:lumMod val="85000"/>
-                    <a:lumOff val="15000"/>
-                  </a:schemeClr>
-                </a:solidFill>
-                <a:latin typeface="微软雅黑" panose="020B0503020204020204" charset="-122"/>
-                <a:ea typeface="微软雅黑" panose="020B0503020204020204" charset="-122"/>
-                <a:sym typeface="宋体" panose="02010600030101010101" pitchFamily="2" charset="-122"/>
-              </a:rPr>
-              <a:t>1964</a:t>
-            </a:r>
-            <a:r>
-              <a:rPr lang="zh-CN" altLang="en-US" sz="1400" dirty="0">
-                <a:solidFill>
-                  <a:schemeClr val="tx1">
-                    <a:lumMod val="85000"/>
-                    <a:lumOff val="15000"/>
-                  </a:schemeClr>
-                </a:solidFill>
-                <a:latin typeface="微软雅黑" panose="020B0503020204020204" charset="-122"/>
-                <a:ea typeface="微软雅黑" panose="020B0503020204020204" charset="-122"/>
-                <a:sym typeface="宋体" panose="02010600030101010101" pitchFamily="2" charset="-122"/>
-              </a:rPr>
-              <a:t>年问世以来，计算机行业飞速发展，使得电子游戏逐渐走进了大众的视野</a:t>
-            </a:r>
-          </a:p>
-        </p:txBody>
-      </p:sp>
-      <p:sp>
-        <p:nvSpPr>
-          <p:cNvPr id="16" name="椭圆 15"/>
-          <p:cNvSpPr/>
-          <p:nvPr/>
-        </p:nvSpPr>
-        <p:spPr>
-          <a:xfrm>
-            <a:off x="324168" y="2423649"/>
-            <a:ext cx="731520" cy="731520"/>
-          </a:xfrm>
-          <a:prstGeom prst="ellipse">
-            <a:avLst/>
-          </a:prstGeom>
-          <a:noFill/>
-          <a:ln>
-            <a:solidFill>
-              <a:schemeClr val="tx1">
-                <a:lumMod val="85000"/>
-                <a:lumOff val="15000"/>
-              </a:schemeClr>
-            </a:solidFill>
-          </a:ln>
-        </p:spPr>
-        <p:style>
-          <a:lnRef idx="2">
-            <a:schemeClr val="accent1">
-              <a:shade val="50000"/>
-            </a:schemeClr>
-          </a:lnRef>
-          <a:fillRef idx="1">
-            <a:schemeClr val="accent1"/>
-          </a:fillRef>
-          <a:effectRef idx="0">
-            <a:schemeClr val="accent1"/>
-          </a:effectRef>
-          <a:fontRef idx="minor">
-            <a:schemeClr val="lt1"/>
-          </a:fontRef>
-        </p:style>
-        <p:txBody>
-          <a:bodyPr rtlCol="0" anchor="ctr"/>
-          <a:lstStyle/>
-          <a:p>
-            <a:pPr algn="ctr"/>
-            <a:endParaRPr lang="zh-CN" altLang="en-US">
-              <a:solidFill>
-                <a:schemeClr val="tx1">
-                  <a:lumMod val="85000"/>
-                  <a:lumOff val="15000"/>
-                </a:schemeClr>
-              </a:solidFill>
-            </a:endParaRPr>
-          </a:p>
-        </p:txBody>
-      </p:sp>
-      <p:sp>
-        <p:nvSpPr>
-          <p:cNvPr id="25" name="钢笔"/>
-          <p:cNvSpPr/>
-          <p:nvPr/>
-        </p:nvSpPr>
-        <p:spPr bwMode="auto">
-          <a:xfrm>
-            <a:off x="8431530" y="2496548"/>
-            <a:ext cx="485775" cy="485775"/>
-          </a:xfrm>
-          <a:custGeom>
-            <a:avLst/>
-            <a:gdLst>
-              <a:gd name="T0" fmla="*/ 2147483646 w 4477"/>
-              <a:gd name="T1" fmla="*/ 2147483646 h 4133"/>
-              <a:gd name="T2" fmla="*/ 2147483646 w 4477"/>
-              <a:gd name="T3" fmla="*/ 1386867173 h 4133"/>
-              <a:gd name="T4" fmla="*/ 2147483646 w 4477"/>
-              <a:gd name="T5" fmla="*/ 385250906 h 4133"/>
-              <a:gd name="T6" fmla="*/ 2147483646 w 4477"/>
-              <a:gd name="T7" fmla="*/ 0 h 4133"/>
-              <a:gd name="T8" fmla="*/ 2147483646 w 4477"/>
-              <a:gd name="T9" fmla="*/ 231114454 h 4133"/>
-              <a:gd name="T10" fmla="*/ 2147483646 w 4477"/>
-              <a:gd name="T11" fmla="*/ 1001616267 h 4133"/>
-              <a:gd name="T12" fmla="*/ 2147483646 w 4477"/>
-              <a:gd name="T13" fmla="*/ 2147483646 h 4133"/>
-              <a:gd name="T14" fmla="*/ 2147483646 w 4477"/>
-              <a:gd name="T15" fmla="*/ 2147483646 h 4133"/>
-              <a:gd name="T16" fmla="*/ 2147483646 w 4477"/>
-              <a:gd name="T17" fmla="*/ 2147483646 h 4133"/>
-              <a:gd name="T18" fmla="*/ 2147483646 w 4477"/>
-              <a:gd name="T19" fmla="*/ 2147483646 h 4133"/>
-              <a:gd name="T20" fmla="*/ 2147483646 w 4477"/>
-              <a:gd name="T21" fmla="*/ 2147483646 h 4133"/>
-              <a:gd name="T22" fmla="*/ 2147483646 w 4477"/>
-              <a:gd name="T23" fmla="*/ 2147483646 h 4133"/>
-              <a:gd name="T24" fmla="*/ 2147483646 w 4477"/>
-              <a:gd name="T25" fmla="*/ 2147483646 h 4133"/>
-              <a:gd name="T26" fmla="*/ 2147483646 w 4477"/>
-              <a:gd name="T27" fmla="*/ 2147483646 h 4133"/>
-              <a:gd name="T28" fmla="*/ 2147483646 w 4477"/>
-              <a:gd name="T29" fmla="*/ 2147483646 h 4133"/>
-              <a:gd name="T30" fmla="*/ 2147483646 w 4477"/>
-              <a:gd name="T31" fmla="*/ 2147483646 h 4133"/>
-              <a:gd name="T32" fmla="*/ 2147483646 w 4477"/>
-              <a:gd name="T33" fmla="*/ 2147483646 h 4133"/>
-              <a:gd name="T34" fmla="*/ 2147483646 w 4477"/>
-              <a:gd name="T35" fmla="*/ 2147483646 h 4133"/>
-              <a:gd name="T36" fmla="*/ 2147483646 w 4477"/>
-              <a:gd name="T37" fmla="*/ 2147483646 h 4133"/>
-              <a:gd name="T38" fmla="*/ 2147483646 w 4477"/>
-              <a:gd name="T39" fmla="*/ 2147483646 h 4133"/>
-              <a:gd name="T40" fmla="*/ 2147483646 w 4477"/>
-              <a:gd name="T41" fmla="*/ 2147483646 h 4133"/>
-              <a:gd name="T42" fmla="*/ 2147483646 w 4477"/>
-              <a:gd name="T43" fmla="*/ 2147483646 h 4133"/>
-              <a:gd name="T44" fmla="*/ 2147483646 w 4477"/>
-              <a:gd name="T45" fmla="*/ 2147483646 h 4133"/>
-              <a:gd name="T46" fmla="*/ 2147483646 w 4477"/>
-              <a:gd name="T47" fmla="*/ 2147483646 h 4133"/>
-              <a:gd name="T48" fmla="*/ 2147483646 w 4477"/>
-              <a:gd name="T49" fmla="*/ 2147483646 h 4133"/>
-              <a:gd name="T50" fmla="*/ 2147483646 w 4477"/>
-              <a:gd name="T51" fmla="*/ 2147483646 h 4133"/>
-              <a:gd name="T52" fmla="*/ 2147483646 w 4477"/>
-              <a:gd name="T53" fmla="*/ 2147483646 h 4133"/>
-              <a:gd name="T54" fmla="*/ 2147483646 w 4477"/>
-              <a:gd name="T55" fmla="*/ 2147483646 h 4133"/>
-              <a:gd name="T56" fmla="*/ 2147483646 w 4477"/>
-              <a:gd name="T57" fmla="*/ 2147483646 h 4133"/>
-              <a:gd name="T58" fmla="*/ 2147483646 w 4477"/>
-              <a:gd name="T59" fmla="*/ 2147483646 h 4133"/>
-              <a:gd name="T60" fmla="*/ 2147483646 w 4477"/>
-              <a:gd name="T61" fmla="*/ 2147483646 h 4133"/>
-              <a:gd name="T62" fmla="*/ 2147483646 w 4477"/>
-              <a:gd name="T63" fmla="*/ 2147483646 h 4133"/>
-              <a:gd name="T64" fmla="*/ 2147483646 w 4477"/>
-              <a:gd name="T65" fmla="*/ 2147483646 h 4133"/>
-              <a:gd name="T66" fmla="*/ 0 w 4477"/>
-              <a:gd name="T67" fmla="*/ 2147483646 h 4133"/>
-              <a:gd name="T68" fmla="*/ 2147483646 w 4477"/>
-              <a:gd name="T69" fmla="*/ 2147483646 h 4133"/>
-              <a:gd name="T70" fmla="*/ 2147483646 w 4477"/>
-              <a:gd name="T71" fmla="*/ 2147483646 h 4133"/>
-              <a:gd name="T72" fmla="*/ 2147483646 w 4477"/>
-              <a:gd name="T73" fmla="*/ 2147483646 h 4133"/>
-              <a:gd name="T74" fmla="*/ 2147483646 w 4477"/>
-              <a:gd name="T75" fmla="*/ 2147483646 h 4133"/>
-              <a:gd name="T76" fmla="*/ 2147483646 w 4477"/>
-              <a:gd name="T77" fmla="*/ 2147483646 h 4133"/>
-              <a:gd name="T78" fmla="*/ 2147483646 w 4477"/>
-              <a:gd name="T79" fmla="*/ 2147483646 h 4133"/>
-              <a:gd name="T80" fmla="*/ 2147483646 w 4477"/>
-              <a:gd name="T81" fmla="*/ 2147483646 h 4133"/>
-              <a:gd name="T82" fmla="*/ 2147483646 w 4477"/>
-              <a:gd name="T83" fmla="*/ 2147483646 h 4133"/>
-              <a:gd name="T84" fmla="*/ 2147483646 w 4477"/>
-              <a:gd name="T85" fmla="*/ 2147483646 h 4133"/>
-              <a:gd name="T86" fmla="*/ 2147483646 w 4477"/>
-              <a:gd name="T87" fmla="*/ 2147483646 h 4133"/>
-              <a:gd name="T88" fmla="*/ 2147483646 w 4477"/>
-              <a:gd name="T89" fmla="*/ 2147483646 h 4133"/>
-              <a:gd name="T90" fmla="*/ 2147483646 w 4477"/>
-              <a:gd name="T91" fmla="*/ 2147483646 h 4133"/>
-              <a:gd name="T92" fmla="*/ 2147483646 w 4477"/>
-              <a:gd name="T93" fmla="*/ 2147483646 h 4133"/>
-              <a:gd name="T94" fmla="*/ 2147483646 w 4477"/>
-              <a:gd name="T95" fmla="*/ 2147483646 h 4133"/>
-              <a:gd name="T96" fmla="*/ 2147483646 w 4477"/>
-              <a:gd name="T97" fmla="*/ 2147483646 h 4133"/>
-              <a:gd name="T98" fmla="*/ 2147483646 w 4477"/>
-              <a:gd name="T99" fmla="*/ 2147483646 h 4133"/>
-              <a:gd name="T100" fmla="*/ 2147483646 w 4477"/>
-              <a:gd name="T101" fmla="*/ 2147483646 h 4133"/>
-              <a:gd name="T102" fmla="*/ 2147483646 w 4477"/>
-              <a:gd name="T103" fmla="*/ 2147483646 h 4133"/>
-              <a:gd name="T104" fmla="*/ 2147483646 w 4477"/>
-              <a:gd name="T105" fmla="*/ 2147483646 h 4133"/>
-              <a:gd name="T106" fmla="*/ 2147483646 w 4477"/>
-              <a:gd name="T107" fmla="*/ 2147483646 h 4133"/>
-              <a:gd name="T108" fmla="*/ 0 60000 65536"/>
-              <a:gd name="T109" fmla="*/ 0 60000 65536"/>
-              <a:gd name="T110" fmla="*/ 0 60000 65536"/>
-              <a:gd name="T111" fmla="*/ 0 60000 65536"/>
-              <a:gd name="T112" fmla="*/ 0 60000 65536"/>
-              <a:gd name="T113" fmla="*/ 0 60000 65536"/>
-              <a:gd name="T114" fmla="*/ 0 60000 65536"/>
-              <a:gd name="T115" fmla="*/ 0 60000 65536"/>
-              <a:gd name="T116" fmla="*/ 0 60000 65536"/>
-              <a:gd name="T117" fmla="*/ 0 60000 65536"/>
-              <a:gd name="T118" fmla="*/ 0 60000 65536"/>
-              <a:gd name="T119" fmla="*/ 0 60000 65536"/>
-              <a:gd name="T120" fmla="*/ 0 60000 65536"/>
-              <a:gd name="T121" fmla="*/ 0 60000 65536"/>
-              <a:gd name="T122" fmla="*/ 0 60000 65536"/>
-              <a:gd name="T123" fmla="*/ 0 60000 65536"/>
-              <a:gd name="T124" fmla="*/ 0 60000 65536"/>
-              <a:gd name="T125" fmla="*/ 0 60000 65536"/>
-              <a:gd name="T126" fmla="*/ 0 60000 65536"/>
-              <a:gd name="T127" fmla="*/ 0 60000 65536"/>
-              <a:gd name="T128" fmla="*/ 0 60000 65536"/>
-              <a:gd name="T129" fmla="*/ 0 60000 65536"/>
-              <a:gd name="T130" fmla="*/ 0 60000 65536"/>
-              <a:gd name="T131" fmla="*/ 0 60000 65536"/>
-              <a:gd name="T132" fmla="*/ 0 60000 65536"/>
-              <a:gd name="T133" fmla="*/ 0 60000 65536"/>
-              <a:gd name="T134" fmla="*/ 0 60000 65536"/>
-              <a:gd name="T135" fmla="*/ 0 60000 65536"/>
-              <a:gd name="T136" fmla="*/ 0 60000 65536"/>
-              <a:gd name="T137" fmla="*/ 0 60000 65536"/>
-              <a:gd name="T138" fmla="*/ 0 60000 65536"/>
-              <a:gd name="T139" fmla="*/ 0 60000 65536"/>
-              <a:gd name="T140" fmla="*/ 0 60000 65536"/>
-              <a:gd name="T141" fmla="*/ 0 60000 65536"/>
-              <a:gd name="T142" fmla="*/ 0 60000 65536"/>
-              <a:gd name="T143" fmla="*/ 0 60000 65536"/>
-              <a:gd name="T144" fmla="*/ 0 60000 65536"/>
-              <a:gd name="T145" fmla="*/ 0 60000 65536"/>
-              <a:gd name="T146" fmla="*/ 0 60000 65536"/>
-              <a:gd name="T147" fmla="*/ 0 60000 65536"/>
-              <a:gd name="T148" fmla="*/ 0 60000 65536"/>
-              <a:gd name="T149" fmla="*/ 0 60000 65536"/>
-              <a:gd name="T150" fmla="*/ 0 60000 65536"/>
-              <a:gd name="T151" fmla="*/ 0 60000 65536"/>
-              <a:gd name="T152" fmla="*/ 0 60000 65536"/>
-              <a:gd name="T153" fmla="*/ 0 60000 65536"/>
-              <a:gd name="T154" fmla="*/ 0 60000 65536"/>
-              <a:gd name="T155" fmla="*/ 0 60000 65536"/>
-              <a:gd name="T156" fmla="*/ 0 60000 65536"/>
-              <a:gd name="T157" fmla="*/ 0 60000 65536"/>
-              <a:gd name="T158" fmla="*/ 0 60000 65536"/>
-              <a:gd name="T159" fmla="*/ 0 60000 65536"/>
-              <a:gd name="T160" fmla="*/ 0 60000 65536"/>
-              <a:gd name="T161" fmla="*/ 0 60000 65536"/>
-            </a:gdLst>
-            <a:ahLst/>
-            <a:cxnLst>
-              <a:cxn ang="T108">
-                <a:pos x="T0" y="T1"/>
-              </a:cxn>
-              <a:cxn ang="T109">
-                <a:pos x="T2" y="T3"/>
-              </a:cxn>
-              <a:cxn ang="T110">
-                <a:pos x="T4" y="T5"/>
-              </a:cxn>
-              <a:cxn ang="T111">
-                <a:pos x="T6" y="T7"/>
-              </a:cxn>
-              <a:cxn ang="T112">
-                <a:pos x="T8" y="T9"/>
-              </a:cxn>
-              <a:cxn ang="T113">
-                <a:pos x="T10" y="T11"/>
-              </a:cxn>
-              <a:cxn ang="T114">
-                <a:pos x="T12" y="T13"/>
-              </a:cxn>
-              <a:cxn ang="T115">
-                <a:pos x="T14" y="T15"/>
-              </a:cxn>
-              <a:cxn ang="T116">
-                <a:pos x="T16" y="T17"/>
-              </a:cxn>
-              <a:cxn ang="T117">
-                <a:pos x="T18" y="T19"/>
-              </a:cxn>
-              <a:cxn ang="T118">
-                <a:pos x="T20" y="T21"/>
-              </a:cxn>
-              <a:cxn ang="T119">
-                <a:pos x="T22" y="T23"/>
-              </a:cxn>
-              <a:cxn ang="T120">
-                <a:pos x="T24" y="T25"/>
-              </a:cxn>
-              <a:cxn ang="T121">
-                <a:pos x="T26" y="T27"/>
-              </a:cxn>
-              <a:cxn ang="T122">
-                <a:pos x="T28" y="T29"/>
-              </a:cxn>
-              <a:cxn ang="T123">
-                <a:pos x="T30" y="T31"/>
-              </a:cxn>
-              <a:cxn ang="T124">
-                <a:pos x="T32" y="T33"/>
-              </a:cxn>
-              <a:cxn ang="T125">
-                <a:pos x="T34" y="T35"/>
-              </a:cxn>
-              <a:cxn ang="T126">
-                <a:pos x="T36" y="T37"/>
-              </a:cxn>
-              <a:cxn ang="T127">
-                <a:pos x="T38" y="T39"/>
-              </a:cxn>
-              <a:cxn ang="T128">
-                <a:pos x="T40" y="T41"/>
-              </a:cxn>
-              <a:cxn ang="T129">
-                <a:pos x="T42" y="T43"/>
-              </a:cxn>
-              <a:cxn ang="T130">
-                <a:pos x="T44" y="T45"/>
-              </a:cxn>
-              <a:cxn ang="T131">
-                <a:pos x="T46" y="T47"/>
-              </a:cxn>
-              <a:cxn ang="T132">
-                <a:pos x="T48" y="T49"/>
-              </a:cxn>
-              <a:cxn ang="T133">
-                <a:pos x="T50" y="T51"/>
-              </a:cxn>
-              <a:cxn ang="T134">
-                <a:pos x="T52" y="T53"/>
-              </a:cxn>
-              <a:cxn ang="T135">
-                <a:pos x="T54" y="T55"/>
-              </a:cxn>
-              <a:cxn ang="T136">
-                <a:pos x="T56" y="T57"/>
-              </a:cxn>
-              <a:cxn ang="T137">
-                <a:pos x="T58" y="T59"/>
-              </a:cxn>
-              <a:cxn ang="T138">
-                <a:pos x="T60" y="T61"/>
-              </a:cxn>
-              <a:cxn ang="T139">
-                <a:pos x="T62" y="T63"/>
-              </a:cxn>
-              <a:cxn ang="T140">
-                <a:pos x="T64" y="T65"/>
-              </a:cxn>
-              <a:cxn ang="T141">
-                <a:pos x="T66" y="T67"/>
-              </a:cxn>
-              <a:cxn ang="T142">
-                <a:pos x="T68" y="T69"/>
-              </a:cxn>
-              <a:cxn ang="T143">
-                <a:pos x="T70" y="T71"/>
-              </a:cxn>
-              <a:cxn ang="T144">
-                <a:pos x="T72" y="T73"/>
-              </a:cxn>
-              <a:cxn ang="T145">
-                <a:pos x="T74" y="T75"/>
-              </a:cxn>
-              <a:cxn ang="T146">
-                <a:pos x="T76" y="T77"/>
-              </a:cxn>
-              <a:cxn ang="T147">
-                <a:pos x="T78" y="T79"/>
-              </a:cxn>
-              <a:cxn ang="T148">
-                <a:pos x="T80" y="T81"/>
-              </a:cxn>
-              <a:cxn ang="T149">
-                <a:pos x="T82" y="T83"/>
-              </a:cxn>
-              <a:cxn ang="T150">
-                <a:pos x="T84" y="T85"/>
-              </a:cxn>
-              <a:cxn ang="T151">
-                <a:pos x="T86" y="T87"/>
-              </a:cxn>
-              <a:cxn ang="T152">
-                <a:pos x="T88" y="T89"/>
-              </a:cxn>
-              <a:cxn ang="T153">
-                <a:pos x="T90" y="T91"/>
-              </a:cxn>
-              <a:cxn ang="T154">
-                <a:pos x="T92" y="T93"/>
-              </a:cxn>
-              <a:cxn ang="T155">
-                <a:pos x="T94" y="T95"/>
-              </a:cxn>
-              <a:cxn ang="T156">
-                <a:pos x="T96" y="T97"/>
-              </a:cxn>
-              <a:cxn ang="T157">
-                <a:pos x="T98" y="T99"/>
-              </a:cxn>
-              <a:cxn ang="T158">
-                <a:pos x="T100" y="T101"/>
-              </a:cxn>
-              <a:cxn ang="T159">
-                <a:pos x="T102" y="T103"/>
-              </a:cxn>
-              <a:cxn ang="T160">
-                <a:pos x="T104" y="T105"/>
-              </a:cxn>
-              <a:cxn ang="T161">
-                <a:pos x="T106" y="T107"/>
-              </a:cxn>
-            </a:cxnLst>
-            <a:rect l="0" t="0" r="r" b="b"/>
-            <a:pathLst>
-              <a:path w="4477" h="4133">
-                <a:moveTo>
-                  <a:pt x="3646" y="48"/>
-                </a:moveTo>
-                <a:lnTo>
-                  <a:pt x="3646" y="48"/>
-                </a:lnTo>
-                <a:lnTo>
-                  <a:pt x="3623" y="39"/>
-                </a:lnTo>
-                <a:lnTo>
-                  <a:pt x="3600" y="31"/>
-                </a:lnTo>
-                <a:lnTo>
-                  <a:pt x="3578" y="24"/>
-                </a:lnTo>
-                <a:lnTo>
-                  <a:pt x="3557" y="18"/>
-                </a:lnTo>
-                <a:lnTo>
-                  <a:pt x="3536" y="13"/>
-                </a:lnTo>
-                <a:lnTo>
-                  <a:pt x="3515" y="8"/>
-                </a:lnTo>
-                <a:lnTo>
-                  <a:pt x="3494" y="5"/>
-                </a:lnTo>
-                <a:lnTo>
-                  <a:pt x="3473" y="3"/>
-                </a:lnTo>
-                <a:lnTo>
-                  <a:pt x="3454" y="1"/>
-                </a:lnTo>
-                <a:lnTo>
-                  <a:pt x="3434" y="0"/>
-                </a:lnTo>
-                <a:lnTo>
-                  <a:pt x="3415" y="0"/>
-                </a:lnTo>
-                <a:lnTo>
-                  <a:pt x="3395" y="1"/>
-                </a:lnTo>
-                <a:lnTo>
-                  <a:pt x="3376" y="3"/>
-                </a:lnTo>
-                <a:lnTo>
-                  <a:pt x="3358" y="5"/>
-                </a:lnTo>
-                <a:lnTo>
-                  <a:pt x="3339" y="9"/>
-                </a:lnTo>
-                <a:lnTo>
-                  <a:pt x="3321" y="13"/>
-                </a:lnTo>
-                <a:lnTo>
-                  <a:pt x="3303" y="18"/>
-                </a:lnTo>
-                <a:lnTo>
-                  <a:pt x="3285" y="23"/>
-                </a:lnTo>
-                <a:lnTo>
-                  <a:pt x="3268" y="30"/>
-                </a:lnTo>
-                <a:lnTo>
-                  <a:pt x="3251" y="37"/>
-                </a:lnTo>
-                <a:lnTo>
-                  <a:pt x="3235" y="45"/>
-                </a:lnTo>
-                <a:lnTo>
-                  <a:pt x="3219" y="54"/>
-                </a:lnTo>
-                <a:lnTo>
-                  <a:pt x="3201" y="63"/>
-                </a:lnTo>
-                <a:lnTo>
-                  <a:pt x="3186" y="74"/>
-                </a:lnTo>
-                <a:lnTo>
-                  <a:pt x="3170" y="85"/>
-                </a:lnTo>
-                <a:lnTo>
-                  <a:pt x="3155" y="96"/>
-                </a:lnTo>
-                <a:lnTo>
-                  <a:pt x="3139" y="108"/>
-                </a:lnTo>
-                <a:lnTo>
-                  <a:pt x="3124" y="121"/>
-                </a:lnTo>
-                <a:lnTo>
-                  <a:pt x="3110" y="134"/>
-                </a:lnTo>
-                <a:lnTo>
-                  <a:pt x="3094" y="149"/>
-                </a:lnTo>
-                <a:lnTo>
-                  <a:pt x="3066" y="179"/>
-                </a:lnTo>
-                <a:lnTo>
-                  <a:pt x="3079" y="337"/>
-                </a:lnTo>
-                <a:lnTo>
-                  <a:pt x="3094" y="494"/>
-                </a:lnTo>
-                <a:lnTo>
-                  <a:pt x="3112" y="649"/>
-                </a:lnTo>
-                <a:lnTo>
-                  <a:pt x="3131" y="802"/>
-                </a:lnTo>
-                <a:lnTo>
-                  <a:pt x="3151" y="954"/>
-                </a:lnTo>
-                <a:lnTo>
-                  <a:pt x="3174" y="1104"/>
-                </a:lnTo>
-                <a:lnTo>
-                  <a:pt x="3198" y="1252"/>
-                </a:lnTo>
-                <a:lnTo>
-                  <a:pt x="3226" y="1398"/>
-                </a:lnTo>
-                <a:lnTo>
-                  <a:pt x="3254" y="1543"/>
-                </a:lnTo>
-                <a:lnTo>
-                  <a:pt x="3284" y="1686"/>
-                </a:lnTo>
-                <a:lnTo>
-                  <a:pt x="3318" y="1827"/>
-                </a:lnTo>
-                <a:lnTo>
-                  <a:pt x="3352" y="1967"/>
-                </a:lnTo>
-                <a:lnTo>
-                  <a:pt x="3388" y="2104"/>
-                </a:lnTo>
-                <a:lnTo>
-                  <a:pt x="3407" y="2172"/>
-                </a:lnTo>
-                <a:lnTo>
-                  <a:pt x="3427" y="2240"/>
-                </a:lnTo>
-                <a:lnTo>
-                  <a:pt x="3447" y="2307"/>
-                </a:lnTo>
-                <a:lnTo>
-                  <a:pt x="3468" y="2374"/>
-                </a:lnTo>
-                <a:lnTo>
-                  <a:pt x="3488" y="2441"/>
-                </a:lnTo>
-                <a:lnTo>
-                  <a:pt x="3510" y="2506"/>
-                </a:lnTo>
-                <a:lnTo>
-                  <a:pt x="4267" y="2335"/>
-                </a:lnTo>
-                <a:lnTo>
-                  <a:pt x="4258" y="2257"/>
-                </a:lnTo>
-                <a:lnTo>
-                  <a:pt x="4249" y="2179"/>
-                </a:lnTo>
-                <a:lnTo>
-                  <a:pt x="4238" y="2102"/>
-                </a:lnTo>
-                <a:lnTo>
-                  <a:pt x="4227" y="2026"/>
-                </a:lnTo>
-                <a:lnTo>
-                  <a:pt x="4214" y="1950"/>
-                </a:lnTo>
-                <a:lnTo>
-                  <a:pt x="4202" y="1874"/>
-                </a:lnTo>
-                <a:lnTo>
-                  <a:pt x="4189" y="1798"/>
-                </a:lnTo>
-                <a:lnTo>
-                  <a:pt x="4175" y="1724"/>
-                </a:lnTo>
-                <a:lnTo>
-                  <a:pt x="4161" y="1649"/>
-                </a:lnTo>
-                <a:lnTo>
-                  <a:pt x="4146" y="1574"/>
-                </a:lnTo>
-                <a:lnTo>
-                  <a:pt x="4130" y="1500"/>
-                </a:lnTo>
-                <a:lnTo>
-                  <a:pt x="4113" y="1428"/>
-                </a:lnTo>
-                <a:lnTo>
-                  <a:pt x="4096" y="1354"/>
-                </a:lnTo>
-                <a:lnTo>
-                  <a:pt x="4078" y="1282"/>
-                </a:lnTo>
-                <a:lnTo>
-                  <a:pt x="4060" y="1210"/>
-                </a:lnTo>
-                <a:lnTo>
-                  <a:pt x="4041" y="1138"/>
-                </a:lnTo>
-                <a:lnTo>
-                  <a:pt x="4020" y="1067"/>
-                </a:lnTo>
-                <a:lnTo>
-                  <a:pt x="4000" y="995"/>
-                </a:lnTo>
-                <a:lnTo>
-                  <a:pt x="3979" y="926"/>
-                </a:lnTo>
-                <a:lnTo>
-                  <a:pt x="3957" y="855"/>
-                </a:lnTo>
-                <a:lnTo>
-                  <a:pt x="3935" y="785"/>
-                </a:lnTo>
-                <a:lnTo>
-                  <a:pt x="3911" y="717"/>
-                </a:lnTo>
-                <a:lnTo>
-                  <a:pt x="3888" y="648"/>
-                </a:lnTo>
-                <a:lnTo>
-                  <a:pt x="3863" y="579"/>
-                </a:lnTo>
-                <a:lnTo>
-                  <a:pt x="3839" y="512"/>
-                </a:lnTo>
-                <a:lnTo>
-                  <a:pt x="3812" y="444"/>
-                </a:lnTo>
-                <a:lnTo>
-                  <a:pt x="3786" y="377"/>
-                </a:lnTo>
-                <a:lnTo>
-                  <a:pt x="3759" y="310"/>
-                </a:lnTo>
-                <a:lnTo>
-                  <a:pt x="3732" y="244"/>
-                </a:lnTo>
-                <a:lnTo>
-                  <a:pt x="3703" y="179"/>
-                </a:lnTo>
-                <a:lnTo>
-                  <a:pt x="3675" y="113"/>
-                </a:lnTo>
-                <a:lnTo>
-                  <a:pt x="3646" y="48"/>
-                </a:lnTo>
-                <a:close/>
-                <a:moveTo>
-                  <a:pt x="831" y="2804"/>
-                </a:moveTo>
-                <a:lnTo>
-                  <a:pt x="2810" y="2804"/>
-                </a:lnTo>
-                <a:lnTo>
-                  <a:pt x="2810" y="2949"/>
-                </a:lnTo>
-                <a:lnTo>
-                  <a:pt x="831" y="2949"/>
-                </a:lnTo>
-                <a:lnTo>
-                  <a:pt x="831" y="2804"/>
-                </a:lnTo>
-                <a:close/>
-                <a:moveTo>
-                  <a:pt x="3516" y="3370"/>
-                </a:moveTo>
-                <a:lnTo>
-                  <a:pt x="3637" y="3750"/>
-                </a:lnTo>
-                <a:lnTo>
-                  <a:pt x="190" y="3750"/>
-                </a:lnTo>
-                <a:lnTo>
-                  <a:pt x="0" y="3750"/>
-                </a:lnTo>
-                <a:lnTo>
-                  <a:pt x="0" y="3559"/>
-                </a:lnTo>
-                <a:lnTo>
-                  <a:pt x="0" y="1320"/>
-                </a:lnTo>
-                <a:lnTo>
-                  <a:pt x="0" y="1240"/>
-                </a:lnTo>
-                <a:lnTo>
-                  <a:pt x="59" y="1183"/>
-                </a:lnTo>
-                <a:lnTo>
-                  <a:pt x="764" y="503"/>
-                </a:lnTo>
-                <a:lnTo>
-                  <a:pt x="819" y="449"/>
-                </a:lnTo>
-                <a:lnTo>
-                  <a:pt x="895" y="449"/>
-                </a:lnTo>
-                <a:lnTo>
-                  <a:pt x="2831" y="449"/>
-                </a:lnTo>
-                <a:lnTo>
-                  <a:pt x="2840" y="545"/>
-                </a:lnTo>
-                <a:lnTo>
-                  <a:pt x="2849" y="640"/>
-                </a:lnTo>
-                <a:lnTo>
-                  <a:pt x="2859" y="735"/>
-                </a:lnTo>
-                <a:lnTo>
-                  <a:pt x="2870" y="829"/>
-                </a:lnTo>
-                <a:lnTo>
-                  <a:pt x="1084" y="829"/>
-                </a:lnTo>
-                <a:lnTo>
-                  <a:pt x="1138" y="1419"/>
-                </a:lnTo>
-                <a:lnTo>
-                  <a:pt x="1148" y="1526"/>
-                </a:lnTo>
-                <a:lnTo>
-                  <a:pt x="1040" y="1522"/>
-                </a:lnTo>
-                <a:lnTo>
-                  <a:pt x="380" y="1497"/>
-                </a:lnTo>
-                <a:lnTo>
-                  <a:pt x="380" y="3370"/>
-                </a:lnTo>
-                <a:lnTo>
-                  <a:pt x="3516" y="3370"/>
-                </a:lnTo>
-                <a:close/>
-                <a:moveTo>
-                  <a:pt x="472" y="1312"/>
-                </a:moveTo>
-                <a:lnTo>
-                  <a:pt x="939" y="1329"/>
-                </a:lnTo>
-                <a:lnTo>
-                  <a:pt x="900" y="898"/>
-                </a:lnTo>
-                <a:lnTo>
-                  <a:pt x="472" y="1312"/>
-                </a:lnTo>
-                <a:close/>
-                <a:moveTo>
-                  <a:pt x="2810" y="2206"/>
-                </a:moveTo>
-                <a:lnTo>
-                  <a:pt x="831" y="2206"/>
-                </a:lnTo>
-                <a:lnTo>
-                  <a:pt x="831" y="2351"/>
-                </a:lnTo>
-                <a:lnTo>
-                  <a:pt x="2810" y="2351"/>
-                </a:lnTo>
-                <a:lnTo>
-                  <a:pt x="2810" y="2206"/>
-                </a:lnTo>
-                <a:close/>
-                <a:moveTo>
-                  <a:pt x="2810" y="1666"/>
-                </a:moveTo>
-                <a:lnTo>
-                  <a:pt x="1621" y="1666"/>
-                </a:lnTo>
-                <a:lnTo>
-                  <a:pt x="1621" y="1810"/>
-                </a:lnTo>
-                <a:lnTo>
-                  <a:pt x="2810" y="1810"/>
-                </a:lnTo>
-                <a:lnTo>
-                  <a:pt x="2810" y="1666"/>
-                </a:lnTo>
-                <a:close/>
-                <a:moveTo>
-                  <a:pt x="2810" y="1112"/>
-                </a:moveTo>
-                <a:lnTo>
-                  <a:pt x="1621" y="1112"/>
-                </a:lnTo>
-                <a:lnTo>
-                  <a:pt x="1621" y="1256"/>
-                </a:lnTo>
-                <a:lnTo>
-                  <a:pt x="2810" y="1256"/>
-                </a:lnTo>
-                <a:lnTo>
-                  <a:pt x="2810" y="1112"/>
-                </a:lnTo>
-                <a:close/>
-                <a:moveTo>
-                  <a:pt x="4318" y="3463"/>
-                </a:moveTo>
-                <a:lnTo>
-                  <a:pt x="4002" y="3540"/>
-                </a:lnTo>
-                <a:lnTo>
-                  <a:pt x="4007" y="3867"/>
-                </a:lnTo>
-                <a:lnTo>
-                  <a:pt x="4237" y="4133"/>
-                </a:lnTo>
-                <a:lnTo>
-                  <a:pt x="4387" y="4100"/>
-                </a:lnTo>
-                <a:lnTo>
-                  <a:pt x="4477" y="3751"/>
-                </a:lnTo>
-                <a:lnTo>
-                  <a:pt x="4318" y="3463"/>
-                </a:lnTo>
-                <a:close/>
-                <a:moveTo>
-                  <a:pt x="4272" y="2491"/>
-                </a:moveTo>
-                <a:lnTo>
-                  <a:pt x="4272" y="2491"/>
-                </a:lnTo>
-                <a:lnTo>
-                  <a:pt x="4388" y="3367"/>
-                </a:lnTo>
-                <a:lnTo>
-                  <a:pt x="3870" y="3485"/>
-                </a:lnTo>
-                <a:lnTo>
-                  <a:pt x="3583" y="2648"/>
-                </a:lnTo>
-                <a:lnTo>
-                  <a:pt x="4272" y="2491"/>
-                </a:lnTo>
-                <a:close/>
-              </a:path>
-            </a:pathLst>
-          </a:custGeom>
-          <a:solidFill>
-            <a:schemeClr val="tx1">
-              <a:lumMod val="85000"/>
-              <a:lumOff val="15000"/>
-            </a:schemeClr>
-          </a:solidFill>
-          <a:ln>
-            <a:noFill/>
-          </a:ln>
-          <a:extLst>
-            <a:ext uri="{91240B29-F687-4F45-9708-019B960494DF}">
-              <a14:hiddenLine xmlns:a14="http://schemas.microsoft.com/office/drawing/2010/main" w="9525">
-                <a:solidFill>
-                  <a:srgbClr val="000000"/>
-                </a:solidFill>
-                <a:round/>
-              </a14:hiddenLine>
-            </a:ext>
-          </a:extLst>
-        </p:spPr>
-        <p:txBody>
-          <a:bodyPr anchor="ctr">
-            <a:scene3d>
-              <a:camera prst="orthographicFront"/>
-              <a:lightRig rig="threePt" dir="t"/>
-            </a:scene3d>
-            <a:sp3d>
-              <a:contourClr>
-                <a:srgbClr val="FFFFFF"/>
-              </a:contourClr>
-            </a:sp3d>
-          </a:bodyPr>
-          <a:lstStyle>
-            <a:defPPr>
-              <a:defRPr lang="zh-CN"/>
-            </a:defPPr>
-            <a:lvl1pPr algn="l" rtl="0" eaLnBrk="0" fontAlgn="base" hangingPunct="0">
-              <a:spcBef>
-                <a:spcPct val="0"/>
-              </a:spcBef>
-              <a:spcAft>
-                <a:spcPct val="0"/>
-              </a:spcAft>
-              <a:defRPr kern="1200">
-                <a:solidFill>
-                  <a:schemeClr val="tx1"/>
-                </a:solidFill>
-                <a:latin typeface="Calibri" panose="020F0502020204030204" charset="0"/>
-                <a:ea typeface="宋体" panose="02010600030101010101" pitchFamily="2" charset="-122"/>
-                <a:cs typeface="+mn-cs"/>
-              </a:defRPr>
-            </a:lvl1pPr>
-            <a:lvl2pPr marL="457200" algn="l" rtl="0" eaLnBrk="0" fontAlgn="base" hangingPunct="0">
-              <a:spcBef>
-                <a:spcPct val="0"/>
-              </a:spcBef>
-              <a:spcAft>
-                <a:spcPct val="0"/>
-              </a:spcAft>
-              <a:defRPr kern="1200">
-                <a:solidFill>
-                  <a:schemeClr val="tx1"/>
-                </a:solidFill>
-                <a:latin typeface="Calibri" panose="020F0502020204030204" charset="0"/>
-                <a:ea typeface="宋体" panose="02010600030101010101" pitchFamily="2" charset="-122"/>
-                <a:cs typeface="+mn-cs"/>
-              </a:defRPr>
-            </a:lvl2pPr>
-            <a:lvl3pPr marL="914400" algn="l" rtl="0" eaLnBrk="0" fontAlgn="base" hangingPunct="0">
-              <a:spcBef>
-                <a:spcPct val="0"/>
-              </a:spcBef>
-              <a:spcAft>
-                <a:spcPct val="0"/>
-              </a:spcAft>
-              <a:defRPr kern="1200">
-                <a:solidFill>
-                  <a:schemeClr val="tx1"/>
-                </a:solidFill>
-                <a:latin typeface="Calibri" panose="020F0502020204030204" charset="0"/>
-                <a:ea typeface="宋体" panose="02010600030101010101" pitchFamily="2" charset="-122"/>
-                <a:cs typeface="+mn-cs"/>
-              </a:defRPr>
-            </a:lvl3pPr>
-            <a:lvl4pPr marL="1371600" algn="l" rtl="0" eaLnBrk="0" fontAlgn="base" hangingPunct="0">
-              <a:spcBef>
-                <a:spcPct val="0"/>
-              </a:spcBef>
-              <a:spcAft>
-                <a:spcPct val="0"/>
-              </a:spcAft>
-              <a:defRPr kern="1200">
-                <a:solidFill>
-                  <a:schemeClr val="tx1"/>
-                </a:solidFill>
-                <a:latin typeface="Calibri" panose="020F0502020204030204" charset="0"/>
-                <a:ea typeface="宋体" panose="02010600030101010101" pitchFamily="2" charset="-122"/>
-                <a:cs typeface="+mn-cs"/>
-              </a:defRPr>
-            </a:lvl4pPr>
-            <a:lvl5pPr marL="1828800" algn="l" rtl="0" eaLnBrk="0" fontAlgn="base" hangingPunct="0">
-              <a:spcBef>
-                <a:spcPct val="0"/>
-              </a:spcBef>
-              <a:spcAft>
-                <a:spcPct val="0"/>
-              </a:spcAft>
-              <a:defRPr kern="1200">
-                <a:solidFill>
-                  <a:schemeClr val="tx1"/>
-                </a:solidFill>
-                <a:latin typeface="Calibri" panose="020F0502020204030204" charset="0"/>
-                <a:ea typeface="宋体" panose="02010600030101010101" pitchFamily="2" charset="-122"/>
-                <a:cs typeface="+mn-cs"/>
-              </a:defRPr>
-            </a:lvl5pPr>
-            <a:lvl6pPr marL="2286000" algn="l" defTabSz="914400" rtl="0" eaLnBrk="1" latinLnBrk="0" hangingPunct="1">
-              <a:defRPr kern="1200">
-                <a:solidFill>
-                  <a:schemeClr val="tx1"/>
-                </a:solidFill>
-                <a:latin typeface="Calibri" panose="020F0502020204030204" charset="0"/>
-                <a:ea typeface="宋体" panose="02010600030101010101" pitchFamily="2" charset="-122"/>
-                <a:cs typeface="+mn-cs"/>
-              </a:defRPr>
-            </a:lvl6pPr>
-            <a:lvl7pPr marL="2743200" algn="l" defTabSz="914400" rtl="0" eaLnBrk="1" latinLnBrk="0" hangingPunct="1">
-              <a:defRPr kern="1200">
-                <a:solidFill>
-                  <a:schemeClr val="tx1"/>
-                </a:solidFill>
-                <a:latin typeface="Calibri" panose="020F0502020204030204" charset="0"/>
-                <a:ea typeface="宋体" panose="02010600030101010101" pitchFamily="2" charset="-122"/>
-                <a:cs typeface="+mn-cs"/>
-              </a:defRPr>
-            </a:lvl7pPr>
-            <a:lvl8pPr marL="3200400" algn="l" defTabSz="914400" rtl="0" eaLnBrk="1" latinLnBrk="0" hangingPunct="1">
-              <a:defRPr kern="1200">
-                <a:solidFill>
-                  <a:schemeClr val="tx1"/>
-                </a:solidFill>
-                <a:latin typeface="Calibri" panose="020F0502020204030204" charset="0"/>
-                <a:ea typeface="宋体" panose="02010600030101010101" pitchFamily="2" charset="-122"/>
-                <a:cs typeface="+mn-cs"/>
-              </a:defRPr>
-            </a:lvl8pPr>
-            <a:lvl9pPr marL="3657600" algn="l" defTabSz="914400" rtl="0" eaLnBrk="1" latinLnBrk="0" hangingPunct="1">
-              <a:defRPr kern="1200">
-                <a:solidFill>
-                  <a:schemeClr val="tx1"/>
-                </a:solidFill>
-                <a:latin typeface="Calibri" panose="020F0502020204030204" charset="0"/>
-                <a:ea typeface="宋体" panose="02010600030101010101" pitchFamily="2" charset="-122"/>
-                <a:cs typeface="+mn-cs"/>
-              </a:defRPr>
-            </a:lvl9pPr>
-          </a:lstStyle>
-          <a:p>
-            <a:pPr algn="ctr">
-              <a:defRPr/>
-            </a:pPr>
-            <a:endParaRPr lang="zh-CN" altLang="en-US">
-              <a:solidFill>
-                <a:schemeClr val="tx1">
-                  <a:lumMod val="85000"/>
-                  <a:lumOff val="15000"/>
-                </a:schemeClr>
-              </a:solidFill>
-            </a:endParaRPr>
-          </a:p>
-        </p:txBody>
-      </p:sp>
-      <p:sp>
-        <p:nvSpPr>
-          <p:cNvPr id="12" name="文本框 20"/>
-          <p:cNvSpPr txBox="1"/>
-          <p:nvPr/>
-        </p:nvSpPr>
-        <p:spPr>
-          <a:xfrm flipH="1">
-            <a:off x="9116060" y="2320018"/>
-            <a:ext cx="2211070" cy="430374"/>
-          </a:xfrm>
-          <a:prstGeom prst="rect">
-            <a:avLst/>
-          </a:prstGeom>
-          <a:noFill/>
-          <a:ln w="9525">
-            <a:noFill/>
-            <a:miter/>
-          </a:ln>
-          <a:effectLst>
-            <a:outerShdw sx="999" sy="999" algn="ctr" rotWithShape="0">
-              <a:srgbClr val="000000"/>
-            </a:outerShdw>
-          </a:effectLst>
-        </p:spPr>
-        <p:txBody>
-          <a:bodyPr wrap="square" anchor="t">
-            <a:spAutoFit/>
-          </a:bodyPr>
-          <a:lstStyle/>
-          <a:p>
-            <a:pPr lvl="0" fontAlgn="auto">
-              <a:lnSpc>
-                <a:spcPct val="120000"/>
-              </a:lnSpc>
-            </a:pPr>
-            <a:r>
-              <a:rPr lang="zh-CN" altLang="en-US" sz="2000" b="1" dirty="0">
-                <a:solidFill>
-                  <a:schemeClr val="tx1">
-                    <a:lumMod val="85000"/>
-                    <a:lumOff val="15000"/>
-                  </a:schemeClr>
-                </a:solidFill>
-                <a:latin typeface="微软雅黑" panose="020B0503020204020204" charset="-122"/>
-                <a:ea typeface="微软雅黑" panose="020B0503020204020204" charset="-122"/>
-                <a:sym typeface="Arial" panose="020B0604020202020204" pitchFamily="34" charset="0"/>
-              </a:rPr>
-              <a:t>青少年偏好</a:t>
-            </a:r>
-          </a:p>
-        </p:txBody>
-      </p:sp>
-      <p:sp>
-        <p:nvSpPr>
-          <p:cNvPr id="14" name="文本框 22"/>
-          <p:cNvSpPr txBox="1"/>
-          <p:nvPr/>
-        </p:nvSpPr>
-        <p:spPr>
-          <a:xfrm flipH="1">
-            <a:off x="9116060" y="2800713"/>
-            <a:ext cx="2748280" cy="846001"/>
-          </a:xfrm>
-          <a:prstGeom prst="rect">
-            <a:avLst/>
-          </a:prstGeom>
-          <a:noFill/>
-          <a:ln w="9525">
-            <a:noFill/>
-            <a:miter/>
-          </a:ln>
-          <a:effectLst>
-            <a:outerShdw sx="999" sy="999" algn="ctr" rotWithShape="0">
-              <a:srgbClr val="000000"/>
-            </a:outerShdw>
-          </a:effectLst>
-        </p:spPr>
-        <p:txBody>
-          <a:bodyPr wrap="square" anchor="t">
-            <a:spAutoFit/>
-          </a:bodyPr>
-          <a:lstStyle/>
-          <a:p>
-            <a:pPr lvl="0" fontAlgn="auto">
-              <a:lnSpc>
-                <a:spcPct val="120000"/>
-              </a:lnSpc>
-            </a:pPr>
-            <a:r>
-              <a:rPr lang="zh-CN" altLang="en-US" sz="1400" dirty="0">
-                <a:solidFill>
-                  <a:schemeClr val="tx1">
-                    <a:lumMod val="85000"/>
-                    <a:lumOff val="15000"/>
-                  </a:schemeClr>
-                </a:solidFill>
-                <a:latin typeface="微软雅黑" panose="020B0503020204020204" charset="-122"/>
-                <a:ea typeface="微软雅黑" panose="020B0503020204020204" charset="-122"/>
-                <a:sym typeface="宋体" panose="02010600030101010101" pitchFamily="2" charset="-122"/>
-              </a:rPr>
-              <a:t>如今大多数的青少年都或多或少的对电子游戏有不同程度的喜欢，这使得电子游戏行业能够备欢迎</a:t>
-            </a:r>
-          </a:p>
-        </p:txBody>
-      </p:sp>
-      <p:sp>
-        <p:nvSpPr>
-          <p:cNvPr id="17" name="椭圆 16"/>
-          <p:cNvSpPr/>
-          <p:nvPr/>
-        </p:nvSpPr>
-        <p:spPr>
-          <a:xfrm>
-            <a:off x="8308340" y="2372723"/>
-            <a:ext cx="731520" cy="731520"/>
-          </a:xfrm>
-          <a:prstGeom prst="ellipse">
-            <a:avLst/>
-          </a:prstGeom>
-          <a:noFill/>
-          <a:ln>
-            <a:solidFill>
-              <a:schemeClr val="tx1">
-                <a:lumMod val="85000"/>
-                <a:lumOff val="15000"/>
-              </a:schemeClr>
-            </a:solidFill>
-          </a:ln>
-        </p:spPr>
-        <p:style>
-          <a:lnRef idx="2">
-            <a:schemeClr val="accent1">
-              <a:shade val="50000"/>
-            </a:schemeClr>
-          </a:lnRef>
-          <a:fillRef idx="1">
-            <a:schemeClr val="accent1"/>
-          </a:fillRef>
-          <a:effectRef idx="0">
-            <a:schemeClr val="accent1"/>
-          </a:effectRef>
-          <a:fontRef idx="minor">
-            <a:schemeClr val="lt1"/>
-          </a:fontRef>
-        </p:style>
-        <p:txBody>
-          <a:bodyPr rtlCol="0" anchor="ctr"/>
-          <a:lstStyle/>
-          <a:p>
-            <a:pPr algn="ctr"/>
-            <a:endParaRPr lang="zh-CN" altLang="en-US">
-              <a:solidFill>
-                <a:schemeClr val="tx1">
-                  <a:lumMod val="85000"/>
-                  <a:lumOff val="15000"/>
-                </a:schemeClr>
-              </a:solidFill>
-            </a:endParaRPr>
-          </a:p>
-        </p:txBody>
-      </p:sp>
-      <p:sp>
-        <p:nvSpPr>
           <p:cNvPr id="5" name="文本框 4"/>
           <p:cNvSpPr txBox="1"/>
           <p:nvPr/>
@@ -13112,47 +10802,6 @@
                 </a:solidFill>
               </a:rPr>
               <a:t>The research background</a:t>
-            </a:r>
-          </a:p>
-        </p:txBody>
-      </p:sp>
-      <p:sp>
-        <p:nvSpPr>
-          <p:cNvPr id="19" name="文本框 18">
-            <a:extLst>
-              <a:ext uri="{FF2B5EF4-FFF2-40B4-BE49-F238E27FC236}">
-                <a16:creationId xmlns:a16="http://schemas.microsoft.com/office/drawing/2014/main" id="{8F82369D-1CA9-440C-B7DA-054957D6347A}"/>
-              </a:ext>
-            </a:extLst>
-          </p:cNvPr>
-          <p:cNvSpPr txBox="1"/>
-          <p:nvPr/>
-        </p:nvSpPr>
-        <p:spPr>
-          <a:xfrm>
-            <a:off x="8917305" y="5880043"/>
-            <a:ext cx="2525813" cy="769441"/>
-          </a:xfrm>
-          <a:prstGeom prst="rect">
-            <a:avLst/>
-          </a:prstGeom>
-          <a:noFill/>
-        </p:spPr>
-        <p:txBody>
-          <a:bodyPr wrap="square" rtlCol="0">
-            <a:spAutoFit/>
-          </a:bodyPr>
-          <a:lstStyle/>
-          <a:p>
-            <a:r>
-              <a:rPr lang="zh-CN" altLang="en-US" sz="4400" dirty="0">
-                <a:solidFill>
-                  <a:srgbClr val="FFC000"/>
-                </a:solidFill>
-                <a:latin typeface="微软雅黑" panose="020B0503020204020204" charset="-122"/>
-                <a:ea typeface="微软雅黑" panose="020B0503020204020204" charset="-122"/>
-              </a:rPr>
-              <a:t>飞机大战</a:t>
             </a:r>
           </a:p>
         </p:txBody>
@@ -13258,7 +10907,7 @@
                 <a:latin typeface="微软雅黑" panose="020B0503020204020204" charset="-122"/>
                 <a:ea typeface="微软雅黑" panose="020B0503020204020204" charset="-122"/>
               </a:rPr>
-              <a:t>意    义</a:t>
+              <a:t>管理工具</a:t>
             </a:r>
           </a:p>
         </p:txBody>
@@ -13271,7 +10920,7 @@
         </p:nvSpPr>
         <p:spPr>
           <a:xfrm>
-            <a:off x="2560320" y="332105"/>
+            <a:off x="2560320" y="320675"/>
             <a:ext cx="3580130" cy="460375"/>
           </a:xfrm>
           <a:prstGeom prst="rect">
@@ -13291,13 +10940,13 @@
           <a:lstStyle/>
           <a:p>
             <a:r>
-              <a:rPr lang="en-US" altLang="zh-CN" sz="2400">
+              <a:rPr lang="en-US" altLang="zh-CN" sz="2400" dirty="0">
                 <a:solidFill>
                   <a:schemeClr val="bg1"/>
                 </a:solidFill>
                 <a:sym typeface="+mn-ea"/>
               </a:rPr>
-              <a:t>Selected topic significance</a:t>
+              <a:t>Management Tool</a:t>
             </a:r>
           </a:p>
         </p:txBody>
@@ -13495,7 +11144,7 @@
                 <a:latin typeface="微软雅黑" panose="020B0503020204020204" charset="-122"/>
                 <a:ea typeface="微软雅黑" panose="020B0503020204020204" charset="-122"/>
               </a:rPr>
-              <a:t>团队合作</a:t>
+              <a:t>开 发</a:t>
             </a:r>
             <a:endParaRPr lang="en-US" altLang="zh-CN" sz="2800" b="1" dirty="0">
               <a:solidFill>
@@ -13518,8 +11167,8 @@
         </p:nvSpPr>
         <p:spPr>
           <a:xfrm>
-            <a:off x="1684020" y="2691269"/>
-            <a:ext cx="2241039" cy="2585323"/>
+            <a:off x="1684020" y="2720191"/>
+            <a:ext cx="2241039" cy="2308324"/>
           </a:xfrm>
           <a:prstGeom prst="rect">
             <a:avLst/>
@@ -13532,6 +11181,18 @@
           </a:bodyPr>
           <a:lstStyle/>
           <a:p>
+            <a:endParaRPr lang="en-US" altLang="zh-CN" b="1" dirty="0">
+              <a:solidFill>
+                <a:schemeClr val="tx1">
+                  <a:lumMod val="85000"/>
+                  <a:lumOff val="15000"/>
+                </a:schemeClr>
+              </a:solidFill>
+              <a:latin typeface="微软雅黑" panose="020B0503020204020204" charset="-122"/>
+              <a:ea typeface="微软雅黑" panose="020B0503020204020204" charset="-122"/>
+            </a:endParaRPr>
+          </a:p>
+          <a:p>
             <a:r>
               <a:rPr lang="zh-CN" altLang="en-US" b="1" dirty="0">
                 <a:solidFill>
@@ -13543,10 +11204,10 @@
                 <a:latin typeface="微软雅黑" panose="020B0503020204020204" charset="-122"/>
                 <a:ea typeface="微软雅黑" panose="020B0503020204020204" charset="-122"/>
               </a:rPr>
-              <a:t>在这次的开发中主要为了提高团队的合作能力。</a:t>
-            </a:r>
-            <a:r>
-              <a:rPr lang="zh-CN" altLang="en-US" dirty="0">
+              <a:t>开发语言：</a:t>
+            </a:r>
+            <a:r>
+              <a:rPr lang="en-US" altLang="zh-CN" b="1" dirty="0">
                 <a:solidFill>
                   <a:schemeClr val="tx1">
                     <a:lumMod val="85000"/>
@@ -13556,8 +11217,125 @@
                 <a:latin typeface="微软雅黑" panose="020B0503020204020204" charset="-122"/>
                 <a:ea typeface="微软雅黑" panose="020B0503020204020204" charset="-122"/>
               </a:rPr>
-              <a:t>经过这次的配合团队内部能够更好地进行协作开发。通过头脑风暴，各自提出自己的观点，使得整体协作效率高于计算机项目。</a:t>
-            </a:r>
+              <a:t>Java</a:t>
+            </a:r>
+          </a:p>
+          <a:p>
+            <a:endParaRPr lang="en-US" altLang="zh-CN" b="1" dirty="0">
+              <a:solidFill>
+                <a:schemeClr val="tx1">
+                  <a:lumMod val="85000"/>
+                  <a:lumOff val="15000"/>
+                </a:schemeClr>
+              </a:solidFill>
+              <a:latin typeface="微软雅黑" panose="020B0503020204020204" charset="-122"/>
+              <a:ea typeface="微软雅黑" panose="020B0503020204020204" charset="-122"/>
+            </a:endParaRPr>
+          </a:p>
+          <a:p>
+            <a:r>
+              <a:rPr lang="zh-CN" altLang="en-US" b="1" dirty="0">
+                <a:solidFill>
+                  <a:schemeClr val="tx1">
+                    <a:lumMod val="85000"/>
+                    <a:lumOff val="15000"/>
+                  </a:schemeClr>
+                </a:solidFill>
+                <a:latin typeface="微软雅黑" panose="020B0503020204020204" charset="-122"/>
+                <a:ea typeface="微软雅黑" panose="020B0503020204020204" charset="-122"/>
+              </a:rPr>
+              <a:t>开发环境：</a:t>
+            </a:r>
+            <a:r>
+              <a:rPr lang="en-US" altLang="zh-CN" b="1" dirty="0">
+                <a:solidFill>
+                  <a:schemeClr val="tx1">
+                    <a:lumMod val="85000"/>
+                    <a:lumOff val="15000"/>
+                  </a:schemeClr>
+                </a:solidFill>
+                <a:latin typeface="微软雅黑" panose="020B0503020204020204" charset="-122"/>
+                <a:ea typeface="微软雅黑" panose="020B0503020204020204" charset="-122"/>
+              </a:rPr>
+              <a:t>JDK1.8</a:t>
+            </a:r>
+          </a:p>
+          <a:p>
+            <a:endParaRPr lang="en-US" altLang="zh-CN" b="1" dirty="0">
+              <a:solidFill>
+                <a:schemeClr val="tx1">
+                  <a:lumMod val="85000"/>
+                  <a:lumOff val="15000"/>
+                </a:schemeClr>
+              </a:solidFill>
+              <a:latin typeface="微软雅黑" panose="020B0503020204020204" charset="-122"/>
+              <a:ea typeface="微软雅黑" panose="020B0503020204020204" charset="-122"/>
+            </a:endParaRPr>
+          </a:p>
+          <a:p>
+            <a:r>
+              <a:rPr lang="zh-CN" altLang="en-US" b="1" dirty="0">
+                <a:solidFill>
+                  <a:schemeClr val="tx1">
+                    <a:lumMod val="85000"/>
+                    <a:lumOff val="15000"/>
+                  </a:schemeClr>
+                </a:solidFill>
+                <a:latin typeface="微软雅黑" panose="020B0503020204020204" charset="-122"/>
+                <a:ea typeface="微软雅黑" panose="020B0503020204020204" charset="-122"/>
+              </a:rPr>
+              <a:t>开发工具：</a:t>
+            </a:r>
+            <a:r>
+              <a:rPr lang="en-US" altLang="zh-CN" b="1" dirty="0">
+                <a:solidFill>
+                  <a:schemeClr val="tx1">
+                    <a:lumMod val="85000"/>
+                    <a:lumOff val="15000"/>
+                  </a:schemeClr>
+                </a:solidFill>
+                <a:latin typeface="微软雅黑" panose="020B0503020204020204" charset="-122"/>
+                <a:ea typeface="微软雅黑" panose="020B0503020204020204" charset="-122"/>
+              </a:rPr>
+              <a:t>eclipse</a:t>
+            </a:r>
+          </a:p>
+          <a:p>
+            <a:endParaRPr lang="en-US" altLang="zh-CN" b="1" dirty="0">
+              <a:solidFill>
+                <a:schemeClr val="tx1">
+                  <a:lumMod val="85000"/>
+                  <a:lumOff val="15000"/>
+                </a:schemeClr>
+              </a:solidFill>
+              <a:latin typeface="微软雅黑" panose="020B0503020204020204" charset="-122"/>
+              <a:ea typeface="微软雅黑" panose="020B0503020204020204" charset="-122"/>
+            </a:endParaRPr>
+          </a:p>
+          <a:p>
+            <a:r>
+              <a:rPr lang="zh-CN" altLang="en-US" b="1" dirty="0">
+                <a:solidFill>
+                  <a:schemeClr val="tx1">
+                    <a:lumMod val="85000"/>
+                    <a:lumOff val="15000"/>
+                  </a:schemeClr>
+                </a:solidFill>
+                <a:latin typeface="微软雅黑" panose="020B0503020204020204" charset="-122"/>
+                <a:ea typeface="微软雅黑" panose="020B0503020204020204" charset="-122"/>
+              </a:rPr>
+              <a:t>开发周期：两周</a:t>
+            </a:r>
+            <a:endParaRPr lang="zh-CN" altLang="en-US" dirty="0">
+              <a:solidFill>
+                <a:schemeClr val="tx1">
+                  <a:lumMod val="85000"/>
+                  <a:lumOff val="15000"/>
+                </a:schemeClr>
+              </a:solidFill>
+              <a:latin typeface="微软雅黑" panose="020B0503020204020204" charset="-122"/>
+              <a:ea typeface="微软雅黑" panose="020B0503020204020204" charset="-122"/>
+            </a:endParaRPr>
           </a:p>
         </p:txBody>
       </p:sp>
@@ -13595,7 +11373,7 @@
                 <a:latin typeface="微软雅黑" panose="020B0503020204020204" charset="-122"/>
                 <a:ea typeface="微软雅黑" panose="020B0503020204020204" charset="-122"/>
               </a:rPr>
-              <a:t>熟悉业务</a:t>
+              <a:t>管 理</a:t>
             </a:r>
             <a:endParaRPr lang="en-US" altLang="zh-CN" sz="2800" b="1" dirty="0">
               <a:solidFill>
@@ -13618,8 +11396,8 @@
         </p:nvSpPr>
         <p:spPr>
           <a:xfrm>
-            <a:off x="5021580" y="2697480"/>
-            <a:ext cx="2423160" cy="2585323"/>
+            <a:off x="4928870" y="2705215"/>
+            <a:ext cx="2423160" cy="2308324"/>
           </a:xfrm>
           <a:prstGeom prst="rect">
             <a:avLst/>
@@ -13632,6 +11410,44 @@
           </a:bodyPr>
           <a:lstStyle/>
           <a:p>
+            <a:endParaRPr lang="en-US" altLang="zh-CN" b="1" dirty="0">
+              <a:solidFill>
+                <a:schemeClr val="tx1">
+                  <a:lumMod val="85000"/>
+                  <a:lumOff val="15000"/>
+                </a:schemeClr>
+              </a:solidFill>
+              <a:latin typeface="微软雅黑" panose="020B0503020204020204" charset="-122"/>
+              <a:ea typeface="微软雅黑" panose="020B0503020204020204" charset="-122"/>
+            </a:endParaRPr>
+          </a:p>
+          <a:p>
+            <a:endParaRPr lang="en-US" altLang="zh-CN" b="1" dirty="0">
+              <a:solidFill>
+                <a:schemeClr val="tx1">
+                  <a:lumMod val="85000"/>
+                  <a:lumOff val="15000"/>
+                </a:schemeClr>
+              </a:solidFill>
+              <a:latin typeface="微软雅黑" panose="020B0503020204020204" charset="-122"/>
+              <a:ea typeface="微软雅黑" panose="020B0503020204020204" charset="-122"/>
+            </a:endParaRPr>
+          </a:p>
+          <a:p>
+            <a:pPr algn="ctr"/>
+            <a:endParaRPr lang="en-US" altLang="zh-CN" b="1" dirty="0">
+              <a:solidFill>
+                <a:schemeClr val="tx1">
+                  <a:lumMod val="85000"/>
+                  <a:lumOff val="15000"/>
+                </a:schemeClr>
+              </a:solidFill>
+              <a:latin typeface="微软雅黑" panose="020B0503020204020204" charset="-122"/>
+              <a:ea typeface="微软雅黑" panose="020B0503020204020204" charset="-122"/>
+            </a:endParaRPr>
+          </a:p>
+          <a:p>
+            <a:pPr algn="ctr"/>
             <a:r>
               <a:rPr lang="zh-CN" altLang="en-US" b="1" dirty="0">
                 <a:solidFill>
@@ -13643,10 +11459,10 @@
                 <a:latin typeface="微软雅黑" panose="020B0503020204020204" charset="-122"/>
                 <a:ea typeface="微软雅黑" panose="020B0503020204020204" charset="-122"/>
               </a:rPr>
-              <a:t>让团队里的每一个成员都能知道公司的开发流程，有助于在未来的工作中更好地熟悉流程。</a:t>
-            </a:r>
-            <a:r>
-              <a:rPr lang="zh-CN" altLang="en-US" dirty="0">
+              <a:t>代码管理：</a:t>
+            </a:r>
+            <a:r>
+              <a:rPr lang="en-US" altLang="zh-CN" b="1" dirty="0">
                 <a:solidFill>
                   <a:schemeClr val="tx1">
                     <a:lumMod val="85000"/>
@@ -13656,8 +11472,74 @@
                 <a:latin typeface="微软雅黑" panose="020B0503020204020204" charset="-122"/>
                 <a:ea typeface="微软雅黑" panose="020B0503020204020204" charset="-122"/>
               </a:rPr>
-              <a:t>小组内基本的业务流程大概都清楚，然后各自又有明确的分工，去完成各自的工作。</a:t>
-            </a:r>
+              <a:t>GitHub</a:t>
+            </a:r>
+          </a:p>
+          <a:p>
+            <a:pPr algn="ctr"/>
+            <a:endParaRPr lang="en-US" altLang="zh-CN" b="1" dirty="0">
+              <a:solidFill>
+                <a:schemeClr val="tx1">
+                  <a:lumMod val="85000"/>
+                  <a:lumOff val="15000"/>
+                </a:schemeClr>
+              </a:solidFill>
+              <a:latin typeface="微软雅黑" panose="020B0503020204020204" charset="-122"/>
+              <a:ea typeface="微软雅黑" panose="020B0503020204020204" charset="-122"/>
+            </a:endParaRPr>
+          </a:p>
+          <a:p>
+            <a:pPr algn="ctr"/>
+            <a:r>
+              <a:rPr lang="zh-CN" altLang="en-US" b="1" dirty="0">
+                <a:solidFill>
+                  <a:schemeClr val="tx1">
+                    <a:lumMod val="85000"/>
+                    <a:lumOff val="15000"/>
+                  </a:schemeClr>
+                </a:solidFill>
+                <a:latin typeface="微软雅黑" panose="020B0503020204020204" charset="-122"/>
+                <a:ea typeface="微软雅黑" panose="020B0503020204020204" charset="-122"/>
+              </a:rPr>
+              <a:t>文件管理：</a:t>
+            </a:r>
+            <a:r>
+              <a:rPr lang="en-US" altLang="zh-CN" b="1" dirty="0">
+                <a:solidFill>
+                  <a:schemeClr val="tx1">
+                    <a:lumMod val="85000"/>
+                    <a:lumOff val="15000"/>
+                  </a:schemeClr>
+                </a:solidFill>
+                <a:latin typeface="微软雅黑" panose="020B0503020204020204" charset="-122"/>
+                <a:ea typeface="微软雅黑" panose="020B0503020204020204" charset="-122"/>
+              </a:rPr>
+              <a:t>Tower</a:t>
+            </a:r>
+          </a:p>
+          <a:p>
+            <a:endParaRPr lang="en-US" altLang="zh-CN" b="1" dirty="0">
+              <a:solidFill>
+                <a:schemeClr val="tx1">
+                  <a:lumMod val="85000"/>
+                  <a:lumOff val="15000"/>
+                </a:schemeClr>
+              </a:solidFill>
+              <a:latin typeface="微软雅黑" panose="020B0503020204020204" charset="-122"/>
+              <a:ea typeface="微软雅黑" panose="020B0503020204020204" charset="-122"/>
+            </a:endParaRPr>
+          </a:p>
+          <a:p>
+            <a:endParaRPr lang="zh-CN" altLang="en-US" dirty="0">
+              <a:solidFill>
+                <a:schemeClr val="tx1">
+                  <a:lumMod val="85000"/>
+                  <a:lumOff val="15000"/>
+                </a:schemeClr>
+              </a:solidFill>
+              <a:latin typeface="微软雅黑" panose="020B0503020204020204" charset="-122"/>
+              <a:ea typeface="微软雅黑" panose="020B0503020204020204" charset="-122"/>
+            </a:endParaRPr>
           </a:p>
         </p:txBody>
       </p:sp>
@@ -13669,7 +11551,7 @@
         </p:nvSpPr>
         <p:spPr>
           <a:xfrm>
-            <a:off x="8619904" y="2054870"/>
+            <a:off x="8619904" y="2098378"/>
             <a:ext cx="1659709" cy="523220"/>
           </a:xfrm>
           <a:prstGeom prst="rect">
@@ -13695,7 +11577,7 @@
                 <a:latin typeface="微软雅黑" panose="020B0503020204020204" charset="-122"/>
                 <a:ea typeface="微软雅黑" panose="020B0503020204020204" charset="-122"/>
               </a:rPr>
-              <a:t>课堂实践</a:t>
+              <a:t>迭 代</a:t>
             </a:r>
             <a:endParaRPr lang="en-US" altLang="zh-CN" sz="2800" b="1" dirty="0">
               <a:solidFill>
@@ -13718,8 +11600,8 @@
         </p:nvSpPr>
         <p:spPr>
           <a:xfrm>
-            <a:off x="8354695" y="2697480"/>
-            <a:ext cx="2423160" cy="2585323"/>
+            <a:off x="8238178" y="2920401"/>
+            <a:ext cx="2423160" cy="1477328"/>
           </a:xfrm>
           <a:prstGeom prst="rect">
             <a:avLst/>
@@ -13732,6 +11614,31 @@
           </a:bodyPr>
           <a:lstStyle/>
           <a:p>
+            <a:endParaRPr lang="en-US" altLang="zh-CN" b="1" dirty="0">
+              <a:solidFill>
+                <a:schemeClr val="tx1">
+                  <a:lumMod val="85000"/>
+                  <a:lumOff val="15000"/>
+                </a:schemeClr>
+              </a:solidFill>
+              <a:latin typeface="微软雅黑" panose="020B0503020204020204" charset="-122"/>
+              <a:ea typeface="微软雅黑" panose="020B0503020204020204" charset="-122"/>
+            </a:endParaRPr>
+          </a:p>
+          <a:p>
+            <a:endParaRPr lang="en-US" altLang="zh-CN" b="1" dirty="0">
+              <a:solidFill>
+                <a:schemeClr val="tx1">
+                  <a:lumMod val="85000"/>
+                  <a:lumOff val="15000"/>
+                </a:schemeClr>
+              </a:solidFill>
+              <a:latin typeface="微软雅黑" panose="020B0503020204020204" charset="-122"/>
+              <a:ea typeface="微软雅黑" panose="020B0503020204020204" charset="-122"/>
+            </a:endParaRPr>
+          </a:p>
+          <a:p>
+            <a:pPr algn="ctr"/>
             <a:r>
               <a:rPr lang="zh-CN" altLang="en-US" b="1" dirty="0">
                 <a:solidFill>
@@ -13743,10 +11650,10 @@
                 <a:latin typeface="微软雅黑" panose="020B0503020204020204" charset="-122"/>
                 <a:ea typeface="微软雅黑" panose="020B0503020204020204" charset="-122"/>
               </a:rPr>
-              <a:t>通过这次的项目练习，更好的将课堂上所学的知识与实际开发相结合更好的提高学习效率。</a:t>
-            </a:r>
-            <a:r>
-              <a:rPr lang="zh-CN" altLang="en-US" dirty="0">
+              <a:t>版本</a:t>
+            </a:r>
+            <a:r>
+              <a:rPr lang="en-US" altLang="zh-CN" b="1" dirty="0">
                 <a:solidFill>
                   <a:schemeClr val="tx1">
                     <a:lumMod val="85000"/>
@@ -13756,8 +11663,60 @@
                 <a:latin typeface="微软雅黑" panose="020B0503020204020204" charset="-122"/>
                 <a:ea typeface="微软雅黑" panose="020B0503020204020204" charset="-122"/>
               </a:rPr>
-              <a:t>课堂与课下的实践相结合，对所学的知识能够更好的理解，从而运用到实际工作中。</a:t>
-            </a:r>
+              <a:t>1.0</a:t>
+            </a:r>
+          </a:p>
+          <a:p>
+            <a:pPr algn="ctr"/>
+            <a:endParaRPr lang="en-US" altLang="zh-CN" b="1" dirty="0">
+              <a:solidFill>
+                <a:schemeClr val="tx1">
+                  <a:lumMod val="85000"/>
+                  <a:lumOff val="15000"/>
+                </a:schemeClr>
+              </a:solidFill>
+              <a:latin typeface="微软雅黑" panose="020B0503020204020204" charset="-122"/>
+              <a:ea typeface="微软雅黑" panose="020B0503020204020204" charset="-122"/>
+            </a:endParaRPr>
+          </a:p>
+          <a:p>
+            <a:pPr algn="ctr"/>
+            <a:r>
+              <a:rPr lang="zh-CN" altLang="en-US" b="1" dirty="0">
+                <a:solidFill>
+                  <a:schemeClr val="tx1">
+                    <a:lumMod val="85000"/>
+                    <a:lumOff val="15000"/>
+                  </a:schemeClr>
+                </a:solidFill>
+                <a:latin typeface="微软雅黑" panose="020B0503020204020204" charset="-122"/>
+                <a:ea typeface="微软雅黑" panose="020B0503020204020204" charset="-122"/>
+              </a:rPr>
+              <a:t>版本</a:t>
+            </a:r>
+            <a:r>
+              <a:rPr lang="en-US" altLang="zh-CN" b="1" dirty="0">
+                <a:solidFill>
+                  <a:schemeClr val="tx1">
+                    <a:lumMod val="85000"/>
+                    <a:lumOff val="15000"/>
+                  </a:schemeClr>
+                </a:solidFill>
+                <a:latin typeface="微软雅黑" panose="020B0503020204020204" charset="-122"/>
+                <a:ea typeface="微软雅黑" panose="020B0503020204020204" charset="-122"/>
+              </a:rPr>
+              <a:t>2.0</a:t>
+            </a:r>
+            <a:endParaRPr lang="zh-CN" altLang="en-US" dirty="0">
+              <a:solidFill>
+                <a:schemeClr val="tx1">
+                  <a:lumMod val="85000"/>
+                  <a:lumOff val="15000"/>
+                </a:schemeClr>
+              </a:solidFill>
+              <a:latin typeface="微软雅黑" panose="020B0503020204020204" charset="-122"/>
+              <a:ea typeface="微软雅黑" panose="020B0503020204020204" charset="-122"/>
+            </a:endParaRPr>
           </a:p>
         </p:txBody>
       </p:sp>
@@ -15032,7 +12991,7 @@
                 <a:latin typeface="微软雅黑" panose="020B0503020204020204" charset="-122"/>
                 <a:ea typeface="微软雅黑" panose="020B0503020204020204" charset="-122"/>
               </a:rPr>
-              <a:t>合  作</a:t>
+              <a:t>分  工</a:t>
             </a:r>
           </a:p>
         </p:txBody>
@@ -15075,7 +13034,7 @@
                 <a:cs typeface="Arial" panose="020B0604020202020204" pitchFamily="34" charset="0"/>
                 <a:sym typeface="+mn-ea"/>
               </a:rPr>
-              <a:t>Cooperation</a:t>
+              <a:t>Division</a:t>
             </a:r>
             <a:endParaRPr lang="en-US" altLang="zh-CN" sz="2400" dirty="0">
               <a:solidFill>

--- a/飞机大战项目/飞机大战.pptx
+++ b/飞机大战项目/飞机大战.pptx
@@ -13208,15 +13208,22 @@
           <a:p>
             <a:pPr algn="ctr"/>
             <a:r>
-              <a:rPr lang="zh-CN" altLang="en-US" sz="2000" b="1" dirty="0">
+              <a:rPr lang="zh-CN" altLang="en-US" sz="2000" b="1">
                 <a:solidFill>
                   <a:schemeClr val="tx1"/>
                 </a:solidFill>
                 <a:latin typeface="微软雅黑" panose="020B0503020204020204" charset="-122"/>
                 <a:ea typeface="微软雅黑" panose="020B0503020204020204" charset="-122"/>
               </a:rPr>
-              <a:t>王泽琪</a:t>
-            </a:r>
+              <a:t>王泽旗</a:t>
+            </a:r>
+            <a:endParaRPr lang="zh-CN" altLang="en-US" sz="2000" b="1" dirty="0">
+              <a:solidFill>
+                <a:schemeClr val="tx1"/>
+              </a:solidFill>
+              <a:latin typeface="微软雅黑" panose="020B0503020204020204" charset="-122"/>
+              <a:ea typeface="微软雅黑" panose="020B0503020204020204" charset="-122"/>
+            </a:endParaRPr>
           </a:p>
         </p:txBody>
       </p:sp>
